--- a/IHRM ppt.pptx
+++ b/IHRM ppt.pptx
@@ -4,6 +4,9 @@
   <p:sldMasterIdLst>
     <p:sldMasterId id="2147483648" r:id="rId1"/>
   </p:sldMasterIdLst>
+  <p:notesMasterIdLst>
+    <p:notesMasterId r:id="rId24"/>
+  </p:notesMasterIdLst>
   <p:sldIdLst>
     <p:sldId id="256" r:id="rId2"/>
     <p:sldId id="257" r:id="rId3"/>
@@ -128,6 +131,353 @@
 </p:presentation>
 </file>
 
+<file path=ppt/notesMasters/notesMaster1.xml><?xml version="1.0" encoding="utf-8"?>
+<p:notesMaster xmlns:a="http://schemas.openxmlformats.org/drawingml/2006/main" xmlns:r="http://schemas.openxmlformats.org/officeDocument/2006/relationships" xmlns:p="http://schemas.openxmlformats.org/presentationml/2006/main">
+  <p:cSld>
+    <p:bg>
+      <p:bgRef idx="1001">
+        <a:schemeClr val="bg1"/>
+      </p:bgRef>
+    </p:bg>
+    <p:spTree>
+      <p:nvGrpSpPr>
+        <p:cNvPr id="1" name=""/>
+        <p:cNvGrpSpPr/>
+        <p:nvPr/>
+      </p:nvGrpSpPr>
+      <p:grpSpPr>
+        <a:xfrm>
+          <a:off x="0" y="0"/>
+          <a:ext cx="0" cy="0"/>
+          <a:chOff x="0" y="0"/>
+          <a:chExt cx="0" cy="0"/>
+        </a:xfrm>
+      </p:grpSpPr>
+      <p:sp>
+        <p:nvSpPr>
+          <p:cNvPr id="2" name="Header Placeholder 1"/>
+          <p:cNvSpPr>
+            <a:spLocks noGrp="1"/>
+          </p:cNvSpPr>
+          <p:nvPr>
+            <p:ph type="hdr" sz="quarter"/>
+          </p:nvPr>
+        </p:nvSpPr>
+        <p:spPr>
+          <a:xfrm>
+            <a:off x="0" y="0"/>
+            <a:ext cx="2971800" cy="457200"/>
+          </a:xfrm>
+          <a:prstGeom prst="rect">
+            <a:avLst/>
+          </a:prstGeom>
+        </p:spPr>
+        <p:txBody>
+          <a:bodyPr vert="horz" lIns="91440" tIns="45720" rIns="91440" bIns="45720" rtlCol="0"/>
+          <a:lstStyle>
+            <a:lvl1pPr algn="l">
+              <a:defRPr sz="1200"/>
+            </a:lvl1pPr>
+          </a:lstStyle>
+          <a:p>
+            <a:endParaRPr lang="en-US"/>
+          </a:p>
+        </p:txBody>
+      </p:sp>
+      <p:sp>
+        <p:nvSpPr>
+          <p:cNvPr id="3" name="Date Placeholder 2"/>
+          <p:cNvSpPr>
+            <a:spLocks noGrp="1"/>
+          </p:cNvSpPr>
+          <p:nvPr>
+            <p:ph type="dt" idx="1"/>
+          </p:nvPr>
+        </p:nvSpPr>
+        <p:spPr>
+          <a:xfrm>
+            <a:off x="3884613" y="0"/>
+            <a:ext cx="2971800" cy="457200"/>
+          </a:xfrm>
+          <a:prstGeom prst="rect">
+            <a:avLst/>
+          </a:prstGeom>
+        </p:spPr>
+        <p:txBody>
+          <a:bodyPr vert="horz" lIns="91440" tIns="45720" rIns="91440" bIns="45720" rtlCol="0"/>
+          <a:lstStyle>
+            <a:lvl1pPr algn="r">
+              <a:defRPr sz="1200"/>
+            </a:lvl1pPr>
+          </a:lstStyle>
+          <a:p>
+            <a:fld id="{BBF2A33D-49AB-44EE-8BF3-76D9284DA1F5}" type="datetimeFigureOut">
+              <a:rPr lang="en-US" smtClean="0"/>
+              <a:t>5/4/2024</a:t>
+            </a:fld>
+            <a:endParaRPr lang="en-US"/>
+          </a:p>
+        </p:txBody>
+      </p:sp>
+      <p:sp>
+        <p:nvSpPr>
+          <p:cNvPr id="4" name="Slide Image Placeholder 3"/>
+          <p:cNvSpPr>
+            <a:spLocks noGrp="1" noRot="1" noChangeAspect="1"/>
+          </p:cNvSpPr>
+          <p:nvPr>
+            <p:ph type="sldImg" idx="2"/>
+          </p:nvPr>
+        </p:nvSpPr>
+        <p:spPr>
+          <a:xfrm>
+            <a:off x="1143000" y="685800"/>
+            <a:ext cx="4572000" cy="3429000"/>
+          </a:xfrm>
+          <a:prstGeom prst="rect">
+            <a:avLst/>
+          </a:prstGeom>
+          <a:noFill/>
+          <a:ln w="12700">
+            <a:solidFill>
+              <a:prstClr val="black"/>
+            </a:solidFill>
+          </a:ln>
+        </p:spPr>
+        <p:txBody>
+          <a:bodyPr vert="horz" lIns="91440" tIns="45720" rIns="91440" bIns="45720" rtlCol="0" anchor="ctr"/>
+          <a:lstStyle/>
+          <a:p>
+            <a:endParaRPr lang="en-US"/>
+          </a:p>
+        </p:txBody>
+      </p:sp>
+      <p:sp>
+        <p:nvSpPr>
+          <p:cNvPr id="5" name="Notes Placeholder 4"/>
+          <p:cNvSpPr>
+            <a:spLocks noGrp="1"/>
+          </p:cNvSpPr>
+          <p:nvPr>
+            <p:ph type="body" sz="quarter" idx="3"/>
+          </p:nvPr>
+        </p:nvSpPr>
+        <p:spPr>
+          <a:xfrm>
+            <a:off x="685800" y="4343400"/>
+            <a:ext cx="5486400" cy="4114800"/>
+          </a:xfrm>
+          <a:prstGeom prst="rect">
+            <a:avLst/>
+          </a:prstGeom>
+        </p:spPr>
+        <p:txBody>
+          <a:bodyPr vert="horz" lIns="91440" tIns="45720" rIns="91440" bIns="45720" rtlCol="0">
+            <a:normAutofit/>
+          </a:bodyPr>
+          <a:lstStyle/>
+          <a:p>
+            <a:pPr lvl="0"/>
+            <a:r>
+              <a:rPr lang="en-US" smtClean="0"/>
+              <a:t>Click to edit Master text styles</a:t>
+            </a:r>
+          </a:p>
+          <a:p>
+            <a:pPr lvl="1"/>
+            <a:r>
+              <a:rPr lang="en-US" smtClean="0"/>
+              <a:t>Second level</a:t>
+            </a:r>
+          </a:p>
+          <a:p>
+            <a:pPr lvl="2"/>
+            <a:r>
+              <a:rPr lang="en-US" smtClean="0"/>
+              <a:t>Third level</a:t>
+            </a:r>
+          </a:p>
+          <a:p>
+            <a:pPr lvl="3"/>
+            <a:r>
+              <a:rPr lang="en-US" smtClean="0"/>
+              <a:t>Fourth level</a:t>
+            </a:r>
+          </a:p>
+          <a:p>
+            <a:pPr lvl="4"/>
+            <a:r>
+              <a:rPr lang="en-US" smtClean="0"/>
+              <a:t>Fifth level</a:t>
+            </a:r>
+            <a:endParaRPr lang="en-US"/>
+          </a:p>
+        </p:txBody>
+      </p:sp>
+      <p:sp>
+        <p:nvSpPr>
+          <p:cNvPr id="6" name="Footer Placeholder 5"/>
+          <p:cNvSpPr>
+            <a:spLocks noGrp="1"/>
+          </p:cNvSpPr>
+          <p:nvPr>
+            <p:ph type="ftr" sz="quarter" idx="4"/>
+          </p:nvPr>
+        </p:nvSpPr>
+        <p:spPr>
+          <a:xfrm>
+            <a:off x="0" y="8685213"/>
+            <a:ext cx="2971800" cy="457200"/>
+          </a:xfrm>
+          <a:prstGeom prst="rect">
+            <a:avLst/>
+          </a:prstGeom>
+        </p:spPr>
+        <p:txBody>
+          <a:bodyPr vert="horz" lIns="91440" tIns="45720" rIns="91440" bIns="45720" rtlCol="0" anchor="b"/>
+          <a:lstStyle>
+            <a:lvl1pPr algn="l">
+              <a:defRPr sz="1200"/>
+            </a:lvl1pPr>
+          </a:lstStyle>
+          <a:p>
+            <a:endParaRPr lang="en-US"/>
+          </a:p>
+        </p:txBody>
+      </p:sp>
+      <p:sp>
+        <p:nvSpPr>
+          <p:cNvPr id="7" name="Slide Number Placeholder 6"/>
+          <p:cNvSpPr>
+            <a:spLocks noGrp="1"/>
+          </p:cNvSpPr>
+          <p:nvPr>
+            <p:ph type="sldNum" sz="quarter" idx="5"/>
+          </p:nvPr>
+        </p:nvSpPr>
+        <p:spPr>
+          <a:xfrm>
+            <a:off x="3884613" y="8685213"/>
+            <a:ext cx="2971800" cy="457200"/>
+          </a:xfrm>
+          <a:prstGeom prst="rect">
+            <a:avLst/>
+          </a:prstGeom>
+        </p:spPr>
+        <p:txBody>
+          <a:bodyPr vert="horz" lIns="91440" tIns="45720" rIns="91440" bIns="45720" rtlCol="0" anchor="b"/>
+          <a:lstStyle>
+            <a:lvl1pPr algn="r">
+              <a:defRPr sz="1200"/>
+            </a:lvl1pPr>
+          </a:lstStyle>
+          <a:p>
+            <a:fld id="{79AD8F74-2CD9-415B-A539-1D464BADFA39}" type="slidenum">
+              <a:rPr lang="en-US" smtClean="0"/>
+              <a:t>‹#›</a:t>
+            </a:fld>
+            <a:endParaRPr lang="en-US"/>
+          </a:p>
+        </p:txBody>
+      </p:sp>
+    </p:spTree>
+  </p:cSld>
+  <p:clrMap bg1="lt1" tx1="dk1" bg2="lt2" tx2="dk2" accent1="accent1" accent2="accent2" accent3="accent3" accent4="accent4" accent5="accent5" accent6="accent6" hlink="hlink" folHlink="folHlink"/>
+  <p:notesStyle>
+    <a:lvl1pPr marL="0" algn="l" defTabSz="914400" rtl="0" eaLnBrk="1" latinLnBrk="0" hangingPunct="1">
+      <a:defRPr sz="1200" kern="1200">
+        <a:solidFill>
+          <a:schemeClr val="tx1"/>
+        </a:solidFill>
+        <a:latin typeface="+mn-lt"/>
+        <a:ea typeface="+mn-ea"/>
+        <a:cs typeface="+mn-cs"/>
+      </a:defRPr>
+    </a:lvl1pPr>
+    <a:lvl2pPr marL="457200" algn="l" defTabSz="914400" rtl="0" eaLnBrk="1" latinLnBrk="0" hangingPunct="1">
+      <a:defRPr sz="1200" kern="1200">
+        <a:solidFill>
+          <a:schemeClr val="tx1"/>
+        </a:solidFill>
+        <a:latin typeface="+mn-lt"/>
+        <a:ea typeface="+mn-ea"/>
+        <a:cs typeface="+mn-cs"/>
+      </a:defRPr>
+    </a:lvl2pPr>
+    <a:lvl3pPr marL="914400" algn="l" defTabSz="914400" rtl="0" eaLnBrk="1" latinLnBrk="0" hangingPunct="1">
+      <a:defRPr sz="1200" kern="1200">
+        <a:solidFill>
+          <a:schemeClr val="tx1"/>
+        </a:solidFill>
+        <a:latin typeface="+mn-lt"/>
+        <a:ea typeface="+mn-ea"/>
+        <a:cs typeface="+mn-cs"/>
+      </a:defRPr>
+    </a:lvl3pPr>
+    <a:lvl4pPr marL="1371600" algn="l" defTabSz="914400" rtl="0" eaLnBrk="1" latinLnBrk="0" hangingPunct="1">
+      <a:defRPr sz="1200" kern="1200">
+        <a:solidFill>
+          <a:schemeClr val="tx1"/>
+        </a:solidFill>
+        <a:latin typeface="+mn-lt"/>
+        <a:ea typeface="+mn-ea"/>
+        <a:cs typeface="+mn-cs"/>
+      </a:defRPr>
+    </a:lvl4pPr>
+    <a:lvl5pPr marL="1828800" algn="l" defTabSz="914400" rtl="0" eaLnBrk="1" latinLnBrk="0" hangingPunct="1">
+      <a:defRPr sz="1200" kern="1200">
+        <a:solidFill>
+          <a:schemeClr val="tx1"/>
+        </a:solidFill>
+        <a:latin typeface="+mn-lt"/>
+        <a:ea typeface="+mn-ea"/>
+        <a:cs typeface="+mn-cs"/>
+      </a:defRPr>
+    </a:lvl5pPr>
+    <a:lvl6pPr marL="2286000" algn="l" defTabSz="914400" rtl="0" eaLnBrk="1" latinLnBrk="0" hangingPunct="1">
+      <a:defRPr sz="1200" kern="1200">
+        <a:solidFill>
+          <a:schemeClr val="tx1"/>
+        </a:solidFill>
+        <a:latin typeface="+mn-lt"/>
+        <a:ea typeface="+mn-ea"/>
+        <a:cs typeface="+mn-cs"/>
+      </a:defRPr>
+    </a:lvl6pPr>
+    <a:lvl7pPr marL="2743200" algn="l" defTabSz="914400" rtl="0" eaLnBrk="1" latinLnBrk="0" hangingPunct="1">
+      <a:defRPr sz="1200" kern="1200">
+        <a:solidFill>
+          <a:schemeClr val="tx1"/>
+        </a:solidFill>
+        <a:latin typeface="+mn-lt"/>
+        <a:ea typeface="+mn-ea"/>
+        <a:cs typeface="+mn-cs"/>
+      </a:defRPr>
+    </a:lvl7pPr>
+    <a:lvl8pPr marL="3200400" algn="l" defTabSz="914400" rtl="0" eaLnBrk="1" latinLnBrk="0" hangingPunct="1">
+      <a:defRPr sz="1200" kern="1200">
+        <a:solidFill>
+          <a:schemeClr val="tx1"/>
+        </a:solidFill>
+        <a:latin typeface="+mn-lt"/>
+        <a:ea typeface="+mn-ea"/>
+        <a:cs typeface="+mn-cs"/>
+      </a:defRPr>
+    </a:lvl8pPr>
+    <a:lvl9pPr marL="3657600" algn="l" defTabSz="914400" rtl="0" eaLnBrk="1" latinLnBrk="0" hangingPunct="1">
+      <a:defRPr sz="1200" kern="1200">
+        <a:solidFill>
+          <a:schemeClr val="tx1"/>
+        </a:solidFill>
+        <a:latin typeface="+mn-lt"/>
+        <a:ea typeface="+mn-ea"/>
+        <a:cs typeface="+mn-cs"/>
+      </a:defRPr>
+    </a:lvl9pPr>
+  </p:notesStyle>
+</p:notesMaster>
+</file>
+
 <file path=ppt/slideLayouts/slideLayout1.xml><?xml version="1.0" encoding="utf-8"?>
 <p:sldLayout xmlns:a="http://schemas.openxmlformats.org/drawingml/2006/main" xmlns:r="http://schemas.openxmlformats.org/officeDocument/2006/relationships" xmlns:p="http://schemas.openxmlformats.org/presentationml/2006/main" type="title" preserve="1">
   <p:cSld name="Title Slide">
@@ -307,9 +657,9 @@
           <a:bodyPr/>
           <a:lstStyle/>
           <a:p>
-            <a:fld id="{DE7B978D-1A60-43C0-9BBE-A5119FFB42E6}" type="datetimeFigureOut">
+            <a:fld id="{676D6C8F-539E-45F2-82EF-9DA4B21A660E}" type="datetime1">
               <a:rPr lang="en-US" smtClean="0"/>
-              <a:t>4/26/2024</a:t>
+              <a:t>5/4/2024</a:t>
             </a:fld>
             <a:endParaRPr lang="en-US"/>
           </a:p>
@@ -351,6 +701,7 @@
           <a:p>
             <a:fld id="{AFCDF0BB-A841-4AA6-915F-115810D426F2}" type="slidenum">
               <a:rPr lang="en-US" smtClean="0"/>
+              <a:pPr/>
               <a:t>‹#›</a:t>
             </a:fld>
             <a:endParaRPr lang="en-US"/>
@@ -472,9 +823,9 @@
           <a:bodyPr/>
           <a:lstStyle/>
           <a:p>
-            <a:fld id="{DE7B978D-1A60-43C0-9BBE-A5119FFB42E6}" type="datetimeFigureOut">
+            <a:fld id="{65CD9255-8072-435B-8841-D19F039C78D7}" type="datetime1">
               <a:rPr lang="en-US" smtClean="0"/>
-              <a:t>4/26/2024</a:t>
+              <a:t>5/4/2024</a:t>
             </a:fld>
             <a:endParaRPr lang="en-US"/>
           </a:p>
@@ -516,6 +867,7 @@
           <a:p>
             <a:fld id="{AFCDF0BB-A841-4AA6-915F-115810D426F2}" type="slidenum">
               <a:rPr lang="en-US" smtClean="0"/>
+              <a:pPr/>
               <a:t>‹#›</a:t>
             </a:fld>
             <a:endParaRPr lang="en-US"/>
@@ -647,9 +999,9 @@
           <a:bodyPr/>
           <a:lstStyle/>
           <a:p>
-            <a:fld id="{DE7B978D-1A60-43C0-9BBE-A5119FFB42E6}" type="datetimeFigureOut">
+            <a:fld id="{F52B6641-BF81-4C68-B324-2027E0A993B1}" type="datetime1">
               <a:rPr lang="en-US" smtClean="0"/>
-              <a:t>4/26/2024</a:t>
+              <a:t>5/4/2024</a:t>
             </a:fld>
             <a:endParaRPr lang="en-US"/>
           </a:p>
@@ -691,6 +1043,7 @@
           <a:p>
             <a:fld id="{AFCDF0BB-A841-4AA6-915F-115810D426F2}" type="slidenum">
               <a:rPr lang="en-US" smtClean="0"/>
+              <a:pPr/>
               <a:t>‹#›</a:t>
             </a:fld>
             <a:endParaRPr lang="en-US"/>
@@ -812,9 +1165,9 @@
           <a:bodyPr/>
           <a:lstStyle/>
           <a:p>
-            <a:fld id="{DE7B978D-1A60-43C0-9BBE-A5119FFB42E6}" type="datetimeFigureOut">
+            <a:fld id="{415DDA16-5648-43ED-8F33-68021E1E0DD4}" type="datetime1">
               <a:rPr lang="en-US" smtClean="0"/>
-              <a:t>4/26/2024</a:t>
+              <a:t>5/4/2024</a:t>
             </a:fld>
             <a:endParaRPr lang="en-US"/>
           </a:p>
@@ -856,6 +1209,7 @@
           <a:p>
             <a:fld id="{AFCDF0BB-A841-4AA6-915F-115810D426F2}" type="slidenum">
               <a:rPr lang="en-US" smtClean="0"/>
+              <a:pPr/>
               <a:t>‹#›</a:t>
             </a:fld>
             <a:endParaRPr lang="en-US"/>
@@ -1053,9 +1407,9 @@
           <a:bodyPr/>
           <a:lstStyle/>
           <a:p>
-            <a:fld id="{DE7B978D-1A60-43C0-9BBE-A5119FFB42E6}" type="datetimeFigureOut">
+            <a:fld id="{0E5420FC-43FE-4C26-9126-20872F97BAFF}" type="datetime1">
               <a:rPr lang="en-US" smtClean="0"/>
-              <a:t>4/26/2024</a:t>
+              <a:t>5/4/2024</a:t>
             </a:fld>
             <a:endParaRPr lang="en-US"/>
           </a:p>
@@ -1097,6 +1451,7 @@
           <a:p>
             <a:fld id="{AFCDF0BB-A841-4AA6-915F-115810D426F2}" type="slidenum">
               <a:rPr lang="en-US" smtClean="0"/>
+              <a:pPr/>
               <a:t>‹#›</a:t>
             </a:fld>
             <a:endParaRPr lang="en-US"/>
@@ -1336,9 +1691,9 @@
           <a:bodyPr/>
           <a:lstStyle/>
           <a:p>
-            <a:fld id="{DE7B978D-1A60-43C0-9BBE-A5119FFB42E6}" type="datetimeFigureOut">
+            <a:fld id="{BC711861-911F-4087-AA0D-31F51408129C}" type="datetime1">
               <a:rPr lang="en-US" smtClean="0"/>
-              <a:t>4/26/2024</a:t>
+              <a:t>5/4/2024</a:t>
             </a:fld>
             <a:endParaRPr lang="en-US"/>
           </a:p>
@@ -1380,6 +1735,7 @@
           <a:p>
             <a:fld id="{AFCDF0BB-A841-4AA6-915F-115810D426F2}" type="slidenum">
               <a:rPr lang="en-US" smtClean="0"/>
+              <a:pPr/>
               <a:t>‹#›</a:t>
             </a:fld>
             <a:endParaRPr lang="en-US"/>
@@ -1753,9 +2109,9 @@
           <a:bodyPr/>
           <a:lstStyle/>
           <a:p>
-            <a:fld id="{DE7B978D-1A60-43C0-9BBE-A5119FFB42E6}" type="datetimeFigureOut">
+            <a:fld id="{053E25BA-EDB6-400C-9FDB-90958856A554}" type="datetime1">
               <a:rPr lang="en-US" smtClean="0"/>
-              <a:t>4/26/2024</a:t>
+              <a:t>5/4/2024</a:t>
             </a:fld>
             <a:endParaRPr lang="en-US"/>
           </a:p>
@@ -1797,6 +2153,7 @@
           <a:p>
             <a:fld id="{AFCDF0BB-A841-4AA6-915F-115810D426F2}" type="slidenum">
               <a:rPr lang="en-US" smtClean="0"/>
+              <a:pPr/>
               <a:t>‹#›</a:t>
             </a:fld>
             <a:endParaRPr lang="en-US"/>
@@ -1866,9 +2223,9 @@
           <a:bodyPr/>
           <a:lstStyle/>
           <a:p>
-            <a:fld id="{DE7B978D-1A60-43C0-9BBE-A5119FFB42E6}" type="datetimeFigureOut">
+            <a:fld id="{D8433F74-86A5-4FD8-B82E-5C3082684C0B}" type="datetime1">
               <a:rPr lang="en-US" smtClean="0"/>
-              <a:t>4/26/2024</a:t>
+              <a:t>5/4/2024</a:t>
             </a:fld>
             <a:endParaRPr lang="en-US"/>
           </a:p>
@@ -1910,6 +2267,7 @@
           <a:p>
             <a:fld id="{AFCDF0BB-A841-4AA6-915F-115810D426F2}" type="slidenum">
               <a:rPr lang="en-US" smtClean="0"/>
+              <a:pPr/>
               <a:t>‹#›</a:t>
             </a:fld>
             <a:endParaRPr lang="en-US"/>
@@ -1956,9 +2314,9 @@
           <a:bodyPr/>
           <a:lstStyle/>
           <a:p>
-            <a:fld id="{DE7B978D-1A60-43C0-9BBE-A5119FFB42E6}" type="datetimeFigureOut">
+            <a:fld id="{2E1F55D2-012E-4587-AB96-83C5FA911873}" type="datetime1">
               <a:rPr lang="en-US" smtClean="0"/>
-              <a:t>4/26/2024</a:t>
+              <a:t>5/4/2024</a:t>
             </a:fld>
             <a:endParaRPr lang="en-US"/>
           </a:p>
@@ -2000,6 +2358,7 @@
           <a:p>
             <a:fld id="{AFCDF0BB-A841-4AA6-915F-115810D426F2}" type="slidenum">
               <a:rPr lang="en-US" smtClean="0"/>
+              <a:pPr/>
               <a:t>‹#›</a:t>
             </a:fld>
             <a:endParaRPr lang="en-US"/>
@@ -2228,9 +2587,9 @@
           <a:bodyPr/>
           <a:lstStyle/>
           <a:p>
-            <a:fld id="{DE7B978D-1A60-43C0-9BBE-A5119FFB42E6}" type="datetimeFigureOut">
+            <a:fld id="{90886C48-01DE-4593-AA2F-ED6C66969C94}" type="datetime1">
               <a:rPr lang="en-US" smtClean="0"/>
-              <a:t>4/26/2024</a:t>
+              <a:t>5/4/2024</a:t>
             </a:fld>
             <a:endParaRPr lang="en-US"/>
           </a:p>
@@ -2272,6 +2631,7 @@
           <a:p>
             <a:fld id="{AFCDF0BB-A841-4AA6-915F-115810D426F2}" type="slidenum">
               <a:rPr lang="en-US" smtClean="0"/>
+              <a:pPr/>
               <a:t>‹#›</a:t>
             </a:fld>
             <a:endParaRPr lang="en-US"/>
@@ -2476,9 +2836,9 @@
           <a:bodyPr/>
           <a:lstStyle/>
           <a:p>
-            <a:fld id="{DE7B978D-1A60-43C0-9BBE-A5119FFB42E6}" type="datetimeFigureOut">
+            <a:fld id="{DA5C5A30-4703-4CE9-8DBA-B93F35E541CD}" type="datetime1">
               <a:rPr lang="en-US" smtClean="0"/>
-              <a:t>4/26/2024</a:t>
+              <a:t>5/4/2024</a:t>
             </a:fld>
             <a:endParaRPr lang="en-US"/>
           </a:p>
@@ -2520,6 +2880,7 @@
           <a:p>
             <a:fld id="{AFCDF0BB-A841-4AA6-915F-115810D426F2}" type="slidenum">
               <a:rPr lang="en-US" smtClean="0"/>
+              <a:pPr/>
               <a:t>‹#›</a:t>
             </a:fld>
             <a:endParaRPr lang="en-US"/>
@@ -2684,9 +3045,9 @@
             </a:lvl1pPr>
           </a:lstStyle>
           <a:p>
-            <a:fld id="{DE7B978D-1A60-43C0-9BBE-A5119FFB42E6}" type="datetimeFigureOut">
+            <a:fld id="{44CBD428-9F02-4F1C-9708-EBB07AC8C77B}" type="datetime1">
               <a:rPr lang="en-US" smtClean="0"/>
-              <a:t>4/26/2024</a:t>
+              <a:t>5/4/2024</a:t>
             </a:fld>
             <a:endParaRPr lang="en-US"/>
           </a:p>
@@ -2764,6 +3125,7 @@
           <a:p>
             <a:fld id="{AFCDF0BB-A841-4AA6-915F-115810D426F2}" type="slidenum">
               <a:rPr lang="en-US" smtClean="0"/>
+              <a:pPr/>
               <a:t>‹#›</a:t>
             </a:fld>
             <a:endParaRPr lang="en-US"/>
@@ -2786,6 +3148,7 @@
     <p:sldLayoutId id="2147483658" r:id="rId10"/>
     <p:sldLayoutId id="2147483659" r:id="rId11"/>
   </p:sldLayoutIdLst>
+  <p:hf sldNum="0" hdr="0" ftr="0" dt="0"/>
   <p:txStyles>
     <p:titleStyle>
       <a:lvl1pPr algn="ctr" defTabSz="914400" rtl="0" eaLnBrk="1" latinLnBrk="0" hangingPunct="1">
@@ -3298,6 +3661,13 @@
   <p:clrMapOvr>
     <a:masterClrMapping/>
   </p:clrMapOvr>
+  <p:timing>
+    <p:tnLst>
+      <p:par>
+        <p:cTn id="1" dur="indefinite" restart="never" nodeType="tmRoot"/>
+      </p:par>
+    </p:tnLst>
+  </p:timing>
 </p:sld>
 </file>
 
@@ -3580,6 +3950,13 @@
   <p:clrMapOvr>
     <a:masterClrMapping/>
   </p:clrMapOvr>
+  <p:timing>
+    <p:tnLst>
+      <p:par>
+        <p:cTn id="1" dur="indefinite" restart="never" nodeType="tmRoot"/>
+      </p:par>
+    </p:tnLst>
+  </p:timing>
 </p:sld>
 </file>
 
@@ -3857,6 +4234,13 @@
   <p:clrMapOvr>
     <a:masterClrMapping/>
   </p:clrMapOvr>
+  <p:timing>
+    <p:tnLst>
+      <p:par>
+        <p:cTn id="1" dur="indefinite" restart="never" nodeType="tmRoot"/>
+      </p:par>
+    </p:tnLst>
+  </p:timing>
 </p:sld>
 </file>
 
@@ -4134,6 +4518,13 @@
   <p:clrMapOvr>
     <a:masterClrMapping/>
   </p:clrMapOvr>
+  <p:timing>
+    <p:tnLst>
+      <p:par>
+        <p:cTn id="1" dur="indefinite" restart="never" nodeType="tmRoot"/>
+      </p:par>
+    </p:tnLst>
+  </p:timing>
 </p:sld>
 </file>
 
@@ -4247,11 +4638,83 @@
           </a:p>
         </p:txBody>
       </p:sp>
+      <p:sp>
+        <p:nvSpPr>
+          <p:cNvPr id="7" name="Rectangle 6"/>
+          <p:cNvSpPr/>
+          <p:nvPr/>
+        </p:nvSpPr>
+        <p:spPr>
+          <a:xfrm>
+            <a:off x="1066800" y="1981200"/>
+            <a:ext cx="2878160" cy="1477328"/>
+          </a:xfrm>
+          <a:prstGeom prst="rect">
+            <a:avLst/>
+          </a:prstGeom>
+        </p:spPr>
+        <p:txBody>
+          <a:bodyPr wrap="none">
+            <a:spAutoFit/>
+          </a:bodyPr>
+          <a:lstStyle/>
+          <a:p>
+            <a:pPr marL="342900" indent="-342900">
+              <a:buFont typeface="+mj-lt"/>
+              <a:buAutoNum type="arabicPeriod"/>
+            </a:pPr>
+            <a:r>
+              <a:rPr lang="en-US" dirty="0" smtClean="0"/>
+              <a:t>Attendance Reports</a:t>
+            </a:r>
+          </a:p>
+          <a:p>
+            <a:pPr marL="342900" indent="-342900">
+              <a:buFont typeface="+mj-lt"/>
+              <a:buAutoNum type="arabicPeriod"/>
+            </a:pPr>
+            <a:r>
+              <a:rPr lang="en-US" dirty="0" smtClean="0"/>
+              <a:t>Customizable Reminders</a:t>
+            </a:r>
+          </a:p>
+          <a:p>
+            <a:pPr marL="342900" indent="-342900">
+              <a:buFont typeface="+mj-lt"/>
+              <a:buAutoNum type="arabicPeriod"/>
+            </a:pPr>
+            <a:r>
+              <a:rPr lang="en-US" dirty="0" smtClean="0"/>
+              <a:t>Reminder Notifications</a:t>
+            </a:r>
+          </a:p>
+          <a:p>
+            <a:pPr marL="342900" indent="-342900">
+              <a:buFont typeface="+mj-lt"/>
+              <a:buAutoNum type="arabicPeriod"/>
+            </a:pPr>
+            <a:r>
+              <a:rPr lang="en-US" dirty="0" smtClean="0"/>
+              <a:t>Attendance Tracking</a:t>
+            </a:r>
+          </a:p>
+          <a:p>
+            <a:endParaRPr lang="en-US" dirty="0"/>
+          </a:p>
+        </p:txBody>
+      </p:sp>
     </p:spTree>
   </p:cSld>
   <p:clrMapOvr>
     <a:masterClrMapping/>
   </p:clrMapOvr>
+  <p:timing>
+    <p:tnLst>
+      <p:par>
+        <p:cTn id="1" dur="indefinite" restart="never" nodeType="tmRoot"/>
+      </p:par>
+    </p:tnLst>
+  </p:timing>
 </p:sld>
 </file>
 
@@ -4529,6 +4992,13 @@
   <p:clrMapOvr>
     <a:masterClrMapping/>
   </p:clrMapOvr>
+  <p:timing>
+    <p:tnLst>
+      <p:par>
+        <p:cTn id="1" dur="indefinite" restart="never" nodeType="tmRoot"/>
+      </p:par>
+    </p:tnLst>
+  </p:timing>
 </p:sld>
 </file>
 
@@ -4850,6 +5320,13 @@
   <p:clrMapOvr>
     <a:masterClrMapping/>
   </p:clrMapOvr>
+  <p:timing>
+    <p:tnLst>
+      <p:par>
+        <p:cTn id="1" dur="indefinite" restart="never" nodeType="tmRoot"/>
+      </p:par>
+    </p:tnLst>
+  </p:timing>
 </p:sld>
 </file>
 
@@ -5194,6 +5671,13 @@
   <p:clrMapOvr>
     <a:masterClrMapping/>
   </p:clrMapOvr>
+  <p:timing>
+    <p:tnLst>
+      <p:par>
+        <p:cTn id="1" dur="indefinite" restart="never" nodeType="tmRoot"/>
+      </p:par>
+    </p:tnLst>
+  </p:timing>
 </p:sld>
 </file>
 
@@ -5576,6 +6060,13 @@
   <p:clrMapOvr>
     <a:masterClrMapping/>
   </p:clrMapOvr>
+  <p:timing>
+    <p:tnLst>
+      <p:par>
+        <p:cTn id="1" dur="indefinite" restart="never" nodeType="tmRoot"/>
+      </p:par>
+    </p:tnLst>
+  </p:timing>
 </p:sld>
 </file>
 
@@ -5681,11 +6172,252 @@
           </a:p>
         </p:txBody>
       </p:sp>
+      <p:sp>
+        <p:nvSpPr>
+          <p:cNvPr id="6" name="TextBox 5"/>
+          <p:cNvSpPr txBox="1"/>
+          <p:nvPr/>
+        </p:nvSpPr>
+        <p:spPr>
+          <a:xfrm>
+            <a:off x="1066800" y="1981200"/>
+            <a:ext cx="3241208" cy="4524315"/>
+          </a:xfrm>
+          <a:prstGeom prst="rect">
+            <a:avLst/>
+          </a:prstGeom>
+          <a:noFill/>
+        </p:spPr>
+        <p:txBody>
+          <a:bodyPr wrap="none" rtlCol="0">
+            <a:spAutoFit/>
+          </a:bodyPr>
+          <a:lstStyle/>
+          <a:p>
+            <a:pPr marL="342900" indent="-342900">
+              <a:buFont typeface="+mj-lt"/>
+              <a:buAutoNum type="arabicPeriod"/>
+            </a:pPr>
+            <a:r>
+              <a:rPr lang="en-US" dirty="0" smtClean="0"/>
+              <a:t>Asset </a:t>
+            </a:r>
+            <a:r>
+              <a:rPr lang="en-US" dirty="0" smtClean="0"/>
+              <a:t>Tracking</a:t>
+            </a:r>
+            <a:endParaRPr lang="en-US" dirty="0" smtClean="0"/>
+          </a:p>
+          <a:p>
+            <a:pPr marL="342900" indent="-342900">
+              <a:buFont typeface="+mj-lt"/>
+              <a:buAutoNum type="arabicPeriod"/>
+            </a:pPr>
+            <a:r>
+              <a:rPr lang="en-US" dirty="0" smtClean="0"/>
+              <a:t>Maintenance </a:t>
+            </a:r>
+            <a:r>
+              <a:rPr lang="en-US" dirty="0" smtClean="0"/>
+              <a:t>Scheduling</a:t>
+            </a:r>
+            <a:endParaRPr lang="en-US" dirty="0" smtClean="0"/>
+          </a:p>
+          <a:p>
+            <a:pPr marL="342900" indent="-342900">
+              <a:buFont typeface="+mj-lt"/>
+              <a:buAutoNum type="arabicPeriod"/>
+            </a:pPr>
+            <a:r>
+              <a:rPr lang="en-US" dirty="0" smtClean="0"/>
+              <a:t>Depreciation </a:t>
+            </a:r>
+            <a:r>
+              <a:rPr lang="en-US" dirty="0" smtClean="0"/>
+              <a:t>Tracking</a:t>
+            </a:r>
+            <a:endParaRPr lang="en-US" dirty="0" smtClean="0"/>
+          </a:p>
+          <a:p>
+            <a:pPr marL="342900" indent="-342900">
+              <a:buFont typeface="+mj-lt"/>
+              <a:buAutoNum type="arabicPeriod"/>
+            </a:pPr>
+            <a:r>
+              <a:rPr lang="en-US" dirty="0" smtClean="0"/>
+              <a:t>Inventory </a:t>
+            </a:r>
+            <a:r>
+              <a:rPr lang="en-US" dirty="0" smtClean="0"/>
+              <a:t>Management</a:t>
+            </a:r>
+            <a:endParaRPr lang="en-US" dirty="0" smtClean="0"/>
+          </a:p>
+          <a:p>
+            <a:pPr marL="342900" indent="-342900">
+              <a:buFont typeface="+mj-lt"/>
+              <a:buAutoNum type="arabicPeriod"/>
+            </a:pPr>
+            <a:r>
+              <a:rPr lang="en-US" dirty="0" smtClean="0"/>
+              <a:t>Asset Lifecycle </a:t>
+            </a:r>
+            <a:r>
+              <a:rPr lang="en-US" dirty="0" smtClean="0"/>
+              <a:t>Management</a:t>
+            </a:r>
+            <a:endParaRPr lang="en-US" dirty="0" smtClean="0"/>
+          </a:p>
+          <a:p>
+            <a:pPr marL="342900" indent="-342900">
+              <a:buFont typeface="+mj-lt"/>
+              <a:buAutoNum type="arabicPeriod"/>
+            </a:pPr>
+            <a:r>
+              <a:rPr lang="en-US" dirty="0" smtClean="0"/>
+              <a:t>Compliance </a:t>
+            </a:r>
+            <a:r>
+              <a:rPr lang="en-US" dirty="0" smtClean="0"/>
+              <a:t>Management</a:t>
+            </a:r>
+            <a:endParaRPr lang="en-US" dirty="0" smtClean="0"/>
+          </a:p>
+          <a:p>
+            <a:pPr marL="342900" indent="-342900">
+              <a:buFont typeface="+mj-lt"/>
+              <a:buAutoNum type="arabicPeriod"/>
+            </a:pPr>
+            <a:r>
+              <a:rPr lang="en-US" dirty="0" smtClean="0"/>
+              <a:t>Integration</a:t>
+            </a:r>
+            <a:endParaRPr lang="en-US" dirty="0" smtClean="0"/>
+          </a:p>
+          <a:p>
+            <a:pPr marL="342900" indent="-342900">
+              <a:buFont typeface="+mj-lt"/>
+              <a:buAutoNum type="arabicPeriod"/>
+            </a:pPr>
+            <a:r>
+              <a:rPr lang="en-US" dirty="0" smtClean="0"/>
+              <a:t>Mobile </a:t>
+            </a:r>
+            <a:r>
+              <a:rPr lang="en-US" dirty="0" smtClean="0"/>
+              <a:t>Access</a:t>
+            </a:r>
+            <a:endParaRPr lang="en-US" dirty="0" smtClean="0"/>
+          </a:p>
+          <a:p>
+            <a:pPr marL="342900" indent="-342900">
+              <a:buFont typeface="+mj-lt"/>
+              <a:buAutoNum type="arabicPeriod"/>
+            </a:pPr>
+            <a:r>
+              <a:rPr lang="en-US" dirty="0" smtClean="0"/>
+              <a:t>Reporting and </a:t>
+            </a:r>
+            <a:r>
+              <a:rPr lang="en-US" dirty="0" smtClean="0"/>
+              <a:t>Analytics</a:t>
+            </a:r>
+            <a:endParaRPr lang="en-US" dirty="0" smtClean="0"/>
+          </a:p>
+          <a:p>
+            <a:pPr marL="342900" indent="-342900">
+              <a:buFont typeface="+mj-lt"/>
+              <a:buAutoNum type="arabicPeriod"/>
+            </a:pPr>
+            <a:r>
+              <a:rPr lang="en-US" dirty="0" smtClean="0"/>
+              <a:t>Asset </a:t>
+            </a:r>
+            <a:r>
+              <a:rPr lang="en-US" dirty="0" smtClean="0"/>
+              <a:t>Auditing</a:t>
+            </a:r>
+            <a:endParaRPr lang="en-US" dirty="0" smtClean="0"/>
+          </a:p>
+          <a:p>
+            <a:pPr marL="342900" indent="-342900">
+              <a:buFont typeface="+mj-lt"/>
+              <a:buAutoNum type="arabicPeriod"/>
+            </a:pPr>
+            <a:r>
+              <a:rPr lang="en-US" dirty="0" smtClean="0"/>
+              <a:t>Security</a:t>
+            </a:r>
+            <a:endParaRPr lang="en-US" dirty="0" smtClean="0"/>
+          </a:p>
+          <a:p>
+            <a:pPr marL="342900" indent="-342900">
+              <a:buFont typeface="+mj-lt"/>
+              <a:buAutoNum type="arabicPeriod"/>
+            </a:pPr>
+            <a:r>
+              <a:rPr lang="en-US" dirty="0" smtClean="0"/>
+              <a:t>Customization</a:t>
+            </a:r>
+            <a:endParaRPr lang="en-US" dirty="0" smtClean="0"/>
+          </a:p>
+          <a:p>
+            <a:pPr marL="342900" indent="-342900">
+              <a:buFont typeface="+mj-lt"/>
+              <a:buAutoNum type="arabicPeriod"/>
+            </a:pPr>
+            <a:r>
+              <a:rPr lang="en-US" dirty="0" smtClean="0"/>
+              <a:t>Predictive </a:t>
+            </a:r>
+            <a:r>
+              <a:rPr lang="en-US" dirty="0" smtClean="0"/>
+              <a:t>Maintenance</a:t>
+            </a:r>
+            <a:endParaRPr lang="en-US" dirty="0" smtClean="0"/>
+          </a:p>
+          <a:p>
+            <a:pPr marL="342900" indent="-342900">
+              <a:buFont typeface="+mj-lt"/>
+              <a:buAutoNum type="arabicPeriod"/>
+            </a:pPr>
+            <a:r>
+              <a:rPr lang="en-US" dirty="0" smtClean="0"/>
+              <a:t>Vendor </a:t>
+            </a:r>
+            <a:r>
+              <a:rPr lang="en-US" dirty="0" smtClean="0"/>
+              <a:t>Management</a:t>
+            </a:r>
+            <a:endParaRPr lang="en-US" dirty="0" smtClean="0"/>
+          </a:p>
+          <a:p>
+            <a:pPr marL="342900" indent="-342900">
+              <a:buFont typeface="+mj-lt"/>
+              <a:buAutoNum type="arabicPeriod"/>
+            </a:pPr>
+            <a:r>
+              <a:rPr lang="en-US" dirty="0" smtClean="0"/>
+              <a:t>Scalability</a:t>
+            </a:r>
+          </a:p>
+          <a:p>
+            <a:endParaRPr lang="en-US" dirty="0"/>
+          </a:p>
+        </p:txBody>
+      </p:sp>
     </p:spTree>
   </p:cSld>
   <p:clrMapOvr>
     <a:masterClrMapping/>
   </p:clrMapOvr>
+  <p:timing>
+    <p:tnLst>
+      <p:par>
+        <p:cTn id="1" dur="indefinite" restart="never" nodeType="tmRoot"/>
+      </p:par>
+    </p:tnLst>
+  </p:timing>
 </p:sld>
 </file>
 
@@ -5791,11 +6523,260 @@
           </a:p>
         </p:txBody>
       </p:sp>
+      <p:sp>
+        <p:nvSpPr>
+          <p:cNvPr id="6" name="TextBox 5"/>
+          <p:cNvSpPr txBox="1"/>
+          <p:nvPr/>
+        </p:nvSpPr>
+        <p:spPr>
+          <a:xfrm>
+            <a:off x="1143000" y="2057400"/>
+            <a:ext cx="4006931" cy="4524315"/>
+          </a:xfrm>
+          <a:prstGeom prst="rect">
+            <a:avLst/>
+          </a:prstGeom>
+          <a:noFill/>
+        </p:spPr>
+        <p:txBody>
+          <a:bodyPr wrap="none" rtlCol="0">
+            <a:spAutoFit/>
+          </a:bodyPr>
+          <a:lstStyle/>
+          <a:p>
+            <a:pPr marL="342900" indent="-342900">
+              <a:buFont typeface="+mj-lt"/>
+              <a:buAutoNum type="arabicPeriod"/>
+            </a:pPr>
+            <a:r>
+              <a:rPr lang="en-US" dirty="0" smtClean="0"/>
+              <a:t>User </a:t>
+            </a:r>
+            <a:r>
+              <a:rPr lang="en-US" dirty="0" smtClean="0"/>
+              <a:t>Authentication</a:t>
+            </a:r>
+            <a:endParaRPr lang="en-US" dirty="0" smtClean="0"/>
+          </a:p>
+          <a:p>
+            <a:pPr marL="342900" indent="-342900">
+              <a:buFont typeface="+mj-lt"/>
+              <a:buAutoNum type="arabicPeriod"/>
+            </a:pPr>
+            <a:r>
+              <a:rPr lang="en-US" dirty="0" smtClean="0"/>
+              <a:t>User Profile </a:t>
+            </a:r>
+            <a:r>
+              <a:rPr lang="en-US" dirty="0" smtClean="0"/>
+              <a:t>Management</a:t>
+            </a:r>
+            <a:endParaRPr lang="en-US" dirty="0" smtClean="0"/>
+          </a:p>
+          <a:p>
+            <a:pPr marL="342900" indent="-342900">
+              <a:buFont typeface="+mj-lt"/>
+              <a:buAutoNum type="arabicPeriod"/>
+            </a:pPr>
+            <a:r>
+              <a:rPr lang="en-US" dirty="0" smtClean="0"/>
+              <a:t>Authorization and </a:t>
+            </a:r>
+            <a:r>
+              <a:rPr lang="en-US" dirty="0" smtClean="0"/>
+              <a:t>Permissions</a:t>
+            </a:r>
+            <a:endParaRPr lang="en-US" dirty="0" smtClean="0"/>
+          </a:p>
+          <a:p>
+            <a:pPr marL="342900" indent="-342900">
+              <a:buFont typeface="+mj-lt"/>
+              <a:buAutoNum type="arabicPeriod"/>
+            </a:pPr>
+            <a:r>
+              <a:rPr lang="en-US" dirty="0" smtClean="0"/>
+              <a:t>Content Creation and </a:t>
+            </a:r>
+            <a:r>
+              <a:rPr lang="en-US" dirty="0" smtClean="0"/>
+              <a:t>Management</a:t>
+            </a:r>
+            <a:endParaRPr lang="en-US" dirty="0" smtClean="0"/>
+          </a:p>
+          <a:p>
+            <a:pPr marL="342900" indent="-342900">
+              <a:buFont typeface="+mj-lt"/>
+              <a:buAutoNum type="arabicPeriod"/>
+            </a:pPr>
+            <a:r>
+              <a:rPr lang="en-US" dirty="0" smtClean="0"/>
+              <a:t>Social </a:t>
+            </a:r>
+            <a:r>
+              <a:rPr lang="en-US" dirty="0" smtClean="0"/>
+              <a:t>Interactions</a:t>
+            </a:r>
+            <a:endParaRPr lang="en-US" dirty="0" smtClean="0"/>
+          </a:p>
+          <a:p>
+            <a:pPr marL="342900" indent="-342900">
+              <a:buFont typeface="+mj-lt"/>
+              <a:buAutoNum type="arabicPeriod"/>
+            </a:pPr>
+            <a:r>
+              <a:rPr lang="en-US" dirty="0" smtClean="0"/>
+              <a:t>Search and </a:t>
+            </a:r>
+            <a:r>
+              <a:rPr lang="en-US" dirty="0" smtClean="0"/>
+              <a:t>Filtering</a:t>
+            </a:r>
+            <a:endParaRPr lang="en-US" dirty="0" smtClean="0"/>
+          </a:p>
+          <a:p>
+            <a:pPr marL="342900" indent="-342900">
+              <a:buFont typeface="+mj-lt"/>
+              <a:buAutoNum type="arabicPeriod"/>
+            </a:pPr>
+            <a:r>
+              <a:rPr lang="en-US" dirty="0" smtClean="0"/>
+              <a:t>Analytics and </a:t>
+            </a:r>
+            <a:r>
+              <a:rPr lang="en-US" dirty="0" smtClean="0"/>
+              <a:t>Insights</a:t>
+            </a:r>
+            <a:endParaRPr lang="en-US" dirty="0" smtClean="0"/>
+          </a:p>
+          <a:p>
+            <a:pPr marL="342900" indent="-342900">
+              <a:buFont typeface="+mj-lt"/>
+              <a:buAutoNum type="arabicPeriod"/>
+            </a:pPr>
+            <a:r>
+              <a:rPr lang="en-US" dirty="0" smtClean="0"/>
+              <a:t>Payment </a:t>
+            </a:r>
+            <a:r>
+              <a:rPr lang="en-US" dirty="0" smtClean="0"/>
+              <a:t>Processing</a:t>
+            </a:r>
+            <a:endParaRPr lang="en-US" dirty="0" smtClean="0"/>
+          </a:p>
+          <a:p>
+            <a:pPr marL="342900" indent="-342900">
+              <a:buFont typeface="+mj-lt"/>
+              <a:buAutoNum type="arabicPeriod"/>
+            </a:pPr>
+            <a:r>
+              <a:rPr lang="en-US" dirty="0" smtClean="0"/>
+              <a:t>Data Security and </a:t>
+            </a:r>
+            <a:r>
+              <a:rPr lang="en-US" dirty="0" smtClean="0"/>
+              <a:t>Privacy</a:t>
+            </a:r>
+            <a:endParaRPr lang="en-US" dirty="0" smtClean="0"/>
+          </a:p>
+          <a:p>
+            <a:pPr marL="342900" indent="-342900">
+              <a:buFont typeface="+mj-lt"/>
+              <a:buAutoNum type="arabicPeriod"/>
+            </a:pPr>
+            <a:r>
+              <a:rPr lang="en-US" dirty="0" smtClean="0"/>
+              <a:t>Feedback and </a:t>
+            </a:r>
+            <a:r>
+              <a:rPr lang="en-US" dirty="0" smtClean="0"/>
+              <a:t>Support</a:t>
+            </a:r>
+            <a:endParaRPr lang="en-US" dirty="0" smtClean="0"/>
+          </a:p>
+          <a:p>
+            <a:pPr marL="342900" indent="-342900">
+              <a:buFont typeface="+mj-lt"/>
+              <a:buAutoNum type="arabicPeriod"/>
+            </a:pPr>
+            <a:r>
+              <a:rPr lang="en-US" dirty="0" smtClean="0"/>
+              <a:t>Localization and </a:t>
+            </a:r>
+            <a:r>
+              <a:rPr lang="en-US" dirty="0" smtClean="0"/>
+              <a:t>Internationalization</a:t>
+            </a:r>
+            <a:endParaRPr lang="en-US" dirty="0" smtClean="0"/>
+          </a:p>
+          <a:p>
+            <a:pPr marL="342900" indent="-342900">
+              <a:buFont typeface="+mj-lt"/>
+              <a:buAutoNum type="arabicPeriod"/>
+            </a:pPr>
+            <a:r>
+              <a:rPr lang="en-US" dirty="0" smtClean="0"/>
+              <a:t>Integration with Third-Party </a:t>
+            </a:r>
+            <a:r>
+              <a:rPr lang="en-US" dirty="0" smtClean="0"/>
+              <a:t>Services</a:t>
+            </a:r>
+            <a:endParaRPr lang="en-US" dirty="0" smtClean="0"/>
+          </a:p>
+          <a:p>
+            <a:pPr marL="342900" indent="-342900">
+              <a:buFont typeface="+mj-lt"/>
+              <a:buAutoNum type="arabicPeriod"/>
+            </a:pPr>
+            <a:r>
+              <a:rPr lang="en-US" dirty="0" smtClean="0"/>
+              <a:t>Customization and </a:t>
+            </a:r>
+            <a:r>
+              <a:rPr lang="en-US" dirty="0" smtClean="0"/>
+              <a:t>Personalization</a:t>
+            </a:r>
+            <a:endParaRPr lang="en-US" dirty="0" smtClean="0"/>
+          </a:p>
+          <a:p>
+            <a:pPr marL="342900" indent="-342900">
+              <a:buFont typeface="+mj-lt"/>
+              <a:buAutoNum type="arabicPeriod"/>
+            </a:pPr>
+            <a:r>
+              <a:rPr lang="en-US" dirty="0" smtClean="0"/>
+              <a:t>Accessibility</a:t>
+            </a:r>
+            <a:endParaRPr lang="en-US" dirty="0" smtClean="0"/>
+          </a:p>
+          <a:p>
+            <a:pPr marL="342900" indent="-342900">
+              <a:buFont typeface="+mj-lt"/>
+              <a:buAutoNum type="arabicPeriod"/>
+            </a:pPr>
+            <a:r>
+              <a:rPr lang="en-US" dirty="0" smtClean="0"/>
+              <a:t>Scalability and Performance</a:t>
+            </a:r>
+          </a:p>
+          <a:p>
+            <a:endParaRPr lang="en-US" dirty="0"/>
+          </a:p>
+        </p:txBody>
+      </p:sp>
     </p:spTree>
   </p:cSld>
   <p:clrMapOvr>
     <a:masterClrMapping/>
   </p:clrMapOvr>
+  <p:timing>
+    <p:tnLst>
+      <p:par>
+        <p:cTn id="1" dur="indefinite" restart="never" nodeType="tmRoot"/>
+      </p:par>
+    </p:tnLst>
+  </p:timing>
 </p:sld>
 </file>
 
@@ -6004,6 +6985,13 @@
   <p:clrMapOvr>
     <a:masterClrMapping/>
   </p:clrMapOvr>
+  <p:timing>
+    <p:tnLst>
+      <p:par>
+        <p:cTn id="1" dur="indefinite" restart="never" nodeType="tmRoot"/>
+      </p:par>
+    </p:tnLst>
+  </p:timing>
 </p:sld>
 </file>
 
@@ -6109,11 +7097,233 @@
           </a:p>
         </p:txBody>
       </p:sp>
+      <p:sp>
+        <p:nvSpPr>
+          <p:cNvPr id="6" name="TextBox 5"/>
+          <p:cNvSpPr txBox="1"/>
+          <p:nvPr/>
+        </p:nvSpPr>
+        <p:spPr>
+          <a:xfrm>
+            <a:off x="1219200" y="1981200"/>
+            <a:ext cx="3533596" cy="4247317"/>
+          </a:xfrm>
+          <a:prstGeom prst="rect">
+            <a:avLst/>
+          </a:prstGeom>
+          <a:noFill/>
+        </p:spPr>
+        <p:txBody>
+          <a:bodyPr wrap="none" rtlCol="0">
+            <a:spAutoFit/>
+          </a:bodyPr>
+          <a:lstStyle/>
+          <a:p>
+            <a:pPr marL="342900" indent="-342900">
+              <a:buFont typeface="+mj-lt"/>
+              <a:buAutoNum type="arabicPeriod"/>
+            </a:pPr>
+            <a:r>
+              <a:rPr lang="en-US" dirty="0" smtClean="0"/>
+              <a:t>Customization Options</a:t>
+            </a:r>
+            <a:r>
+              <a:rPr lang="en-US" dirty="0" smtClean="0"/>
+              <a:t>:</a:t>
+            </a:r>
+            <a:endParaRPr lang="en-US" dirty="0" smtClean="0"/>
+          </a:p>
+          <a:p>
+            <a:pPr marL="342900" indent="-342900">
+              <a:buFont typeface="+mj-lt"/>
+              <a:buAutoNum type="arabicPeriod"/>
+            </a:pPr>
+            <a:r>
+              <a:rPr lang="en-US" dirty="0" smtClean="0"/>
+              <a:t>Clear Subject </a:t>
+            </a:r>
+            <a:r>
+              <a:rPr lang="en-US" dirty="0" smtClean="0"/>
+              <a:t>Line</a:t>
+            </a:r>
+            <a:endParaRPr lang="en-US" dirty="0" smtClean="0"/>
+          </a:p>
+          <a:p>
+            <a:pPr marL="342900" indent="-342900">
+              <a:buFont typeface="+mj-lt"/>
+              <a:buAutoNum type="arabicPeriod"/>
+            </a:pPr>
+            <a:r>
+              <a:rPr lang="en-US" dirty="0" smtClean="0"/>
+              <a:t>Introduction</a:t>
+            </a:r>
+            <a:endParaRPr lang="en-US" dirty="0" smtClean="0"/>
+          </a:p>
+          <a:p>
+            <a:pPr marL="342900" indent="-342900">
+              <a:buFont typeface="+mj-lt"/>
+              <a:buAutoNum type="arabicPeriod"/>
+            </a:pPr>
+            <a:r>
+              <a:rPr lang="en-US" dirty="0" smtClean="0"/>
+              <a:t>Body </a:t>
+            </a:r>
+            <a:r>
+              <a:rPr lang="en-US" dirty="0" smtClean="0"/>
+              <a:t>Content</a:t>
+            </a:r>
+            <a:endParaRPr lang="en-US" dirty="0" smtClean="0"/>
+          </a:p>
+          <a:p>
+            <a:pPr marL="342900" indent="-342900">
+              <a:buFont typeface="+mj-lt"/>
+              <a:buAutoNum type="arabicPeriod"/>
+            </a:pPr>
+            <a:r>
+              <a:rPr lang="en-US" dirty="0" smtClean="0"/>
+              <a:t>Bullet Points or Numbered </a:t>
+            </a:r>
+            <a:r>
+              <a:rPr lang="en-US" dirty="0" smtClean="0"/>
+              <a:t>Lists</a:t>
+            </a:r>
+            <a:endParaRPr lang="en-US" dirty="0" smtClean="0"/>
+          </a:p>
+          <a:p>
+            <a:pPr marL="342900" indent="-342900">
+              <a:buFont typeface="+mj-lt"/>
+              <a:buAutoNum type="arabicPeriod"/>
+            </a:pPr>
+            <a:r>
+              <a:rPr lang="en-US" dirty="0" smtClean="0"/>
+              <a:t>Action </a:t>
+            </a:r>
+            <a:r>
+              <a:rPr lang="en-US" dirty="0" smtClean="0"/>
+              <a:t>Items</a:t>
+            </a:r>
+            <a:endParaRPr lang="en-US" dirty="0" smtClean="0"/>
+          </a:p>
+          <a:p>
+            <a:pPr marL="342900" indent="-342900">
+              <a:buFont typeface="+mj-lt"/>
+              <a:buAutoNum type="arabicPeriod"/>
+            </a:pPr>
+            <a:r>
+              <a:rPr lang="en-US" dirty="0" smtClean="0"/>
+              <a:t>Call to </a:t>
+            </a:r>
+            <a:r>
+              <a:rPr lang="en-US" dirty="0" smtClean="0"/>
+              <a:t>Action</a:t>
+            </a:r>
+            <a:endParaRPr lang="en-US" dirty="0" smtClean="0"/>
+          </a:p>
+          <a:p>
+            <a:pPr marL="342900" indent="-342900">
+              <a:buFont typeface="+mj-lt"/>
+              <a:buAutoNum type="arabicPeriod"/>
+            </a:pPr>
+            <a:r>
+              <a:rPr lang="en-US" dirty="0" smtClean="0"/>
+              <a:t>Closing</a:t>
+            </a:r>
+            <a:endParaRPr lang="en-US" dirty="0" smtClean="0"/>
+          </a:p>
+          <a:p>
+            <a:pPr marL="342900" indent="-342900">
+              <a:buFont typeface="+mj-lt"/>
+              <a:buAutoNum type="arabicPeriod"/>
+            </a:pPr>
+            <a:r>
+              <a:rPr lang="en-US" dirty="0" smtClean="0"/>
+              <a:t>Attachments</a:t>
+            </a:r>
+            <a:endParaRPr lang="en-US" dirty="0" smtClean="0"/>
+          </a:p>
+          <a:p>
+            <a:pPr marL="342900" indent="-342900">
+              <a:buFont typeface="+mj-lt"/>
+              <a:buAutoNum type="arabicPeriod"/>
+            </a:pPr>
+            <a:r>
+              <a:rPr lang="en-US" dirty="0" smtClean="0"/>
+              <a:t>Signature</a:t>
+            </a:r>
+            <a:endParaRPr lang="en-US" dirty="0" smtClean="0"/>
+          </a:p>
+          <a:p>
+            <a:pPr marL="342900" indent="-342900">
+              <a:buFont typeface="+mj-lt"/>
+              <a:buAutoNum type="arabicPeriod"/>
+            </a:pPr>
+            <a:r>
+              <a:rPr lang="en-US" dirty="0" smtClean="0"/>
+              <a:t>Feedback </a:t>
+            </a:r>
+            <a:r>
+              <a:rPr lang="en-US" dirty="0" smtClean="0"/>
+              <a:t>Mechanism</a:t>
+            </a:r>
+            <a:endParaRPr lang="en-US" dirty="0" smtClean="0"/>
+          </a:p>
+          <a:p>
+            <a:pPr marL="342900" indent="-342900">
+              <a:buFont typeface="+mj-lt"/>
+              <a:buAutoNum type="arabicPeriod"/>
+            </a:pPr>
+            <a:r>
+              <a:rPr lang="en-US" dirty="0" smtClean="0"/>
+              <a:t>Formatting and </a:t>
+            </a:r>
+            <a:r>
+              <a:rPr lang="en-US" dirty="0" smtClean="0"/>
+              <a:t>Styling</a:t>
+            </a:r>
+            <a:endParaRPr lang="en-US" dirty="0" smtClean="0"/>
+          </a:p>
+          <a:p>
+            <a:pPr marL="342900" indent="-342900">
+              <a:buFont typeface="+mj-lt"/>
+              <a:buAutoNum type="arabicPeriod"/>
+            </a:pPr>
+            <a:r>
+              <a:rPr lang="en-US" dirty="0" smtClean="0"/>
+              <a:t>Mobile </a:t>
+            </a:r>
+            <a:r>
+              <a:rPr lang="en-US" dirty="0" smtClean="0"/>
+              <a:t>Optimization</a:t>
+            </a:r>
+            <a:endParaRPr lang="en-US" dirty="0" smtClean="0"/>
+          </a:p>
+          <a:p>
+            <a:pPr marL="342900" indent="-342900">
+              <a:buFont typeface="+mj-lt"/>
+              <a:buAutoNum type="arabicPeriod"/>
+            </a:pPr>
+            <a:r>
+              <a:rPr lang="en-US" dirty="0" smtClean="0"/>
+              <a:t>Approval Process</a:t>
+            </a:r>
+          </a:p>
+          <a:p>
+            <a:endParaRPr lang="en-US" dirty="0"/>
+          </a:p>
+        </p:txBody>
+      </p:sp>
     </p:spTree>
   </p:cSld>
   <p:clrMapOvr>
     <a:masterClrMapping/>
   </p:clrMapOvr>
+  <p:timing>
+    <p:tnLst>
+      <p:par>
+        <p:cTn id="1" dur="indefinite" restart="never" nodeType="tmRoot"/>
+      </p:par>
+    </p:tnLst>
+  </p:timing>
 </p:sld>
 </file>
 
@@ -6224,6 +7434,13 @@
   <p:clrMapOvr>
     <a:masterClrMapping/>
   </p:clrMapOvr>
+  <p:timing>
+    <p:tnLst>
+      <p:par>
+        <p:cTn id="1" dur="indefinite" restart="never" nodeType="tmRoot"/>
+      </p:par>
+    </p:tnLst>
+  </p:timing>
 </p:sld>
 </file>
 
@@ -6329,11 +7546,89 @@
           </a:p>
         </p:txBody>
       </p:sp>
+      <p:sp>
+        <p:nvSpPr>
+          <p:cNvPr id="7" name="Rectangle 6"/>
+          <p:cNvSpPr/>
+          <p:nvPr/>
+        </p:nvSpPr>
+        <p:spPr>
+          <a:xfrm>
+            <a:off x="1143000" y="1981200"/>
+            <a:ext cx="2803332" cy="1200329"/>
+          </a:xfrm>
+          <a:prstGeom prst="rect">
+            <a:avLst/>
+          </a:prstGeom>
+        </p:spPr>
+        <p:txBody>
+          <a:bodyPr wrap="none">
+            <a:spAutoFit/>
+          </a:bodyPr>
+          <a:lstStyle/>
+          <a:p>
+            <a:pPr marL="342900" indent="-342900">
+              <a:buFont typeface="+mj-lt"/>
+              <a:buAutoNum type="arabicPeriod"/>
+            </a:pPr>
+            <a:r>
+              <a:rPr lang="en-US" dirty="0" smtClean="0"/>
+              <a:t>Reporting and </a:t>
+            </a:r>
+            <a:r>
+              <a:rPr lang="en-US" dirty="0" smtClean="0"/>
+              <a:t>Analytics</a:t>
+            </a:r>
+          </a:p>
+          <a:p>
+            <a:pPr marL="342900" indent="-342900">
+              <a:buFont typeface="+mj-lt"/>
+              <a:buAutoNum type="arabicPeriod"/>
+            </a:pPr>
+            <a:r>
+              <a:rPr lang="en-US" dirty="0" smtClean="0"/>
+              <a:t>Skill Matching</a:t>
+            </a:r>
+          </a:p>
+          <a:p>
+            <a:pPr marL="342900" indent="-342900">
+              <a:buFont typeface="+mj-lt"/>
+              <a:buAutoNum type="arabicPeriod"/>
+            </a:pPr>
+            <a:r>
+              <a:rPr lang="en-US" dirty="0" smtClean="0"/>
+              <a:t>Communication Tools</a:t>
+            </a:r>
+          </a:p>
+          <a:p>
+            <a:pPr marL="342900" indent="-342900">
+              <a:buFont typeface="+mj-lt"/>
+              <a:buAutoNum type="arabicPeriod"/>
+            </a:pPr>
+            <a:r>
+              <a:rPr lang="en-US" dirty="0" smtClean="0"/>
+              <a:t>Time </a:t>
+            </a:r>
+            <a:r>
+              <a:rPr lang="en-US" dirty="0" smtClean="0"/>
+              <a:t>Tracking</a:t>
+            </a:r>
+            <a:endParaRPr lang="en-US" dirty="0"/>
+          </a:p>
+        </p:txBody>
+      </p:sp>
     </p:spTree>
   </p:cSld>
   <p:clrMapOvr>
     <a:masterClrMapping/>
   </p:clrMapOvr>
+  <p:timing>
+    <p:tnLst>
+      <p:par>
+        <p:cTn id="1" dur="indefinite" restart="never" nodeType="tmRoot"/>
+      </p:par>
+    </p:tnLst>
+  </p:timing>
 </p:sld>
 </file>
 
@@ -6482,11 +7777,7 @@
             </a:pPr>
             <a:r>
               <a:rPr lang="en-US" sz="2800" dirty="0" smtClean="0"/>
-              <a:t>L</a:t>
-            </a:r>
-            <a:r>
-              <a:rPr lang="en-US" sz="2800" dirty="0" smtClean="0"/>
-              <a:t>eave Details</a:t>
+              <a:t>Leave Details</a:t>
             </a:r>
           </a:p>
           <a:p>
@@ -6518,7 +7809,6 @@
               <a:rPr lang="en-US" sz="2800" dirty="0" smtClean="0"/>
               <a:t>View Notification</a:t>
             </a:r>
-            <a:endParaRPr lang="en-US" sz="2800" dirty="0" smtClean="0"/>
           </a:p>
         </p:txBody>
       </p:sp>
@@ -6527,6 +7817,13 @@
   <p:clrMapOvr>
     <a:masterClrMapping/>
   </p:clrMapOvr>
+  <p:timing>
+    <p:tnLst>
+      <p:par>
+        <p:cTn id="1" dur="indefinite" restart="never" nodeType="tmRoot"/>
+      </p:par>
+    </p:tnLst>
+  </p:timing>
 </p:sld>
 </file>
 
@@ -6726,6 +8023,13 @@
   <p:clrMapOvr>
     <a:masterClrMapping/>
   </p:clrMapOvr>
+  <p:timing>
+    <p:tnLst>
+      <p:par>
+        <p:cTn id="1" dur="indefinite" restart="never" nodeType="tmRoot"/>
+      </p:par>
+    </p:tnLst>
+  </p:timing>
 </p:sld>
 </file>
 
@@ -6890,7 +8194,6 @@
               <a:rPr lang="en-US" dirty="0" smtClean="0"/>
               <a:t>Table view</a:t>
             </a:r>
-            <a:endParaRPr lang="en-US" dirty="0" smtClean="0"/>
           </a:p>
         </p:txBody>
       </p:sp>
@@ -6920,11 +8223,48 @@
           <a:noFill/>
         </p:spPr>
       </p:pic>
+      <p:sp>
+        <p:nvSpPr>
+          <p:cNvPr id="11" name="TextBox 10"/>
+          <p:cNvSpPr txBox="1"/>
+          <p:nvPr/>
+        </p:nvSpPr>
+        <p:spPr>
+          <a:xfrm>
+            <a:off x="4495800" y="1905000"/>
+            <a:ext cx="4377930" cy="369332"/>
+          </a:xfrm>
+          <a:prstGeom prst="rect">
+            <a:avLst/>
+          </a:prstGeom>
+          <a:noFill/>
+        </p:spPr>
+        <p:txBody>
+          <a:bodyPr wrap="none" rtlCol="0">
+            <a:spAutoFit/>
+          </a:bodyPr>
+          <a:lstStyle/>
+          <a:p>
+            <a:r>
+              <a:rPr lang="en-US" dirty="0" smtClean="0"/>
+              <a:t>Involved in projects are not required for user</a:t>
+            </a:r>
+            <a:endParaRPr lang="en-US" dirty="0"/>
+          </a:p>
+        </p:txBody>
+      </p:sp>
     </p:spTree>
   </p:cSld>
   <p:clrMapOvr>
     <a:masterClrMapping/>
   </p:clrMapOvr>
+  <p:timing>
+    <p:tnLst>
+      <p:par>
+        <p:cTn id="1" dur="indefinite" restart="never" nodeType="tmRoot"/>
+      </p:par>
+    </p:tnLst>
+  </p:timing>
 </p:sld>
 </file>
 
@@ -7092,6 +8432,13 @@
   <p:clrMapOvr>
     <a:masterClrMapping/>
   </p:clrMapOvr>
+  <p:timing>
+    <p:tnLst>
+      <p:par>
+        <p:cTn id="1" dur="indefinite" restart="never" nodeType="tmRoot"/>
+      </p:par>
+    </p:tnLst>
+  </p:timing>
 </p:sld>
 </file>
 
@@ -7250,6 +8597,13 @@
   <p:clrMapOvr>
     <a:masterClrMapping/>
   </p:clrMapOvr>
+  <p:timing>
+    <p:tnLst>
+      <p:par>
+        <p:cTn id="1" dur="indefinite" restart="never" nodeType="tmRoot"/>
+      </p:par>
+    </p:tnLst>
+  </p:timing>
 </p:sld>
 </file>
 
@@ -7397,7 +8751,6 @@
               <a:rPr lang="en-US" dirty="0" smtClean="0"/>
               <a:t>esource timesheet</a:t>
             </a:r>
-            <a:endParaRPr lang="en-US" dirty="0" smtClean="0"/>
           </a:p>
         </p:txBody>
       </p:sp>
@@ -7406,6 +8759,13 @@
   <p:clrMapOvr>
     <a:masterClrMapping/>
   </p:clrMapOvr>
+  <p:timing>
+    <p:tnLst>
+      <p:par>
+        <p:cTn id="1" dur="indefinite" restart="never" nodeType="tmRoot"/>
+      </p:par>
+    </p:tnLst>
+  </p:timing>
 </p:sld>
 </file>
 
@@ -7520,7 +8880,7 @@
         <p:spPr>
           <a:xfrm>
             <a:off x="1295400" y="2286000"/>
-            <a:ext cx="3083729" cy="3139321"/>
+            <a:ext cx="3780266" cy="2862322"/>
           </a:xfrm>
           <a:prstGeom prst="rect">
             <a:avLst/>
@@ -7578,18 +8938,13 @@
             </a:pPr>
             <a:r>
               <a:rPr lang="en-US" dirty="0" smtClean="0"/>
-              <a:t>Leave Forecasting</a:t>
-            </a:r>
-          </a:p>
-          <a:p>
-            <a:pPr marL="342900" indent="-342900">
-              <a:buFont typeface="+mj-lt"/>
-              <a:buAutoNum type="arabicPeriod"/>
-            </a:pPr>
-            <a:r>
-              <a:rPr lang="en-US" dirty="0" smtClean="0"/>
-              <a:t>Bulk Actions</a:t>
-            </a:r>
+              <a:t>Bulk Actions[approval </a:t>
+            </a:r>
+            <a:r>
+              <a:rPr lang="en-US" smtClean="0"/>
+              <a:t>or rejection]</a:t>
+            </a:r>
+            <a:endParaRPr lang="en-US" dirty="0" smtClean="0"/>
           </a:p>
           <a:p>
             <a:pPr marL="342900" indent="-342900">
@@ -7621,8 +8976,8 @@
               <a:t>Leave </a:t>
             </a:r>
             <a:r>
-              <a:rPr lang="en-US" dirty="0" err="1" smtClean="0"/>
-              <a:t>Poicies</a:t>
+              <a:rPr lang="en-US" dirty="0" smtClean="0"/>
+              <a:t>Policies</a:t>
             </a:r>
             <a:endParaRPr lang="en-US" dirty="0" smtClean="0"/>
           </a:p>
@@ -7654,6 +9009,13 @@
   <p:clrMapOvr>
     <a:masterClrMapping/>
   </p:clrMapOvr>
+  <p:timing>
+    <p:tnLst>
+      <p:par>
+        <p:cTn id="1" dur="indefinite" restart="never" nodeType="tmRoot"/>
+      </p:par>
+    </p:tnLst>
+  </p:timing>
 </p:sld>
 </file>
 
@@ -7938,4 +9300,287 @@
   <a:objectDefaults/>
   <a:extraClrSchemeLst/>
 </a:theme>
+</file>
+
+<file path=ppt/theme/theme2.xml><?xml version="1.0" encoding="utf-8"?>
+<a:theme xmlns:a="http://schemas.openxmlformats.org/drawingml/2006/main" name="Office Theme">
+  <a:themeElements>
+    <a:clrScheme name="Office">
+      <a:dk1>
+        <a:sysClr val="windowText" lastClr="000000"/>
+      </a:dk1>
+      <a:lt1>
+        <a:sysClr val="window" lastClr="FFFFFF"/>
+      </a:lt1>
+      <a:dk2>
+        <a:srgbClr val="1F497D"/>
+      </a:dk2>
+      <a:lt2>
+        <a:srgbClr val="EEECE1"/>
+      </a:lt2>
+      <a:accent1>
+        <a:srgbClr val="4F81BD"/>
+      </a:accent1>
+      <a:accent2>
+        <a:srgbClr val="C0504D"/>
+      </a:accent2>
+      <a:accent3>
+        <a:srgbClr val="9BBB59"/>
+      </a:accent3>
+      <a:accent4>
+        <a:srgbClr val="8064A2"/>
+      </a:accent4>
+      <a:accent5>
+        <a:srgbClr val="4BACC6"/>
+      </a:accent5>
+      <a:accent6>
+        <a:srgbClr val="F79646"/>
+      </a:accent6>
+      <a:hlink>
+        <a:srgbClr val="0000FF"/>
+      </a:hlink>
+      <a:folHlink>
+        <a:srgbClr val="800080"/>
+      </a:folHlink>
+    </a:clrScheme>
+    <a:fontScheme name="Office">
+      <a:majorFont>
+        <a:latin typeface="Calibri"/>
+        <a:ea typeface=""/>
+        <a:cs typeface=""/>
+        <a:font script="Jpan" typeface="ＭＳ Ｐゴシック"/>
+        <a:font script="Hang" typeface="맑은 고딕"/>
+        <a:font script="Hans" typeface="宋体"/>
+        <a:font script="Hant" typeface="新細明體"/>
+        <a:font script="Arab" typeface="Times New Roman"/>
+        <a:font script="Hebr" typeface="Times New Roman"/>
+        <a:font script="Thai" typeface="Angsana New"/>
+        <a:font script="Ethi" typeface="Nyala"/>
+        <a:font script="Beng" typeface="Vrinda"/>
+        <a:font script="Gujr" typeface="Shruti"/>
+        <a:font script="Khmr" typeface="MoolBoran"/>
+        <a:font script="Knda" typeface="Tunga"/>
+        <a:font script="Guru" typeface="Raavi"/>
+        <a:font script="Cans" typeface="Euphemia"/>
+        <a:font script="Cher" typeface="Plantagenet Cherokee"/>
+        <a:font script="Yiii" typeface="Microsoft Yi Baiti"/>
+        <a:font script="Tibt" typeface="Microsoft Himalaya"/>
+        <a:font script="Thaa" typeface="MV Boli"/>
+        <a:font script="Deva" typeface="Mangal"/>
+        <a:font script="Telu" typeface="Gautami"/>
+        <a:font script="Taml" typeface="Latha"/>
+        <a:font script="Syrc" typeface="Estrangelo Edessa"/>
+        <a:font script="Orya" typeface="Kalinga"/>
+        <a:font script="Mlym" typeface="Kartika"/>
+        <a:font script="Laoo" typeface="DokChampa"/>
+        <a:font script="Sinh" typeface="Iskoola Pota"/>
+        <a:font script="Mong" typeface="Mongolian Baiti"/>
+        <a:font script="Viet" typeface="Times New Roman"/>
+        <a:font script="Uigh" typeface="Microsoft Uighur"/>
+      </a:majorFont>
+      <a:minorFont>
+        <a:latin typeface="Calibri"/>
+        <a:ea typeface=""/>
+        <a:cs typeface=""/>
+        <a:font script="Jpan" typeface="ＭＳ Ｐゴシック"/>
+        <a:font script="Hang" typeface="맑은 고딕"/>
+        <a:font script="Hans" typeface="宋体"/>
+        <a:font script="Hant" typeface="新細明體"/>
+        <a:font script="Arab" typeface="Arial"/>
+        <a:font script="Hebr" typeface="Arial"/>
+        <a:font script="Thai" typeface="Cordia New"/>
+        <a:font script="Ethi" typeface="Nyala"/>
+        <a:font script="Beng" typeface="Vrinda"/>
+        <a:font script="Gujr" typeface="Shruti"/>
+        <a:font script="Khmr" typeface="DaunPenh"/>
+        <a:font script="Knda" typeface="Tunga"/>
+        <a:font script="Guru" typeface="Raavi"/>
+        <a:font script="Cans" typeface="Euphemia"/>
+        <a:font script="Cher" typeface="Plantagenet Cherokee"/>
+        <a:font script="Yiii" typeface="Microsoft Yi Baiti"/>
+        <a:font script="Tibt" typeface="Microsoft Himalaya"/>
+        <a:font script="Thaa" typeface="MV Boli"/>
+        <a:font script="Deva" typeface="Mangal"/>
+        <a:font script="Telu" typeface="Gautami"/>
+        <a:font script="Taml" typeface="Latha"/>
+        <a:font script="Syrc" typeface="Estrangelo Edessa"/>
+        <a:font script="Orya" typeface="Kalinga"/>
+        <a:font script="Mlym" typeface="Kartika"/>
+        <a:font script="Laoo" typeface="DokChampa"/>
+        <a:font script="Sinh" typeface="Iskoola Pota"/>
+        <a:font script="Mong" typeface="Mongolian Baiti"/>
+        <a:font script="Viet" typeface="Arial"/>
+        <a:font script="Uigh" typeface="Microsoft Uighur"/>
+      </a:minorFont>
+    </a:fontScheme>
+    <a:fmtScheme name="Office">
+      <a:fillStyleLst>
+        <a:solidFill>
+          <a:schemeClr val="phClr"/>
+        </a:solidFill>
+        <a:gradFill rotWithShape="1">
+          <a:gsLst>
+            <a:gs pos="0">
+              <a:schemeClr val="phClr">
+                <a:tint val="50000"/>
+                <a:satMod val="300000"/>
+              </a:schemeClr>
+            </a:gs>
+            <a:gs pos="35000">
+              <a:schemeClr val="phClr">
+                <a:tint val="37000"/>
+                <a:satMod val="300000"/>
+              </a:schemeClr>
+            </a:gs>
+            <a:gs pos="100000">
+              <a:schemeClr val="phClr">
+                <a:tint val="15000"/>
+                <a:satMod val="350000"/>
+              </a:schemeClr>
+            </a:gs>
+          </a:gsLst>
+          <a:lin ang="16200000" scaled="1"/>
+        </a:gradFill>
+        <a:gradFill rotWithShape="1">
+          <a:gsLst>
+            <a:gs pos="0">
+              <a:schemeClr val="phClr">
+                <a:shade val="51000"/>
+                <a:satMod val="130000"/>
+              </a:schemeClr>
+            </a:gs>
+            <a:gs pos="80000">
+              <a:schemeClr val="phClr">
+                <a:shade val="93000"/>
+                <a:satMod val="130000"/>
+              </a:schemeClr>
+            </a:gs>
+            <a:gs pos="100000">
+              <a:schemeClr val="phClr">
+                <a:shade val="94000"/>
+                <a:satMod val="135000"/>
+              </a:schemeClr>
+            </a:gs>
+          </a:gsLst>
+          <a:lin ang="16200000" scaled="0"/>
+        </a:gradFill>
+      </a:fillStyleLst>
+      <a:lnStyleLst>
+        <a:ln w="9525" cap="flat" cmpd="sng" algn="ctr">
+          <a:solidFill>
+            <a:schemeClr val="phClr">
+              <a:shade val="95000"/>
+              <a:satMod val="105000"/>
+            </a:schemeClr>
+          </a:solidFill>
+          <a:prstDash val="solid"/>
+        </a:ln>
+        <a:ln w="25400" cap="flat" cmpd="sng" algn="ctr">
+          <a:solidFill>
+            <a:schemeClr val="phClr"/>
+          </a:solidFill>
+          <a:prstDash val="solid"/>
+        </a:ln>
+        <a:ln w="38100" cap="flat" cmpd="sng" algn="ctr">
+          <a:solidFill>
+            <a:schemeClr val="phClr"/>
+          </a:solidFill>
+          <a:prstDash val="solid"/>
+        </a:ln>
+      </a:lnStyleLst>
+      <a:effectStyleLst>
+        <a:effectStyle>
+          <a:effectLst>
+            <a:outerShdw blurRad="40000" dist="20000" dir="5400000" rotWithShape="0">
+              <a:srgbClr val="000000">
+                <a:alpha val="38000"/>
+              </a:srgbClr>
+            </a:outerShdw>
+          </a:effectLst>
+        </a:effectStyle>
+        <a:effectStyle>
+          <a:effectLst>
+            <a:outerShdw blurRad="40000" dist="23000" dir="5400000" rotWithShape="0">
+              <a:srgbClr val="000000">
+                <a:alpha val="35000"/>
+              </a:srgbClr>
+            </a:outerShdw>
+          </a:effectLst>
+        </a:effectStyle>
+        <a:effectStyle>
+          <a:effectLst>
+            <a:outerShdw blurRad="40000" dist="23000" dir="5400000" rotWithShape="0">
+              <a:srgbClr val="000000">
+                <a:alpha val="35000"/>
+              </a:srgbClr>
+            </a:outerShdw>
+          </a:effectLst>
+          <a:scene3d>
+            <a:camera prst="orthographicFront">
+              <a:rot lat="0" lon="0" rev="0"/>
+            </a:camera>
+            <a:lightRig rig="threePt" dir="t">
+              <a:rot lat="0" lon="0" rev="1200000"/>
+            </a:lightRig>
+          </a:scene3d>
+          <a:sp3d>
+            <a:bevelT w="63500" h="25400"/>
+          </a:sp3d>
+        </a:effectStyle>
+      </a:effectStyleLst>
+      <a:bgFillStyleLst>
+        <a:solidFill>
+          <a:schemeClr val="phClr"/>
+        </a:solidFill>
+        <a:gradFill rotWithShape="1">
+          <a:gsLst>
+            <a:gs pos="0">
+              <a:schemeClr val="phClr">
+                <a:tint val="40000"/>
+                <a:satMod val="350000"/>
+              </a:schemeClr>
+            </a:gs>
+            <a:gs pos="40000">
+              <a:schemeClr val="phClr">
+                <a:tint val="45000"/>
+                <a:shade val="99000"/>
+                <a:satMod val="350000"/>
+              </a:schemeClr>
+            </a:gs>
+            <a:gs pos="100000">
+              <a:schemeClr val="phClr">
+                <a:shade val="20000"/>
+                <a:satMod val="255000"/>
+              </a:schemeClr>
+            </a:gs>
+          </a:gsLst>
+          <a:path path="circle">
+            <a:fillToRect l="50000" t="-80000" r="50000" b="180000"/>
+          </a:path>
+        </a:gradFill>
+        <a:gradFill rotWithShape="1">
+          <a:gsLst>
+            <a:gs pos="0">
+              <a:schemeClr val="phClr">
+                <a:tint val="80000"/>
+                <a:satMod val="300000"/>
+              </a:schemeClr>
+            </a:gs>
+            <a:gs pos="100000">
+              <a:schemeClr val="phClr">
+                <a:shade val="30000"/>
+                <a:satMod val="200000"/>
+              </a:schemeClr>
+            </a:gs>
+          </a:gsLst>
+          <a:path path="circle">
+            <a:fillToRect l="50000" t="50000" r="50000" b="50000"/>
+          </a:path>
+        </a:gradFill>
+      </a:bgFillStyleLst>
+    </a:fmtScheme>
+  </a:themeElements>
+  <a:objectDefaults/>
+  <a:extraClrSchemeLst/>
+</a:theme>
 </file>
--- a/IHRM ppt.pptx
+++ b/IHRM ppt.pptx
@@ -128,6 +128,22 @@
       </a:defRPr>
     </a:lvl9pPr>
   </p:defaultTextStyle>
+  <p:extLst>
+    <p:ext uri="{EFAFB233-063F-42B5-8137-9DF3F51BA10A}">
+      <p15:sldGuideLst xmlns:p15="http://schemas.microsoft.com/office/powerpoint/2012/main">
+        <p15:guide id="1" orient="horz" pos="2160">
+          <p15:clr>
+            <a:srgbClr val="A4A3A4"/>
+          </p15:clr>
+        </p15:guide>
+        <p15:guide id="2" pos="2880">
+          <p15:clr>
+            <a:srgbClr val="A4A3A4"/>
+          </p15:clr>
+        </p15:guide>
+      </p15:sldGuideLst>
+    </p:ext>
+  </p:extLst>
 </p:presentation>
 </file>
 
@@ -213,7 +229,7 @@
           <a:p>
             <a:fld id="{BBF2A33D-49AB-44EE-8BF3-76D9284DA1F5}" type="datetimeFigureOut">
               <a:rPr lang="en-US" smtClean="0"/>
-              <a:t>5/4/2024</a:t>
+              <a:t>5/14/2024</a:t>
             </a:fld>
             <a:endParaRPr lang="en-US"/>
           </a:p>
@@ -279,38 +295,37 @@
           <a:p>
             <a:pPr lvl="0"/>
             <a:r>
-              <a:rPr lang="en-US" smtClean="0"/>
+              <a:rPr lang="en-US"/>
               <a:t>Click to edit Master text styles</a:t>
             </a:r>
           </a:p>
           <a:p>
             <a:pPr lvl="1"/>
             <a:r>
-              <a:rPr lang="en-US" smtClean="0"/>
+              <a:rPr lang="en-US"/>
               <a:t>Second level</a:t>
             </a:r>
           </a:p>
           <a:p>
             <a:pPr lvl="2"/>
             <a:r>
-              <a:rPr lang="en-US" smtClean="0"/>
+              <a:rPr lang="en-US"/>
               <a:t>Third level</a:t>
             </a:r>
           </a:p>
           <a:p>
             <a:pPr lvl="3"/>
             <a:r>
-              <a:rPr lang="en-US" smtClean="0"/>
+              <a:rPr lang="en-US"/>
               <a:t>Fourth level</a:t>
             </a:r>
           </a:p>
           <a:p>
             <a:pPr lvl="4"/>
             <a:r>
-              <a:rPr lang="en-US" smtClean="0"/>
+              <a:rPr lang="en-US"/>
               <a:t>Fifth level</a:t>
             </a:r>
-            <a:endParaRPr lang="en-US"/>
           </a:p>
         </p:txBody>
       </p:sp>
@@ -516,10 +531,9 @@
           <a:lstStyle/>
           <a:p>
             <a:r>
-              <a:rPr lang="en-US" smtClean="0"/>
+              <a:rPr lang="en-US"/>
               <a:t>Click to edit Master title style</a:t>
             </a:r>
-            <a:endParaRPr lang="en-US"/>
           </a:p>
         </p:txBody>
       </p:sp>
@@ -635,10 +649,9 @@
           </a:lstStyle>
           <a:p>
             <a:r>
-              <a:rPr lang="en-US" smtClean="0"/>
+              <a:rPr lang="en-US"/>
               <a:t>Click to edit Master subtitle style</a:t>
             </a:r>
-            <a:endParaRPr lang="en-US"/>
           </a:p>
         </p:txBody>
       </p:sp>
@@ -659,7 +672,7 @@
           <a:p>
             <a:fld id="{676D6C8F-539E-45F2-82EF-9DA4B21A660E}" type="datetime1">
               <a:rPr lang="en-US" smtClean="0"/>
-              <a:t>5/4/2024</a:t>
+              <a:t>5/14/2024</a:t>
             </a:fld>
             <a:endParaRPr lang="en-US"/>
           </a:p>
@@ -749,10 +762,9 @@
           <a:lstStyle/>
           <a:p>
             <a:r>
-              <a:rPr lang="en-US" smtClean="0"/>
+              <a:rPr lang="en-US"/>
               <a:t>Click to edit Master title style</a:t>
             </a:r>
-            <a:endParaRPr lang="en-US"/>
           </a:p>
         </p:txBody>
       </p:sp>
@@ -773,38 +785,37 @@
           <a:p>
             <a:pPr lvl="0"/>
             <a:r>
-              <a:rPr lang="en-US" smtClean="0"/>
+              <a:rPr lang="en-US"/>
               <a:t>Click to edit Master text styles</a:t>
             </a:r>
           </a:p>
           <a:p>
             <a:pPr lvl="1"/>
             <a:r>
-              <a:rPr lang="en-US" smtClean="0"/>
+              <a:rPr lang="en-US"/>
               <a:t>Second level</a:t>
             </a:r>
           </a:p>
           <a:p>
             <a:pPr lvl="2"/>
             <a:r>
-              <a:rPr lang="en-US" smtClean="0"/>
+              <a:rPr lang="en-US"/>
               <a:t>Third level</a:t>
             </a:r>
           </a:p>
           <a:p>
             <a:pPr lvl="3"/>
             <a:r>
-              <a:rPr lang="en-US" smtClean="0"/>
+              <a:rPr lang="en-US"/>
               <a:t>Fourth level</a:t>
             </a:r>
           </a:p>
           <a:p>
             <a:pPr lvl="4"/>
             <a:r>
-              <a:rPr lang="en-US" smtClean="0"/>
+              <a:rPr lang="en-US"/>
               <a:t>Fifth level</a:t>
             </a:r>
-            <a:endParaRPr lang="en-US"/>
           </a:p>
         </p:txBody>
       </p:sp>
@@ -825,7 +836,7 @@
           <a:p>
             <a:fld id="{65CD9255-8072-435B-8841-D19F039C78D7}" type="datetime1">
               <a:rPr lang="en-US" smtClean="0"/>
-              <a:t>5/4/2024</a:t>
+              <a:t>5/14/2024</a:t>
             </a:fld>
             <a:endParaRPr lang="en-US"/>
           </a:p>
@@ -920,10 +931,9 @@
           <a:lstStyle/>
           <a:p>
             <a:r>
-              <a:rPr lang="en-US" smtClean="0"/>
+              <a:rPr lang="en-US"/>
               <a:t>Click to edit Master title style</a:t>
             </a:r>
-            <a:endParaRPr lang="en-US"/>
           </a:p>
         </p:txBody>
       </p:sp>
@@ -949,38 +959,37 @@
           <a:p>
             <a:pPr lvl="0"/>
             <a:r>
-              <a:rPr lang="en-US" smtClean="0"/>
+              <a:rPr lang="en-US"/>
               <a:t>Click to edit Master text styles</a:t>
             </a:r>
           </a:p>
           <a:p>
             <a:pPr lvl="1"/>
             <a:r>
-              <a:rPr lang="en-US" smtClean="0"/>
+              <a:rPr lang="en-US"/>
               <a:t>Second level</a:t>
             </a:r>
           </a:p>
           <a:p>
             <a:pPr lvl="2"/>
             <a:r>
-              <a:rPr lang="en-US" smtClean="0"/>
+              <a:rPr lang="en-US"/>
               <a:t>Third level</a:t>
             </a:r>
           </a:p>
           <a:p>
             <a:pPr lvl="3"/>
             <a:r>
-              <a:rPr lang="en-US" smtClean="0"/>
+              <a:rPr lang="en-US"/>
               <a:t>Fourth level</a:t>
             </a:r>
           </a:p>
           <a:p>
             <a:pPr lvl="4"/>
             <a:r>
-              <a:rPr lang="en-US" smtClean="0"/>
+              <a:rPr lang="en-US"/>
               <a:t>Fifth level</a:t>
             </a:r>
-            <a:endParaRPr lang="en-US"/>
           </a:p>
         </p:txBody>
       </p:sp>
@@ -1001,7 +1010,7 @@
           <a:p>
             <a:fld id="{F52B6641-BF81-4C68-B324-2027E0A993B1}" type="datetime1">
               <a:rPr lang="en-US" smtClean="0"/>
-              <a:t>5/4/2024</a:t>
+              <a:t>5/14/2024</a:t>
             </a:fld>
             <a:endParaRPr lang="en-US"/>
           </a:p>
@@ -1091,10 +1100,9 @@
           <a:lstStyle/>
           <a:p>
             <a:r>
-              <a:rPr lang="en-US" smtClean="0"/>
+              <a:rPr lang="en-US"/>
               <a:t>Click to edit Master title style</a:t>
             </a:r>
-            <a:endParaRPr lang="en-US"/>
           </a:p>
         </p:txBody>
       </p:sp>
@@ -1115,38 +1123,37 @@
           <a:p>
             <a:pPr lvl="0"/>
             <a:r>
-              <a:rPr lang="en-US" smtClean="0"/>
+              <a:rPr lang="en-US"/>
               <a:t>Click to edit Master text styles</a:t>
             </a:r>
           </a:p>
           <a:p>
             <a:pPr lvl="1"/>
             <a:r>
-              <a:rPr lang="en-US" smtClean="0"/>
+              <a:rPr lang="en-US"/>
               <a:t>Second level</a:t>
             </a:r>
           </a:p>
           <a:p>
             <a:pPr lvl="2"/>
             <a:r>
-              <a:rPr lang="en-US" smtClean="0"/>
+              <a:rPr lang="en-US"/>
               <a:t>Third level</a:t>
             </a:r>
           </a:p>
           <a:p>
             <a:pPr lvl="3"/>
             <a:r>
-              <a:rPr lang="en-US" smtClean="0"/>
+              <a:rPr lang="en-US"/>
               <a:t>Fourth level</a:t>
             </a:r>
           </a:p>
           <a:p>
             <a:pPr lvl="4"/>
             <a:r>
-              <a:rPr lang="en-US" smtClean="0"/>
+              <a:rPr lang="en-US"/>
               <a:t>Fifth level</a:t>
             </a:r>
-            <a:endParaRPr lang="en-US"/>
           </a:p>
         </p:txBody>
       </p:sp>
@@ -1167,7 +1174,7 @@
           <a:p>
             <a:fld id="{415DDA16-5648-43ED-8F33-68021E1E0DD4}" type="datetime1">
               <a:rPr lang="en-US" smtClean="0"/>
-              <a:t>5/4/2024</a:t>
+              <a:t>5/14/2024</a:t>
             </a:fld>
             <a:endParaRPr lang="en-US"/>
           </a:p>
@@ -1266,10 +1273,9 @@
           </a:lstStyle>
           <a:p>
             <a:r>
-              <a:rPr lang="en-US" smtClean="0"/>
+              <a:rPr lang="en-US"/>
               <a:t>Click to edit Master title style</a:t>
             </a:r>
-            <a:endParaRPr lang="en-US"/>
           </a:p>
         </p:txBody>
       </p:sp>
@@ -1386,7 +1392,7 @@
           <a:p>
             <a:pPr lvl="0"/>
             <a:r>
-              <a:rPr lang="en-US" smtClean="0"/>
+              <a:rPr lang="en-US"/>
               <a:t>Click to edit Master text styles</a:t>
             </a:r>
           </a:p>
@@ -1409,7 +1415,7 @@
           <a:p>
             <a:fld id="{0E5420FC-43FE-4C26-9126-20872F97BAFF}" type="datetime1">
               <a:rPr lang="en-US" smtClean="0"/>
-              <a:t>5/4/2024</a:t>
+              <a:t>5/14/2024</a:t>
             </a:fld>
             <a:endParaRPr lang="en-US"/>
           </a:p>
@@ -1499,10 +1505,9 @@
           <a:lstStyle/>
           <a:p>
             <a:r>
-              <a:rPr lang="en-US" smtClean="0"/>
+              <a:rPr lang="en-US"/>
               <a:t>Click to edit Master title style</a:t>
             </a:r>
-            <a:endParaRPr lang="en-US"/>
           </a:p>
         </p:txBody>
       </p:sp>
@@ -1556,38 +1561,37 @@
           <a:p>
             <a:pPr lvl="0"/>
             <a:r>
-              <a:rPr lang="en-US" smtClean="0"/>
+              <a:rPr lang="en-US"/>
               <a:t>Click to edit Master text styles</a:t>
             </a:r>
           </a:p>
           <a:p>
             <a:pPr lvl="1"/>
             <a:r>
-              <a:rPr lang="en-US" smtClean="0"/>
+              <a:rPr lang="en-US"/>
               <a:t>Second level</a:t>
             </a:r>
           </a:p>
           <a:p>
             <a:pPr lvl="2"/>
             <a:r>
-              <a:rPr lang="en-US" smtClean="0"/>
+              <a:rPr lang="en-US"/>
               <a:t>Third level</a:t>
             </a:r>
           </a:p>
           <a:p>
             <a:pPr lvl="3"/>
             <a:r>
-              <a:rPr lang="en-US" smtClean="0"/>
+              <a:rPr lang="en-US"/>
               <a:t>Fourth level</a:t>
             </a:r>
           </a:p>
           <a:p>
             <a:pPr lvl="4"/>
             <a:r>
-              <a:rPr lang="en-US" smtClean="0"/>
+              <a:rPr lang="en-US"/>
               <a:t>Fifth level</a:t>
             </a:r>
-            <a:endParaRPr lang="en-US"/>
           </a:p>
         </p:txBody>
       </p:sp>
@@ -1641,38 +1645,37 @@
           <a:p>
             <a:pPr lvl="0"/>
             <a:r>
-              <a:rPr lang="en-US" smtClean="0"/>
+              <a:rPr lang="en-US"/>
               <a:t>Click to edit Master text styles</a:t>
             </a:r>
           </a:p>
           <a:p>
             <a:pPr lvl="1"/>
             <a:r>
-              <a:rPr lang="en-US" smtClean="0"/>
+              <a:rPr lang="en-US"/>
               <a:t>Second level</a:t>
             </a:r>
           </a:p>
           <a:p>
             <a:pPr lvl="2"/>
             <a:r>
-              <a:rPr lang="en-US" smtClean="0"/>
+              <a:rPr lang="en-US"/>
               <a:t>Third level</a:t>
             </a:r>
           </a:p>
           <a:p>
             <a:pPr lvl="3"/>
             <a:r>
-              <a:rPr lang="en-US" smtClean="0"/>
+              <a:rPr lang="en-US"/>
               <a:t>Fourth level</a:t>
             </a:r>
           </a:p>
           <a:p>
             <a:pPr lvl="4"/>
             <a:r>
-              <a:rPr lang="en-US" smtClean="0"/>
+              <a:rPr lang="en-US"/>
               <a:t>Fifth level</a:t>
             </a:r>
-            <a:endParaRPr lang="en-US"/>
           </a:p>
         </p:txBody>
       </p:sp>
@@ -1693,7 +1696,7 @@
           <a:p>
             <a:fld id="{BC711861-911F-4087-AA0D-31F51408129C}" type="datetime1">
               <a:rPr lang="en-US" smtClean="0"/>
-              <a:t>5/4/2024</a:t>
+              <a:t>5/14/2024</a:t>
             </a:fld>
             <a:endParaRPr lang="en-US"/>
           </a:p>
@@ -1787,10 +1790,9 @@
           </a:lstStyle>
           <a:p>
             <a:r>
-              <a:rPr lang="en-US" smtClean="0"/>
+              <a:rPr lang="en-US"/>
               <a:t>Click to edit Master title style</a:t>
             </a:r>
-            <a:endParaRPr lang="en-US"/>
           </a:p>
         </p:txBody>
       </p:sp>
@@ -1853,7 +1855,7 @@
           <a:p>
             <a:pPr lvl="0"/>
             <a:r>
-              <a:rPr lang="en-US" smtClean="0"/>
+              <a:rPr lang="en-US"/>
               <a:t>Click to edit Master text styles</a:t>
             </a:r>
           </a:p>
@@ -1909,38 +1911,37 @@
           <a:p>
             <a:pPr lvl="0"/>
             <a:r>
-              <a:rPr lang="en-US" smtClean="0"/>
+              <a:rPr lang="en-US"/>
               <a:t>Click to edit Master text styles</a:t>
             </a:r>
           </a:p>
           <a:p>
             <a:pPr lvl="1"/>
             <a:r>
-              <a:rPr lang="en-US" smtClean="0"/>
+              <a:rPr lang="en-US"/>
               <a:t>Second level</a:t>
             </a:r>
           </a:p>
           <a:p>
             <a:pPr lvl="2"/>
             <a:r>
-              <a:rPr lang="en-US" smtClean="0"/>
+              <a:rPr lang="en-US"/>
               <a:t>Third level</a:t>
             </a:r>
           </a:p>
           <a:p>
             <a:pPr lvl="3"/>
             <a:r>
-              <a:rPr lang="en-US" smtClean="0"/>
+              <a:rPr lang="en-US"/>
               <a:t>Fourth level</a:t>
             </a:r>
           </a:p>
           <a:p>
             <a:pPr lvl="4"/>
             <a:r>
-              <a:rPr lang="en-US" smtClean="0"/>
+              <a:rPr lang="en-US"/>
               <a:t>Fifth level</a:t>
             </a:r>
-            <a:endParaRPr lang="en-US"/>
           </a:p>
         </p:txBody>
       </p:sp>
@@ -2003,7 +2004,7 @@
           <a:p>
             <a:pPr lvl="0"/>
             <a:r>
-              <a:rPr lang="en-US" smtClean="0"/>
+              <a:rPr lang="en-US"/>
               <a:t>Click to edit Master text styles</a:t>
             </a:r>
           </a:p>
@@ -2059,38 +2060,37 @@
           <a:p>
             <a:pPr lvl="0"/>
             <a:r>
-              <a:rPr lang="en-US" smtClean="0"/>
+              <a:rPr lang="en-US"/>
               <a:t>Click to edit Master text styles</a:t>
             </a:r>
           </a:p>
           <a:p>
             <a:pPr lvl="1"/>
             <a:r>
-              <a:rPr lang="en-US" smtClean="0"/>
+              <a:rPr lang="en-US"/>
               <a:t>Second level</a:t>
             </a:r>
           </a:p>
           <a:p>
             <a:pPr lvl="2"/>
             <a:r>
-              <a:rPr lang="en-US" smtClean="0"/>
+              <a:rPr lang="en-US"/>
               <a:t>Third level</a:t>
             </a:r>
           </a:p>
           <a:p>
             <a:pPr lvl="3"/>
             <a:r>
-              <a:rPr lang="en-US" smtClean="0"/>
+              <a:rPr lang="en-US"/>
               <a:t>Fourth level</a:t>
             </a:r>
           </a:p>
           <a:p>
             <a:pPr lvl="4"/>
             <a:r>
-              <a:rPr lang="en-US" smtClean="0"/>
+              <a:rPr lang="en-US"/>
               <a:t>Fifth level</a:t>
             </a:r>
-            <a:endParaRPr lang="en-US"/>
           </a:p>
         </p:txBody>
       </p:sp>
@@ -2111,7 +2111,7 @@
           <a:p>
             <a:fld id="{053E25BA-EDB6-400C-9FDB-90958856A554}" type="datetime1">
               <a:rPr lang="en-US" smtClean="0"/>
-              <a:t>5/4/2024</a:t>
+              <a:t>5/14/2024</a:t>
             </a:fld>
             <a:endParaRPr lang="en-US"/>
           </a:p>
@@ -2201,10 +2201,9 @@
           <a:lstStyle/>
           <a:p>
             <a:r>
-              <a:rPr lang="en-US" smtClean="0"/>
+              <a:rPr lang="en-US"/>
               <a:t>Click to edit Master title style</a:t>
             </a:r>
-            <a:endParaRPr lang="en-US"/>
           </a:p>
         </p:txBody>
       </p:sp>
@@ -2225,7 +2224,7 @@
           <a:p>
             <a:fld id="{D8433F74-86A5-4FD8-B82E-5C3082684C0B}" type="datetime1">
               <a:rPr lang="en-US" smtClean="0"/>
-              <a:t>5/4/2024</a:t>
+              <a:t>5/14/2024</a:t>
             </a:fld>
             <a:endParaRPr lang="en-US"/>
           </a:p>
@@ -2316,7 +2315,7 @@
           <a:p>
             <a:fld id="{2E1F55D2-012E-4587-AB96-83C5FA911873}" type="datetime1">
               <a:rPr lang="en-US" smtClean="0"/>
-              <a:t>5/4/2024</a:t>
+              <a:t>5/14/2024</a:t>
             </a:fld>
             <a:endParaRPr lang="en-US"/>
           </a:p>
@@ -2415,10 +2414,9 @@
           </a:lstStyle>
           <a:p>
             <a:r>
-              <a:rPr lang="en-US" smtClean="0"/>
+              <a:rPr lang="en-US"/>
               <a:t>Click to edit Master title style</a:t>
             </a:r>
-            <a:endParaRPr lang="en-US"/>
           </a:p>
         </p:txBody>
       </p:sp>
@@ -2472,38 +2470,37 @@
           <a:p>
             <a:pPr lvl="0"/>
             <a:r>
-              <a:rPr lang="en-US" smtClean="0"/>
+              <a:rPr lang="en-US"/>
               <a:t>Click to edit Master text styles</a:t>
             </a:r>
           </a:p>
           <a:p>
             <a:pPr lvl="1"/>
             <a:r>
-              <a:rPr lang="en-US" smtClean="0"/>
+              <a:rPr lang="en-US"/>
               <a:t>Second level</a:t>
             </a:r>
           </a:p>
           <a:p>
             <a:pPr lvl="2"/>
             <a:r>
-              <a:rPr lang="en-US" smtClean="0"/>
+              <a:rPr lang="en-US"/>
               <a:t>Third level</a:t>
             </a:r>
           </a:p>
           <a:p>
             <a:pPr lvl="3"/>
             <a:r>
-              <a:rPr lang="en-US" smtClean="0"/>
+              <a:rPr lang="en-US"/>
               <a:t>Fourth level</a:t>
             </a:r>
           </a:p>
           <a:p>
             <a:pPr lvl="4"/>
             <a:r>
-              <a:rPr lang="en-US" smtClean="0"/>
+              <a:rPr lang="en-US"/>
               <a:t>Fifth level</a:t>
             </a:r>
-            <a:endParaRPr lang="en-US"/>
           </a:p>
         </p:txBody>
       </p:sp>
@@ -2566,7 +2563,7 @@
           <a:p>
             <a:pPr lvl="0"/>
             <a:r>
-              <a:rPr lang="en-US" smtClean="0"/>
+              <a:rPr lang="en-US"/>
               <a:t>Click to edit Master text styles</a:t>
             </a:r>
           </a:p>
@@ -2589,7 +2586,7 @@
           <a:p>
             <a:fld id="{90886C48-01DE-4593-AA2F-ED6C66969C94}" type="datetime1">
               <a:rPr lang="en-US" smtClean="0"/>
-              <a:t>5/4/2024</a:t>
+              <a:t>5/14/2024</a:t>
             </a:fld>
             <a:endParaRPr lang="en-US"/>
           </a:p>
@@ -2688,10 +2685,9 @@
           </a:lstStyle>
           <a:p>
             <a:r>
-              <a:rPr lang="en-US" smtClean="0"/>
+              <a:rPr lang="en-US"/>
               <a:t>Click to edit Master title style</a:t>
             </a:r>
-            <a:endParaRPr lang="en-US"/>
           </a:p>
         </p:txBody>
       </p:sp>
@@ -2815,7 +2811,7 @@
           <a:p>
             <a:pPr lvl="0"/>
             <a:r>
-              <a:rPr lang="en-US" smtClean="0"/>
+              <a:rPr lang="en-US"/>
               <a:t>Click to edit Master text styles</a:t>
             </a:r>
           </a:p>
@@ -2838,7 +2834,7 @@
           <a:p>
             <a:fld id="{DA5C5A30-4703-4CE9-8DBA-B93F35E541CD}" type="datetime1">
               <a:rPr lang="en-US" smtClean="0"/>
-              <a:t>5/4/2024</a:t>
+              <a:t>5/14/2024</a:t>
             </a:fld>
             <a:endParaRPr lang="en-US"/>
           </a:p>
@@ -2943,10 +2939,9 @@
           <a:lstStyle/>
           <a:p>
             <a:r>
-              <a:rPr lang="en-US" smtClean="0"/>
+              <a:rPr lang="en-US"/>
               <a:t>Click to edit Master title style</a:t>
             </a:r>
-            <a:endParaRPr lang="en-US"/>
           </a:p>
         </p:txBody>
       </p:sp>
@@ -2977,38 +2972,37 @@
           <a:p>
             <a:pPr lvl="0"/>
             <a:r>
-              <a:rPr lang="en-US" smtClean="0"/>
+              <a:rPr lang="en-US"/>
               <a:t>Click to edit Master text styles</a:t>
             </a:r>
           </a:p>
           <a:p>
             <a:pPr lvl="1"/>
             <a:r>
-              <a:rPr lang="en-US" smtClean="0"/>
+              <a:rPr lang="en-US"/>
               <a:t>Second level</a:t>
             </a:r>
           </a:p>
           <a:p>
             <a:pPr lvl="2"/>
             <a:r>
-              <a:rPr lang="en-US" smtClean="0"/>
+              <a:rPr lang="en-US"/>
               <a:t>Third level</a:t>
             </a:r>
           </a:p>
           <a:p>
             <a:pPr lvl="3"/>
             <a:r>
-              <a:rPr lang="en-US" smtClean="0"/>
+              <a:rPr lang="en-US"/>
               <a:t>Fourth level</a:t>
             </a:r>
           </a:p>
           <a:p>
             <a:pPr lvl="4"/>
             <a:r>
-              <a:rPr lang="en-US" smtClean="0"/>
+              <a:rPr lang="en-US"/>
               <a:t>Fifth level</a:t>
             </a:r>
-            <a:endParaRPr lang="en-US"/>
           </a:p>
         </p:txBody>
       </p:sp>
@@ -3047,7 +3041,7 @@
           <a:p>
             <a:fld id="{44CBD428-9F02-4F1C-9708-EBB07AC8C77B}" type="datetime1">
               <a:rPr lang="en-US" smtClean="0"/>
-              <a:t>5/4/2024</a:t>
+              <a:t>5/14/2024</a:t>
             </a:fld>
             <a:endParaRPr lang="en-US"/>
           </a:p>
@@ -3442,10 +3436,9 @@
           <a:lstStyle/>
           <a:p>
             <a:r>
-              <a:rPr lang="en-US" b="1" i="1" u="sng" dirty="0" smtClean="0"/>
+              <a:rPr lang="en-US" b="1" i="1" u="sng" dirty="0"/>
               <a:t>IHRM</a:t>
             </a:r>
-            <a:endParaRPr lang="en-US" b="1" i="1" u="sng" dirty="0"/>
           </a:p>
         </p:txBody>
       </p:sp>
@@ -3498,11 +3491,11 @@
           <a:lstStyle/>
           <a:p>
             <a:r>
-              <a:rPr lang="en-US" sz="3200" b="1" dirty="0" err="1" smtClean="0"/>
+              <a:rPr lang="en-US" sz="3200" b="1" dirty="0" err="1"/>
               <a:t>Ivoyant</a:t>
             </a:r>
             <a:r>
-              <a:rPr lang="en-US" sz="3200" b="1" dirty="0" smtClean="0"/>
+              <a:rPr lang="en-US" sz="3200" b="1" dirty="0"/>
               <a:t> HR</a:t>
             </a:r>
           </a:p>
@@ -3535,7 +3528,7 @@
               <a:buAutoNum type="arabicPeriod"/>
             </a:pPr>
             <a:r>
-              <a:rPr lang="en-US" sz="2400" dirty="0" smtClean="0"/>
+              <a:rPr lang="en-US" sz="2400" dirty="0"/>
               <a:t>Dashboard</a:t>
             </a:r>
           </a:p>
@@ -3545,7 +3538,7 @@
               <a:buAutoNum type="arabicPeriod"/>
             </a:pPr>
             <a:r>
-              <a:rPr lang="en-US" sz="2400" dirty="0" smtClean="0"/>
+              <a:rPr lang="en-US" sz="2400" dirty="0"/>
               <a:t>Project</a:t>
             </a:r>
           </a:p>
@@ -3555,7 +3548,7 @@
               <a:buAutoNum type="arabicPeriod"/>
             </a:pPr>
             <a:r>
-              <a:rPr lang="en-US" sz="2400" dirty="0" smtClean="0"/>
+              <a:rPr lang="en-US" sz="2400" dirty="0"/>
               <a:t>Resource</a:t>
             </a:r>
           </a:p>
@@ -3565,7 +3558,7 @@
               <a:buAutoNum type="arabicPeriod"/>
             </a:pPr>
             <a:r>
-              <a:rPr lang="en-US" sz="2400" dirty="0" smtClean="0"/>
+              <a:rPr lang="en-US" sz="2400" dirty="0"/>
               <a:t>Timesheet</a:t>
             </a:r>
           </a:p>
@@ -3575,7 +3568,7 @@
               <a:buAutoNum type="arabicPeriod"/>
             </a:pPr>
             <a:r>
-              <a:rPr lang="en-US" sz="2400" dirty="0" smtClean="0"/>
+              <a:rPr lang="en-US" sz="2400" dirty="0"/>
               <a:t>Leave Management</a:t>
             </a:r>
           </a:p>
@@ -3585,31 +3578,27 @@
               <a:buAutoNum type="arabicPeriod"/>
             </a:pPr>
             <a:r>
-              <a:rPr lang="en-US" sz="2400" dirty="0" smtClean="0"/>
-              <a:t>Leave Balance Settlement</a:t>
-            </a:r>
-          </a:p>
-          <a:p>
-            <a:pPr marL="342900" indent="-342900">
-              <a:buFont typeface="+mj-lt"/>
-              <a:buAutoNum type="arabicPeriod"/>
-            </a:pPr>
-            <a:r>
-              <a:rPr lang="en-US" sz="2400" dirty="0" err="1" smtClean="0"/>
-              <a:t>Attendence</a:t>
-            </a:r>
-            <a:r>
-              <a:rPr lang="en-US" sz="2400" dirty="0" smtClean="0"/>
-              <a:t> Remainder</a:t>
-            </a:r>
-          </a:p>
-          <a:p>
-            <a:pPr marL="342900" indent="-342900">
-              <a:buFont typeface="+mj-lt"/>
-              <a:buAutoNum type="arabicPeriod"/>
-            </a:pPr>
-            <a:r>
-              <a:rPr lang="en-US" sz="2400" dirty="0" smtClean="0"/>
+              <a:rPr lang="en-US" sz="2400" dirty="0"/>
+              <a:t>Leave encashment calculation</a:t>
+            </a:r>
+          </a:p>
+          <a:p>
+            <a:pPr marL="342900" indent="-342900">
+              <a:buFont typeface="+mj-lt"/>
+              <a:buAutoNum type="arabicPeriod"/>
+            </a:pPr>
+            <a:r>
+              <a:rPr lang="en-US" sz="2400" dirty="0"/>
+              <a:t>Attendance Reminder</a:t>
+            </a:r>
+          </a:p>
+          <a:p>
+            <a:pPr marL="342900" indent="-342900">
+              <a:buFont typeface="+mj-lt"/>
+              <a:buAutoNum type="arabicPeriod"/>
+            </a:pPr>
+            <a:r>
+              <a:rPr lang="en-US" sz="2400" dirty="0"/>
               <a:t>Yearly Leave Plan</a:t>
             </a:r>
           </a:p>
@@ -3619,7 +3608,7 @@
               <a:buAutoNum type="arabicPeriod"/>
             </a:pPr>
             <a:r>
-              <a:rPr lang="en-US" sz="2400" dirty="0" smtClean="0"/>
+              <a:rPr lang="en-US" sz="2400" dirty="0"/>
               <a:t>Notification</a:t>
             </a:r>
           </a:p>
@@ -3629,7 +3618,7 @@
               <a:buAutoNum type="arabicPeriod"/>
             </a:pPr>
             <a:r>
-              <a:rPr lang="en-US" sz="2400" dirty="0" smtClean="0"/>
+              <a:rPr lang="en-US" sz="2400" dirty="0"/>
               <a:t>Asset</a:t>
             </a:r>
           </a:p>
@@ -3639,7 +3628,7 @@
               <a:buAutoNum type="arabicPeriod"/>
             </a:pPr>
             <a:r>
-              <a:rPr lang="en-US" sz="2400" dirty="0" smtClean="0"/>
+              <a:rPr lang="en-US" sz="2400" dirty="0"/>
               <a:t>Email Template</a:t>
             </a:r>
           </a:p>
@@ -3649,10 +3638,9 @@
               <a:buAutoNum type="arabicPeriod"/>
             </a:pPr>
             <a:r>
-              <a:rPr lang="en-US" sz="2400" dirty="0" smtClean="0"/>
+              <a:rPr lang="en-US" sz="2400" dirty="0"/>
               <a:t>Allocate Resources (play ground)</a:t>
             </a:r>
-            <a:endParaRPr lang="en-US" sz="2400" dirty="0"/>
           </a:p>
         </p:txBody>
       </p:sp>
@@ -3661,13 +3649,6 @@
   <p:clrMapOvr>
     <a:masterClrMapping/>
   </p:clrMapOvr>
-  <p:timing>
-    <p:tnLst>
-      <p:par>
-        <p:cTn id="1" dur="indefinite" restart="never" nodeType="tmRoot"/>
-      </p:par>
-    </p:tnLst>
-  </p:timing>
 </p:sld>
 </file>
 
@@ -3711,10 +3692,9 @@
           <a:lstStyle/>
           <a:p>
             <a:r>
-              <a:rPr lang="en-US" b="1" i="1" u="sng" dirty="0" smtClean="0"/>
+              <a:rPr lang="en-US" b="1" i="1" u="sng" dirty="0"/>
               <a:t>IHRM</a:t>
             </a:r>
-            <a:endParaRPr lang="en-US" b="1" i="1" u="sng" dirty="0"/>
           </a:p>
         </p:txBody>
       </p:sp>
@@ -3767,7 +3747,7 @@
           <a:lstStyle/>
           <a:p>
             <a:r>
-              <a:rPr lang="en-US" sz="3200" b="1" dirty="0" smtClean="0"/>
+              <a:rPr lang="en-US" sz="3200" b="1" dirty="0"/>
               <a:t>User Leave Management</a:t>
             </a:r>
           </a:p>
@@ -3799,149 +3779,99 @@
               <a:buAutoNum type="arabicPeriod"/>
             </a:pPr>
             <a:r>
-              <a:rPr lang="en-US" dirty="0" smtClean="0"/>
-              <a:t>Leave </a:t>
-            </a:r>
-            <a:r>
-              <a:rPr lang="en-US" dirty="0"/>
-              <a:t>Request </a:t>
-            </a:r>
-            <a:r>
-              <a:rPr lang="en-US" dirty="0" smtClean="0"/>
-              <a:t>Submission</a:t>
-            </a:r>
-            <a:endParaRPr lang="en-US" dirty="0"/>
-          </a:p>
-          <a:p>
-            <a:pPr marL="342900" indent="-342900">
-              <a:buFont typeface="+mj-lt"/>
-              <a:buAutoNum type="arabicPeriod"/>
-            </a:pPr>
-            <a:r>
-              <a:rPr lang="en-US" dirty="0"/>
-              <a:t>Leave Approval </a:t>
-            </a:r>
-            <a:r>
-              <a:rPr lang="en-US" dirty="0" smtClean="0"/>
-              <a:t>Workflow</a:t>
-            </a:r>
-            <a:endParaRPr lang="en-US" dirty="0"/>
-          </a:p>
-          <a:p>
-            <a:pPr marL="342900" indent="-342900">
-              <a:buFont typeface="+mj-lt"/>
-              <a:buAutoNum type="arabicPeriod"/>
-            </a:pPr>
-            <a:r>
-              <a:rPr lang="en-US" dirty="0"/>
-              <a:t>Leave Balance </a:t>
-            </a:r>
-            <a:r>
-              <a:rPr lang="en-US" dirty="0" smtClean="0"/>
-              <a:t>Tracking</a:t>
-            </a:r>
-            <a:endParaRPr lang="en-US" dirty="0"/>
-          </a:p>
-          <a:p>
-            <a:pPr marL="342900" indent="-342900">
-              <a:buFont typeface="+mj-lt"/>
-              <a:buAutoNum type="arabicPeriod"/>
-            </a:pPr>
-            <a:r>
-              <a:rPr lang="en-US" dirty="0"/>
-              <a:t>Calendar </a:t>
-            </a:r>
-            <a:r>
-              <a:rPr lang="en-US" dirty="0" smtClean="0"/>
-              <a:t>View</a:t>
-            </a:r>
-            <a:endParaRPr lang="en-US" dirty="0"/>
-          </a:p>
-          <a:p>
-            <a:pPr marL="342900" indent="-342900">
-              <a:buFont typeface="+mj-lt"/>
-              <a:buAutoNum type="arabicPeriod"/>
-            </a:pPr>
-            <a:r>
-              <a:rPr lang="en-US" dirty="0"/>
-              <a:t>Leave </a:t>
-            </a:r>
-            <a:r>
-              <a:rPr lang="en-US" dirty="0" smtClean="0"/>
-              <a:t>History</a:t>
-            </a:r>
-            <a:endParaRPr lang="en-US" dirty="0"/>
-          </a:p>
-          <a:p>
-            <a:pPr marL="342900" indent="-342900">
-              <a:buFont typeface="+mj-lt"/>
-              <a:buAutoNum type="arabicPeriod"/>
-            </a:pPr>
-            <a:r>
-              <a:rPr lang="en-US" dirty="0"/>
-              <a:t>Flexible Leave </a:t>
-            </a:r>
-            <a:r>
-              <a:rPr lang="en-US" dirty="0" smtClean="0"/>
-              <a:t>Policies</a:t>
-            </a:r>
-            <a:endParaRPr lang="en-US" dirty="0"/>
-          </a:p>
-          <a:p>
-            <a:pPr marL="342900" indent="-342900">
-              <a:buFont typeface="+mj-lt"/>
-              <a:buAutoNum type="arabicPeriod"/>
-            </a:pPr>
-            <a:r>
-              <a:rPr lang="en-US" dirty="0"/>
-              <a:t>Notifications and </a:t>
-            </a:r>
-            <a:r>
-              <a:rPr lang="en-US" dirty="0" smtClean="0"/>
-              <a:t>Reminders</a:t>
-            </a:r>
-            <a:endParaRPr lang="en-US" dirty="0"/>
-          </a:p>
-          <a:p>
-            <a:pPr marL="342900" indent="-342900">
-              <a:buFont typeface="+mj-lt"/>
-              <a:buAutoNum type="arabicPeriod"/>
-            </a:pPr>
-            <a:r>
-              <a:rPr lang="en-US" dirty="0" smtClean="0"/>
+              <a:rPr lang="en-US" dirty="0"/>
+              <a:t>Leave Request Submission</a:t>
+            </a:r>
+          </a:p>
+          <a:p>
+            <a:pPr marL="342900" indent="-342900">
+              <a:buFont typeface="+mj-lt"/>
+              <a:buAutoNum type="arabicPeriod"/>
+            </a:pPr>
+            <a:r>
+              <a:rPr lang="en-US" dirty="0"/>
+              <a:t>Leave Approval Workflow</a:t>
+            </a:r>
+          </a:p>
+          <a:p>
+            <a:pPr marL="342900" indent="-342900">
+              <a:buFont typeface="+mj-lt"/>
+              <a:buAutoNum type="arabicPeriod"/>
+            </a:pPr>
+            <a:r>
+              <a:rPr lang="en-US" dirty="0"/>
+              <a:t>Leave Balance Tracking</a:t>
+            </a:r>
+          </a:p>
+          <a:p>
+            <a:pPr marL="342900" indent="-342900">
+              <a:buFont typeface="+mj-lt"/>
+              <a:buAutoNum type="arabicPeriod"/>
+            </a:pPr>
+            <a:r>
+              <a:rPr lang="en-US" dirty="0"/>
+              <a:t>Calendar View</a:t>
+            </a:r>
+          </a:p>
+          <a:p>
+            <a:pPr marL="342900" indent="-342900">
+              <a:buFont typeface="+mj-lt"/>
+              <a:buAutoNum type="arabicPeriod"/>
+            </a:pPr>
+            <a:r>
+              <a:rPr lang="en-US" dirty="0"/>
+              <a:t>Leave History</a:t>
+            </a:r>
+          </a:p>
+          <a:p>
+            <a:pPr marL="342900" indent="-342900">
+              <a:buFont typeface="+mj-lt"/>
+              <a:buAutoNum type="arabicPeriod"/>
+            </a:pPr>
+            <a:r>
+              <a:rPr lang="en-US" dirty="0"/>
+              <a:t>Flexible Leave Policies</a:t>
+            </a:r>
+          </a:p>
+          <a:p>
+            <a:pPr marL="342900" indent="-342900">
+              <a:buFont typeface="+mj-lt"/>
+              <a:buAutoNum type="arabicPeriod"/>
+            </a:pPr>
+            <a:r>
+              <a:rPr lang="en-US" dirty="0"/>
+              <a:t>Notifications and Reminders</a:t>
+            </a:r>
+          </a:p>
+          <a:p>
+            <a:pPr marL="342900" indent="-342900">
+              <a:buFont typeface="+mj-lt"/>
+              <a:buAutoNum type="arabicPeriod"/>
+            </a:pPr>
+            <a:r>
+              <a:rPr lang="en-US" dirty="0"/>
               <a:t>Document Upload</a:t>
             </a:r>
-            <a:endParaRPr lang="en-US" dirty="0"/>
-          </a:p>
-          <a:p>
-            <a:pPr marL="342900" indent="-342900">
-              <a:buFont typeface="+mj-lt"/>
-              <a:buAutoNum type="arabicPeriod"/>
-            </a:pPr>
-            <a:r>
-              <a:rPr lang="en-US" dirty="0"/>
-              <a:t>Leave </a:t>
-            </a:r>
-            <a:r>
-              <a:rPr lang="en-US" dirty="0" smtClean="0"/>
-              <a:t>Forecasting</a:t>
-            </a:r>
-            <a:endParaRPr lang="en-US" dirty="0"/>
-          </a:p>
-          <a:p>
-            <a:pPr marL="342900" indent="-342900">
-              <a:buFont typeface="+mj-lt"/>
-              <a:buAutoNum type="arabicPeriod"/>
-            </a:pPr>
-            <a:r>
-              <a:rPr lang="en-US" dirty="0"/>
-              <a:t>Reporting and </a:t>
-            </a:r>
-            <a:r>
-              <a:rPr lang="en-US" dirty="0" smtClean="0"/>
-              <a:t>Analytics</a:t>
-            </a:r>
-            <a:endParaRPr lang="en-US" dirty="0"/>
+          </a:p>
+          <a:p>
+            <a:pPr marL="342900" indent="-342900">
+              <a:buFont typeface="+mj-lt"/>
+              <a:buAutoNum type="arabicPeriod"/>
+            </a:pPr>
+            <a:r>
+              <a:rPr lang="en-US" dirty="0"/>
+              <a:t>Leave Forecasting</a:t>
+            </a:r>
+          </a:p>
+          <a:p>
+            <a:pPr marL="342900" indent="-342900">
+              <a:buFont typeface="+mj-lt"/>
+              <a:buAutoNum type="arabicPeriod"/>
+            </a:pPr>
+            <a:r>
+              <a:rPr lang="en-US" dirty="0"/>
+              <a:t>Reporting and Analytics</a:t>
+            </a:r>
           </a:p>
         </p:txBody>
       </p:sp>
@@ -3950,13 +3880,6 @@
   <p:clrMapOvr>
     <a:masterClrMapping/>
   </p:clrMapOvr>
-  <p:timing>
-    <p:tnLst>
-      <p:par>
-        <p:cTn id="1" dur="indefinite" restart="never" nodeType="tmRoot"/>
-      </p:par>
-    </p:tnLst>
-  </p:timing>
 </p:sld>
 </file>
 
@@ -4000,10 +3923,9 @@
           <a:lstStyle/>
           <a:p>
             <a:r>
-              <a:rPr lang="en-US" b="1" i="1" u="sng" dirty="0" smtClean="0"/>
+              <a:rPr lang="en-US" b="1" i="1" u="sng" dirty="0"/>
               <a:t>IHRM</a:t>
             </a:r>
-            <a:endParaRPr lang="en-US" b="1" i="1" u="sng" dirty="0"/>
           </a:p>
         </p:txBody>
       </p:sp>
@@ -4056,7 +3978,7 @@
           <a:lstStyle/>
           <a:p>
             <a:r>
-              <a:rPr lang="en-US" sz="3200" b="1" dirty="0" smtClean="0"/>
+              <a:rPr lang="en-US" sz="3200" b="1" dirty="0"/>
               <a:t>Manager Leave Balance Settlement</a:t>
             </a:r>
           </a:p>
@@ -4089,133 +4011,88 @@
             </a:pPr>
             <a:r>
               <a:rPr lang="en-US" dirty="0"/>
-              <a:t>Dashboard </a:t>
-            </a:r>
-            <a:r>
-              <a:rPr lang="en-US" dirty="0" smtClean="0"/>
-              <a:t>Overview</a:t>
-            </a:r>
-            <a:endParaRPr lang="en-US" dirty="0"/>
-          </a:p>
-          <a:p>
-            <a:pPr marL="342900" indent="-342900">
-              <a:buFont typeface="+mj-lt"/>
-              <a:buAutoNum type="arabicPeriod"/>
-            </a:pPr>
-            <a:r>
-              <a:rPr lang="en-US" dirty="0"/>
-              <a:t>Leave </a:t>
-            </a:r>
-            <a:r>
-              <a:rPr lang="en-US" dirty="0" smtClean="0"/>
-              <a:t>Approval</a:t>
-            </a:r>
-            <a:endParaRPr lang="en-US" dirty="0"/>
-          </a:p>
-          <a:p>
-            <a:pPr marL="342900" indent="-342900">
-              <a:buFont typeface="+mj-lt"/>
-              <a:buAutoNum type="arabicPeriod"/>
-            </a:pPr>
-            <a:r>
-              <a:rPr lang="en-US" dirty="0"/>
-              <a:t>Leave </a:t>
-            </a:r>
-            <a:r>
-              <a:rPr lang="en-US" dirty="0" smtClean="0"/>
-              <a:t>Adjustment</a:t>
-            </a:r>
-            <a:endParaRPr lang="en-US" dirty="0"/>
-          </a:p>
-          <a:p>
-            <a:pPr marL="342900" indent="-342900">
-              <a:buFont typeface="+mj-lt"/>
-              <a:buAutoNum type="arabicPeriod"/>
-            </a:pPr>
-            <a:r>
-              <a:rPr lang="en-US" dirty="0"/>
-              <a:t>Leave </a:t>
-            </a:r>
-            <a:r>
-              <a:rPr lang="en-US" dirty="0" smtClean="0"/>
-              <a:t>Reports.</a:t>
-            </a:r>
-            <a:endParaRPr lang="en-US" dirty="0"/>
-          </a:p>
-          <a:p>
-            <a:pPr marL="342900" indent="-342900">
-              <a:buFont typeface="+mj-lt"/>
-              <a:buAutoNum type="arabicPeriod"/>
-            </a:pPr>
-            <a:r>
-              <a:rPr lang="en-US" dirty="0"/>
-              <a:t>Leave </a:t>
-            </a:r>
-            <a:r>
-              <a:rPr lang="en-US" dirty="0" smtClean="0"/>
-              <a:t>Settlement</a:t>
-            </a:r>
-            <a:endParaRPr lang="en-US" dirty="0"/>
-          </a:p>
-          <a:p>
-            <a:pPr marL="342900" indent="-342900">
-              <a:buFont typeface="+mj-lt"/>
-              <a:buAutoNum type="arabicPeriod"/>
-            </a:pPr>
-            <a:r>
-              <a:rPr lang="en-US" dirty="0"/>
-              <a:t>Integration with HR </a:t>
-            </a:r>
-            <a:r>
-              <a:rPr lang="en-US" dirty="0" smtClean="0"/>
-              <a:t>Systems</a:t>
-            </a:r>
-            <a:endParaRPr lang="en-US" dirty="0"/>
-          </a:p>
-          <a:p>
-            <a:pPr marL="342900" indent="-342900">
-              <a:buFont typeface="+mj-lt"/>
-              <a:buAutoNum type="arabicPeriod"/>
-            </a:pPr>
-            <a:r>
-              <a:rPr lang="en-US" dirty="0"/>
-              <a:t>Notifications and </a:t>
-            </a:r>
-            <a:r>
-              <a:rPr lang="en-US" dirty="0" smtClean="0"/>
-              <a:t>Reminders</a:t>
-            </a:r>
-            <a:endParaRPr lang="en-US" dirty="0"/>
-          </a:p>
-          <a:p>
-            <a:pPr marL="342900" indent="-342900">
-              <a:buFont typeface="+mj-lt"/>
-              <a:buAutoNum type="arabicPeriod"/>
-            </a:pPr>
-            <a:r>
-              <a:rPr lang="en-US" dirty="0"/>
-              <a:t>Audit </a:t>
-            </a:r>
-            <a:r>
-              <a:rPr lang="en-US" dirty="0" smtClean="0"/>
-              <a:t>Trail</a:t>
-            </a:r>
-            <a:endParaRPr lang="en-US" dirty="0"/>
-          </a:p>
-          <a:p>
-            <a:pPr marL="342900" indent="-342900">
-              <a:buFont typeface="+mj-lt"/>
-              <a:buAutoNum type="arabicPeriod"/>
-            </a:pPr>
-            <a:r>
-              <a:rPr lang="en-US" dirty="0"/>
-              <a:t>Legal </a:t>
-            </a:r>
-            <a:r>
-              <a:rPr lang="en-US" dirty="0" smtClean="0"/>
-              <a:t>Compliance</a:t>
-            </a:r>
-            <a:endParaRPr lang="en-US" dirty="0"/>
+              <a:t>Dashboard Overview</a:t>
+            </a:r>
+          </a:p>
+          <a:p>
+            <a:pPr marL="342900" indent="-342900">
+              <a:buFont typeface="+mj-lt"/>
+              <a:buAutoNum type="arabicPeriod"/>
+            </a:pPr>
+            <a:r>
+              <a:rPr lang="en-US" dirty="0"/>
+              <a:t>Leave Approval</a:t>
+            </a:r>
+          </a:p>
+          <a:p>
+            <a:pPr marL="342900" indent="-342900">
+              <a:buFont typeface="+mj-lt"/>
+              <a:buAutoNum type="arabicPeriod"/>
+            </a:pPr>
+            <a:r>
+              <a:rPr lang="en-US" dirty="0"/>
+              <a:t>Leave Adjustment</a:t>
+            </a:r>
+          </a:p>
+          <a:p>
+            <a:pPr marL="342900" indent="-342900">
+              <a:buFont typeface="+mj-lt"/>
+              <a:buAutoNum type="arabicPeriod"/>
+            </a:pPr>
+            <a:r>
+              <a:rPr lang="en-US" dirty="0"/>
+              <a:t>Leave Reports.</a:t>
+            </a:r>
+          </a:p>
+          <a:p>
+            <a:pPr marL="342900" indent="-342900">
+              <a:buFont typeface="+mj-lt"/>
+              <a:buAutoNum type="arabicPeriod"/>
+            </a:pPr>
+            <a:r>
+              <a:rPr lang="en-US" dirty="0"/>
+              <a:t>Leave Settlement</a:t>
+            </a:r>
+          </a:p>
+          <a:p>
+            <a:pPr marL="342900" indent="-342900">
+              <a:buFont typeface="+mj-lt"/>
+              <a:buAutoNum type="arabicPeriod"/>
+            </a:pPr>
+            <a:r>
+              <a:rPr lang="en-US" dirty="0"/>
+              <a:t>Integration with HR Systems</a:t>
+            </a:r>
+          </a:p>
+          <a:p>
+            <a:pPr marL="342900" indent="-342900">
+              <a:buFont typeface="+mj-lt"/>
+              <a:buAutoNum type="arabicPeriod"/>
+            </a:pPr>
+            <a:r>
+              <a:rPr lang="en-US" dirty="0"/>
+              <a:t>Notifications and Reminders</a:t>
+            </a:r>
+          </a:p>
+          <a:p>
+            <a:pPr marL="342900" indent="-342900">
+              <a:buFont typeface="+mj-lt"/>
+              <a:buAutoNum type="arabicPeriod"/>
+            </a:pPr>
+            <a:r>
+              <a:rPr lang="en-US" dirty="0"/>
+              <a:t>Audit Trail</a:t>
+            </a:r>
+          </a:p>
+          <a:p>
+            <a:pPr marL="342900" indent="-342900">
+              <a:buFont typeface="+mj-lt"/>
+              <a:buAutoNum type="arabicPeriod"/>
+            </a:pPr>
+            <a:r>
+              <a:rPr lang="en-US" dirty="0"/>
+              <a:t>Legal Compliance</a:t>
+            </a:r>
           </a:p>
           <a:p>
             <a:pPr marL="342900" indent="-342900">
@@ -4234,13 +4111,6 @@
   <p:clrMapOvr>
     <a:masterClrMapping/>
   </p:clrMapOvr>
-  <p:timing>
-    <p:tnLst>
-      <p:par>
-        <p:cTn id="1" dur="indefinite" restart="never" nodeType="tmRoot"/>
-      </p:par>
-    </p:tnLst>
-  </p:timing>
 </p:sld>
 </file>
 
@@ -4284,10 +4154,9 @@
           <a:lstStyle/>
           <a:p>
             <a:r>
-              <a:rPr lang="en-US" b="1" i="1" u="sng" dirty="0" smtClean="0"/>
+              <a:rPr lang="en-US" b="1" i="1" u="sng" dirty="0"/>
               <a:t>IHRM</a:t>
             </a:r>
-            <a:endParaRPr lang="en-US" b="1" i="1" u="sng" dirty="0"/>
           </a:p>
         </p:txBody>
       </p:sp>
@@ -4340,7 +4209,7 @@
           <a:lstStyle/>
           <a:p>
             <a:r>
-              <a:rPr lang="en-US" sz="3200" b="1" dirty="0" smtClean="0"/>
+              <a:rPr lang="en-US" sz="3200" b="1" dirty="0"/>
               <a:t>User Leave Balance Settlement</a:t>
             </a:r>
           </a:p>
@@ -4373,133 +4242,88 @@
             </a:pPr>
             <a:r>
               <a:rPr lang="en-US" dirty="0"/>
-              <a:t>Leave Balance </a:t>
-            </a:r>
-            <a:r>
-              <a:rPr lang="en-US" dirty="0" smtClean="0"/>
-              <a:t>Viewing</a:t>
-            </a:r>
-            <a:endParaRPr lang="en-US" dirty="0"/>
-          </a:p>
-          <a:p>
-            <a:pPr marL="342900" indent="-342900">
-              <a:buFont typeface="+mj-lt"/>
-              <a:buAutoNum type="arabicPeriod"/>
-            </a:pPr>
-            <a:r>
-              <a:rPr lang="en-US" dirty="0"/>
-              <a:t>Leave Request </a:t>
-            </a:r>
-            <a:r>
-              <a:rPr lang="en-US" dirty="0" smtClean="0"/>
-              <a:t>Submission</a:t>
-            </a:r>
-            <a:endParaRPr lang="en-US" dirty="0"/>
-          </a:p>
-          <a:p>
-            <a:pPr marL="342900" indent="-342900">
-              <a:buFont typeface="+mj-lt"/>
-              <a:buAutoNum type="arabicPeriod"/>
-            </a:pPr>
-            <a:r>
-              <a:rPr lang="en-US" dirty="0"/>
-              <a:t>Leave Approval </a:t>
-            </a:r>
-            <a:r>
-              <a:rPr lang="en-US" dirty="0" smtClean="0"/>
-              <a:t>Workflow</a:t>
-            </a:r>
-            <a:endParaRPr lang="en-US" dirty="0"/>
-          </a:p>
-          <a:p>
-            <a:pPr marL="342900" indent="-342900">
-              <a:buFont typeface="+mj-lt"/>
-              <a:buAutoNum type="arabicPeriod"/>
-            </a:pPr>
-            <a:r>
-              <a:rPr lang="en-US" dirty="0"/>
-              <a:t>Leave </a:t>
-            </a:r>
-            <a:r>
-              <a:rPr lang="en-US" dirty="0" smtClean="0"/>
-              <a:t>Calendar</a:t>
-            </a:r>
-            <a:endParaRPr lang="en-US" dirty="0"/>
-          </a:p>
-          <a:p>
-            <a:pPr marL="342900" indent="-342900">
-              <a:buFont typeface="+mj-lt"/>
-              <a:buAutoNum type="arabicPeriod"/>
-            </a:pPr>
-            <a:r>
-              <a:rPr lang="en-US" dirty="0"/>
-              <a:t>Leave Policy </a:t>
-            </a:r>
-            <a:r>
-              <a:rPr lang="en-US" dirty="0" smtClean="0"/>
-              <a:t>Information</a:t>
-            </a:r>
-            <a:endParaRPr lang="en-US" dirty="0"/>
-          </a:p>
-          <a:p>
-            <a:pPr marL="342900" indent="-342900">
-              <a:buFont typeface="+mj-lt"/>
-              <a:buAutoNum type="arabicPeriod"/>
-            </a:pPr>
-            <a:r>
-              <a:rPr lang="en-US" dirty="0"/>
-              <a:t>Leave Balance </a:t>
-            </a:r>
-            <a:r>
-              <a:rPr lang="en-US" dirty="0" smtClean="0"/>
-              <a:t>History</a:t>
-            </a:r>
-            <a:endParaRPr lang="en-US" dirty="0"/>
-          </a:p>
-          <a:p>
-            <a:pPr marL="342900" indent="-342900">
-              <a:buFont typeface="+mj-lt"/>
-              <a:buAutoNum type="arabicPeriod"/>
-            </a:pPr>
-            <a:r>
-              <a:rPr lang="en-US" dirty="0"/>
-              <a:t>Leave Balance </a:t>
-            </a:r>
-            <a:r>
-              <a:rPr lang="en-US" dirty="0" smtClean="0"/>
-              <a:t>Projections</a:t>
-            </a:r>
-            <a:endParaRPr lang="en-US" dirty="0"/>
-          </a:p>
-          <a:p>
-            <a:pPr marL="342900" indent="-342900">
-              <a:buFont typeface="+mj-lt"/>
-              <a:buAutoNum type="arabicPeriod"/>
-            </a:pPr>
-            <a:r>
-              <a:rPr lang="en-US" dirty="0"/>
-              <a:t>Mobile </a:t>
-            </a:r>
-            <a:r>
-              <a:rPr lang="en-US" dirty="0" smtClean="0"/>
-              <a:t>Accessibility</a:t>
-            </a:r>
-            <a:endParaRPr lang="en-US" dirty="0"/>
-          </a:p>
-          <a:p>
-            <a:pPr marL="342900" indent="-342900">
-              <a:buFont typeface="+mj-lt"/>
-              <a:buAutoNum type="arabicPeriod"/>
-            </a:pPr>
-            <a:r>
-              <a:rPr lang="en-US" dirty="0"/>
-              <a:t>Self-Service </a:t>
-            </a:r>
-            <a:r>
-              <a:rPr lang="en-US" dirty="0" smtClean="0"/>
-              <a:t>Features</a:t>
-            </a:r>
-            <a:endParaRPr lang="en-US" dirty="0"/>
+              <a:t>Leave Balance Viewing</a:t>
+            </a:r>
+          </a:p>
+          <a:p>
+            <a:pPr marL="342900" indent="-342900">
+              <a:buFont typeface="+mj-lt"/>
+              <a:buAutoNum type="arabicPeriod"/>
+            </a:pPr>
+            <a:r>
+              <a:rPr lang="en-US" dirty="0"/>
+              <a:t>Leave Request Submission</a:t>
+            </a:r>
+          </a:p>
+          <a:p>
+            <a:pPr marL="342900" indent="-342900">
+              <a:buFont typeface="+mj-lt"/>
+              <a:buAutoNum type="arabicPeriod"/>
+            </a:pPr>
+            <a:r>
+              <a:rPr lang="en-US" dirty="0"/>
+              <a:t>Leave Approval Workflow</a:t>
+            </a:r>
+          </a:p>
+          <a:p>
+            <a:pPr marL="342900" indent="-342900">
+              <a:buFont typeface="+mj-lt"/>
+              <a:buAutoNum type="arabicPeriod"/>
+            </a:pPr>
+            <a:r>
+              <a:rPr lang="en-US" dirty="0"/>
+              <a:t>Leave Calendar</a:t>
+            </a:r>
+          </a:p>
+          <a:p>
+            <a:pPr marL="342900" indent="-342900">
+              <a:buFont typeface="+mj-lt"/>
+              <a:buAutoNum type="arabicPeriod"/>
+            </a:pPr>
+            <a:r>
+              <a:rPr lang="en-US" dirty="0"/>
+              <a:t>Leave Policy Information</a:t>
+            </a:r>
+          </a:p>
+          <a:p>
+            <a:pPr marL="342900" indent="-342900">
+              <a:buFont typeface="+mj-lt"/>
+              <a:buAutoNum type="arabicPeriod"/>
+            </a:pPr>
+            <a:r>
+              <a:rPr lang="en-US" dirty="0"/>
+              <a:t>Leave Balance History</a:t>
+            </a:r>
+          </a:p>
+          <a:p>
+            <a:pPr marL="342900" indent="-342900">
+              <a:buFont typeface="+mj-lt"/>
+              <a:buAutoNum type="arabicPeriod"/>
+            </a:pPr>
+            <a:r>
+              <a:rPr lang="en-US" dirty="0"/>
+              <a:t>Leave Balance Projections</a:t>
+            </a:r>
+          </a:p>
+          <a:p>
+            <a:pPr marL="342900" indent="-342900">
+              <a:buFont typeface="+mj-lt"/>
+              <a:buAutoNum type="arabicPeriod"/>
+            </a:pPr>
+            <a:r>
+              <a:rPr lang="en-US" dirty="0"/>
+              <a:t>Mobile Accessibility</a:t>
+            </a:r>
+          </a:p>
+          <a:p>
+            <a:pPr marL="342900" indent="-342900">
+              <a:buFont typeface="+mj-lt"/>
+              <a:buAutoNum type="arabicPeriod"/>
+            </a:pPr>
+            <a:r>
+              <a:rPr lang="en-US" dirty="0"/>
+              <a:t>Self-Service Features</a:t>
+            </a:r>
           </a:p>
           <a:p>
             <a:pPr marL="342900" indent="-342900">
@@ -4518,13 +4342,6 @@
   <p:clrMapOvr>
     <a:masterClrMapping/>
   </p:clrMapOvr>
-  <p:timing>
-    <p:tnLst>
-      <p:par>
-        <p:cTn id="1" dur="indefinite" restart="never" nodeType="tmRoot"/>
-      </p:par>
-    </p:tnLst>
-  </p:timing>
 </p:sld>
 </file>
 
@@ -4568,10 +4385,9 @@
           <a:lstStyle/>
           <a:p>
             <a:r>
-              <a:rPr lang="en-US" b="1" i="1" u="sng" dirty="0" smtClean="0"/>
+              <a:rPr lang="en-US" b="1" i="1" u="sng" dirty="0"/>
               <a:t>IHRM</a:t>
             </a:r>
-            <a:endParaRPr lang="en-US" b="1" i="1" u="sng" dirty="0"/>
           </a:p>
         </p:txBody>
       </p:sp>
@@ -4624,15 +4440,15 @@
           <a:lstStyle/>
           <a:p>
             <a:r>
-              <a:rPr lang="en-US" sz="3200" b="1" dirty="0" smtClean="0"/>
+              <a:rPr lang="en-US" sz="3200" b="1" dirty="0"/>
               <a:t>User </a:t>
             </a:r>
             <a:r>
-              <a:rPr lang="en-US" sz="3200" b="1" dirty="0" err="1" smtClean="0"/>
+              <a:rPr lang="en-US" sz="3200" b="1" dirty="0" err="1"/>
               <a:t>Attendence</a:t>
             </a:r>
             <a:r>
-              <a:rPr lang="en-US" sz="3200" b="1" dirty="0" smtClean="0"/>
+              <a:rPr lang="en-US" sz="3200" b="1" dirty="0"/>
               <a:t> Remainder</a:t>
             </a:r>
           </a:p>
@@ -4664,7 +4480,7 @@
               <a:buAutoNum type="arabicPeriod"/>
             </a:pPr>
             <a:r>
-              <a:rPr lang="en-US" dirty="0" smtClean="0"/>
+              <a:rPr lang="en-US" dirty="0"/>
               <a:t>Attendance Reports</a:t>
             </a:r>
           </a:p>
@@ -4674,7 +4490,7 @@
               <a:buAutoNum type="arabicPeriod"/>
             </a:pPr>
             <a:r>
-              <a:rPr lang="en-US" dirty="0" smtClean="0"/>
+              <a:rPr lang="en-US" dirty="0"/>
               <a:t>Customizable Reminders</a:t>
             </a:r>
           </a:p>
@@ -4684,7 +4500,7 @@
               <a:buAutoNum type="arabicPeriod"/>
             </a:pPr>
             <a:r>
-              <a:rPr lang="en-US" dirty="0" smtClean="0"/>
+              <a:rPr lang="en-US" dirty="0"/>
               <a:t>Reminder Notifications</a:t>
             </a:r>
           </a:p>
@@ -4694,7 +4510,7 @@
               <a:buAutoNum type="arabicPeriod"/>
             </a:pPr>
             <a:r>
-              <a:rPr lang="en-US" dirty="0" smtClean="0"/>
+              <a:rPr lang="en-US" dirty="0"/>
               <a:t>Attendance Tracking</a:t>
             </a:r>
           </a:p>
@@ -4708,13 +4524,6 @@
   <p:clrMapOvr>
     <a:masterClrMapping/>
   </p:clrMapOvr>
-  <p:timing>
-    <p:tnLst>
-      <p:par>
-        <p:cTn id="1" dur="indefinite" restart="never" nodeType="tmRoot"/>
-      </p:par>
-    </p:tnLst>
-  </p:timing>
 </p:sld>
 </file>
 
@@ -4758,10 +4567,9 @@
           <a:lstStyle/>
           <a:p>
             <a:r>
-              <a:rPr lang="en-US" b="1" i="1" u="sng" dirty="0" smtClean="0"/>
+              <a:rPr lang="en-US" b="1" i="1" u="sng" dirty="0"/>
               <a:t>IHRM</a:t>
             </a:r>
-            <a:endParaRPr lang="en-US" b="1" i="1" u="sng" dirty="0"/>
           </a:p>
         </p:txBody>
       </p:sp>
@@ -4814,7 +4622,7 @@
           <a:lstStyle/>
           <a:p>
             <a:r>
-              <a:rPr lang="en-US" sz="3200" b="1" dirty="0" smtClean="0"/>
+              <a:rPr lang="en-US" sz="3200" b="1" dirty="0"/>
               <a:t>Manager Yearly Leave Plan</a:t>
             </a:r>
           </a:p>
@@ -4847,133 +4655,88 @@
             </a:pPr>
             <a:r>
               <a:rPr lang="en-US" dirty="0"/>
-              <a:t>Leave Request </a:t>
-            </a:r>
-            <a:r>
-              <a:rPr lang="en-US" dirty="0" smtClean="0"/>
-              <a:t>Management</a:t>
-            </a:r>
-            <a:endParaRPr lang="en-US" dirty="0"/>
-          </a:p>
-          <a:p>
-            <a:pPr marL="342900" indent="-342900">
-              <a:buFont typeface="+mj-lt"/>
-              <a:buAutoNum type="arabicPeriod"/>
-            </a:pPr>
-            <a:r>
-              <a:rPr lang="en-US" dirty="0"/>
-              <a:t>Calendar </a:t>
-            </a:r>
-            <a:r>
-              <a:rPr lang="en-US" dirty="0" smtClean="0"/>
-              <a:t>View</a:t>
-            </a:r>
-            <a:endParaRPr lang="en-US" dirty="0"/>
-          </a:p>
-          <a:p>
-            <a:pPr marL="342900" indent="-342900">
-              <a:buFont typeface="+mj-lt"/>
-              <a:buAutoNum type="arabicPeriod"/>
-            </a:pPr>
-            <a:r>
-              <a:rPr lang="en-US" dirty="0"/>
-              <a:t>Leave Balances </a:t>
-            </a:r>
-            <a:r>
-              <a:rPr lang="en-US" dirty="0" smtClean="0"/>
-              <a:t>Tracking</a:t>
-            </a:r>
-            <a:endParaRPr lang="en-US" dirty="0"/>
-          </a:p>
-          <a:p>
-            <a:pPr marL="342900" indent="-342900">
-              <a:buFont typeface="+mj-lt"/>
-              <a:buAutoNum type="arabicPeriod"/>
-            </a:pPr>
-            <a:r>
-              <a:rPr lang="en-US" dirty="0"/>
-              <a:t>Customizable Leave </a:t>
-            </a:r>
-            <a:r>
-              <a:rPr lang="en-US" dirty="0" smtClean="0"/>
-              <a:t>Policies</a:t>
-            </a:r>
-            <a:endParaRPr lang="en-US" dirty="0"/>
-          </a:p>
-          <a:p>
-            <a:pPr marL="342900" indent="-342900">
-              <a:buFont typeface="+mj-lt"/>
-              <a:buAutoNum type="arabicPeriod"/>
-            </a:pPr>
-            <a:r>
-              <a:rPr lang="en-US" dirty="0"/>
-              <a:t>Automated </a:t>
-            </a:r>
-            <a:r>
-              <a:rPr lang="en-US" dirty="0" smtClean="0"/>
-              <a:t>Notifications</a:t>
-            </a:r>
-            <a:endParaRPr lang="en-US" dirty="0"/>
-          </a:p>
-          <a:p>
-            <a:pPr marL="342900" indent="-342900">
-              <a:buFont typeface="+mj-lt"/>
-              <a:buAutoNum type="arabicPeriod"/>
-            </a:pPr>
-            <a:r>
-              <a:rPr lang="en-US" dirty="0"/>
-              <a:t>Integration with HR </a:t>
-            </a:r>
-            <a:r>
-              <a:rPr lang="en-US" dirty="0" smtClean="0"/>
-              <a:t>Systems</a:t>
-            </a:r>
-            <a:endParaRPr lang="en-US" dirty="0"/>
-          </a:p>
-          <a:p>
-            <a:pPr marL="342900" indent="-342900">
-              <a:buFont typeface="+mj-lt"/>
-              <a:buAutoNum type="arabicPeriod"/>
-            </a:pPr>
-            <a:r>
-              <a:rPr lang="en-US" dirty="0"/>
-              <a:t>Reporting and </a:t>
-            </a:r>
-            <a:r>
-              <a:rPr lang="en-US" dirty="0" smtClean="0"/>
-              <a:t>Analytics.</a:t>
-            </a:r>
-            <a:endParaRPr lang="en-US" dirty="0"/>
-          </a:p>
-          <a:p>
-            <a:pPr marL="342900" indent="-342900">
-              <a:buFont typeface="+mj-lt"/>
-              <a:buAutoNum type="arabicPeriod"/>
-            </a:pPr>
-            <a:r>
-              <a:rPr lang="en-US" dirty="0"/>
-              <a:t>Multi-level Approval </a:t>
-            </a:r>
-            <a:r>
-              <a:rPr lang="en-US" dirty="0" smtClean="0"/>
-              <a:t>Workflow</a:t>
-            </a:r>
-            <a:endParaRPr lang="en-US" dirty="0"/>
-          </a:p>
-          <a:p>
-            <a:pPr marL="342900" indent="-342900">
-              <a:buFont typeface="+mj-lt"/>
-              <a:buAutoNum type="arabicPeriod"/>
-            </a:pPr>
-            <a:r>
-              <a:rPr lang="en-US" dirty="0"/>
-              <a:t>Mobile </a:t>
-            </a:r>
-            <a:r>
-              <a:rPr lang="en-US" dirty="0" smtClean="0"/>
-              <a:t>Accessibility</a:t>
-            </a:r>
-            <a:endParaRPr lang="en-US" dirty="0"/>
+              <a:t>Leave Request Management</a:t>
+            </a:r>
+          </a:p>
+          <a:p>
+            <a:pPr marL="342900" indent="-342900">
+              <a:buFont typeface="+mj-lt"/>
+              <a:buAutoNum type="arabicPeriod"/>
+            </a:pPr>
+            <a:r>
+              <a:rPr lang="en-US" dirty="0"/>
+              <a:t>Calendar View</a:t>
+            </a:r>
+          </a:p>
+          <a:p>
+            <a:pPr marL="342900" indent="-342900">
+              <a:buFont typeface="+mj-lt"/>
+              <a:buAutoNum type="arabicPeriod"/>
+            </a:pPr>
+            <a:r>
+              <a:rPr lang="en-US" dirty="0"/>
+              <a:t>Leave Balances Tracking</a:t>
+            </a:r>
+          </a:p>
+          <a:p>
+            <a:pPr marL="342900" indent="-342900">
+              <a:buFont typeface="+mj-lt"/>
+              <a:buAutoNum type="arabicPeriod"/>
+            </a:pPr>
+            <a:r>
+              <a:rPr lang="en-US" dirty="0"/>
+              <a:t>Customizable Leave Policies</a:t>
+            </a:r>
+          </a:p>
+          <a:p>
+            <a:pPr marL="342900" indent="-342900">
+              <a:buFont typeface="+mj-lt"/>
+              <a:buAutoNum type="arabicPeriod"/>
+            </a:pPr>
+            <a:r>
+              <a:rPr lang="en-US" dirty="0"/>
+              <a:t>Automated Notifications</a:t>
+            </a:r>
+          </a:p>
+          <a:p>
+            <a:pPr marL="342900" indent="-342900">
+              <a:buFont typeface="+mj-lt"/>
+              <a:buAutoNum type="arabicPeriod"/>
+            </a:pPr>
+            <a:r>
+              <a:rPr lang="en-US" dirty="0"/>
+              <a:t>Integration with HR Systems</a:t>
+            </a:r>
+          </a:p>
+          <a:p>
+            <a:pPr marL="342900" indent="-342900">
+              <a:buFont typeface="+mj-lt"/>
+              <a:buAutoNum type="arabicPeriod"/>
+            </a:pPr>
+            <a:r>
+              <a:rPr lang="en-US" dirty="0"/>
+              <a:t>Reporting and Analytics.</a:t>
+            </a:r>
+          </a:p>
+          <a:p>
+            <a:pPr marL="342900" indent="-342900">
+              <a:buFont typeface="+mj-lt"/>
+              <a:buAutoNum type="arabicPeriod"/>
+            </a:pPr>
+            <a:r>
+              <a:rPr lang="en-US" dirty="0"/>
+              <a:t>Multi-level Approval Workflow</a:t>
+            </a:r>
+          </a:p>
+          <a:p>
+            <a:pPr marL="342900" indent="-342900">
+              <a:buFont typeface="+mj-lt"/>
+              <a:buAutoNum type="arabicPeriod"/>
+            </a:pPr>
+            <a:r>
+              <a:rPr lang="en-US" dirty="0"/>
+              <a:t>Mobile Accessibility</a:t>
+            </a:r>
           </a:p>
           <a:p>
             <a:pPr marL="342900" indent="-342900">
@@ -4992,13 +4755,6 @@
   <p:clrMapOvr>
     <a:masterClrMapping/>
   </p:clrMapOvr>
-  <p:timing>
-    <p:tnLst>
-      <p:par>
-        <p:cTn id="1" dur="indefinite" restart="never" nodeType="tmRoot"/>
-      </p:par>
-    </p:tnLst>
-  </p:timing>
 </p:sld>
 </file>
 
@@ -5042,10 +4798,9 @@
           <a:lstStyle/>
           <a:p>
             <a:r>
-              <a:rPr lang="en-US" b="1" i="1" u="sng" dirty="0" smtClean="0"/>
+              <a:rPr lang="en-US" b="1" i="1" u="sng" dirty="0"/>
               <a:t>IHRM</a:t>
             </a:r>
-            <a:endParaRPr lang="en-US" b="1" i="1" u="sng" dirty="0"/>
           </a:p>
         </p:txBody>
       </p:sp>
@@ -5098,7 +4853,7 @@
           <a:lstStyle/>
           <a:p>
             <a:r>
-              <a:rPr lang="en-US" sz="3200" b="1" dirty="0" smtClean="0"/>
+              <a:rPr lang="en-US" sz="3200" b="1" dirty="0"/>
               <a:t>User Yearly Leave Plan</a:t>
             </a:r>
           </a:p>
@@ -5131,177 +4886,128 @@
             </a:pPr>
             <a:r>
               <a:rPr lang="en-US" dirty="0"/>
-              <a:t>Leave Request </a:t>
-            </a:r>
-            <a:r>
-              <a:rPr lang="en-US" dirty="0" smtClean="0"/>
-              <a:t>Submission</a:t>
-            </a:r>
-            <a:endParaRPr lang="en-US" dirty="0"/>
-          </a:p>
-          <a:p>
-            <a:pPr marL="342900" indent="-342900">
-              <a:buFont typeface="+mj-lt"/>
-              <a:buAutoNum type="arabicPeriod"/>
-            </a:pPr>
-            <a:r>
-              <a:rPr lang="en-US" dirty="0"/>
-              <a:t>Leave Type </a:t>
-            </a:r>
-            <a:r>
-              <a:rPr lang="en-US" dirty="0" smtClean="0"/>
-              <a:t>Selection</a:t>
-            </a:r>
-            <a:endParaRPr lang="en-US" dirty="0"/>
-          </a:p>
-          <a:p>
-            <a:pPr marL="342900" indent="-342900">
-              <a:buFont typeface="+mj-lt"/>
-              <a:buAutoNum type="arabicPeriod"/>
-            </a:pPr>
-            <a:r>
-              <a:rPr lang="en-US" dirty="0"/>
-              <a:t>Calendar </a:t>
-            </a:r>
-            <a:r>
-              <a:rPr lang="en-US" dirty="0" smtClean="0"/>
-              <a:t>View</a:t>
-            </a:r>
-            <a:endParaRPr lang="en-US" dirty="0"/>
-          </a:p>
-          <a:p>
-            <a:pPr marL="342900" indent="-342900">
-              <a:buFont typeface="+mj-lt"/>
-              <a:buAutoNum type="arabicPeriod"/>
-            </a:pPr>
-            <a:r>
-              <a:rPr lang="en-US" dirty="0"/>
-              <a:t>Leave Balance </a:t>
-            </a:r>
-            <a:r>
-              <a:rPr lang="en-US" dirty="0" smtClean="0"/>
-              <a:t>Tracking</a:t>
-            </a:r>
-            <a:endParaRPr lang="en-US" dirty="0"/>
-          </a:p>
-          <a:p>
-            <a:pPr marL="342900" indent="-342900">
-              <a:buFont typeface="+mj-lt"/>
-              <a:buAutoNum type="arabicPeriod"/>
-            </a:pPr>
-            <a:r>
-              <a:rPr lang="en-US" dirty="0"/>
-              <a:t>Approval </a:t>
-            </a:r>
-            <a:r>
-              <a:rPr lang="en-US" dirty="0" smtClean="0"/>
-              <a:t>Workflow</a:t>
-            </a:r>
-            <a:endParaRPr lang="en-US" dirty="0"/>
-          </a:p>
-          <a:p>
-            <a:pPr marL="342900" indent="-342900">
-              <a:buFont typeface="+mj-lt"/>
-              <a:buAutoNum type="arabicPeriod"/>
-            </a:pPr>
-            <a:r>
-              <a:rPr lang="en-US" dirty="0" smtClean="0"/>
+              <a:t>Leave Request Submission</a:t>
+            </a:r>
+          </a:p>
+          <a:p>
+            <a:pPr marL="342900" indent="-342900">
+              <a:buFont typeface="+mj-lt"/>
+              <a:buAutoNum type="arabicPeriod"/>
+            </a:pPr>
+            <a:r>
+              <a:rPr lang="en-US" dirty="0"/>
+              <a:t>Leave Type Selection</a:t>
+            </a:r>
+          </a:p>
+          <a:p>
+            <a:pPr marL="342900" indent="-342900">
+              <a:buFont typeface="+mj-lt"/>
+              <a:buAutoNum type="arabicPeriod"/>
+            </a:pPr>
+            <a:r>
+              <a:rPr lang="en-US" dirty="0"/>
+              <a:t>Calendar View</a:t>
+            </a:r>
+          </a:p>
+          <a:p>
+            <a:pPr marL="342900" indent="-342900">
+              <a:buFont typeface="+mj-lt"/>
+              <a:buAutoNum type="arabicPeriod"/>
+            </a:pPr>
+            <a:r>
+              <a:rPr lang="en-US" dirty="0"/>
+              <a:t>Leave Balance Tracking</a:t>
+            </a:r>
+          </a:p>
+          <a:p>
+            <a:pPr marL="342900" indent="-342900">
+              <a:buFont typeface="+mj-lt"/>
+              <a:buAutoNum type="arabicPeriod"/>
+            </a:pPr>
+            <a:r>
+              <a:rPr lang="en-US" dirty="0"/>
+              <a:t>Approval Workflow</a:t>
+            </a:r>
+          </a:p>
+          <a:p>
+            <a:pPr marL="342900" indent="-342900">
+              <a:buFont typeface="+mj-lt"/>
+              <a:buAutoNum type="arabicPeriod"/>
+            </a:pPr>
+            <a:r>
+              <a:rPr lang="en-US" dirty="0"/>
               <a:t>Notifications</a:t>
             </a:r>
-            <a:endParaRPr lang="en-US" dirty="0"/>
-          </a:p>
-          <a:p>
-            <a:pPr marL="342900" indent="-342900">
-              <a:buFont typeface="+mj-lt"/>
-              <a:buAutoNum type="arabicPeriod"/>
-            </a:pPr>
-            <a:r>
-              <a:rPr lang="en-US" dirty="0"/>
-              <a:t>Leave </a:t>
-            </a:r>
-            <a:r>
-              <a:rPr lang="en-US" dirty="0" smtClean="0"/>
-              <a:t>History</a:t>
-            </a:r>
-            <a:endParaRPr lang="en-US" dirty="0"/>
-          </a:p>
-          <a:p>
-            <a:pPr marL="342900" indent="-342900">
-              <a:buFont typeface="+mj-lt"/>
-              <a:buAutoNum type="arabicPeriod"/>
-            </a:pPr>
-            <a:r>
-              <a:rPr lang="en-US" dirty="0" smtClean="0"/>
+          </a:p>
+          <a:p>
+            <a:pPr marL="342900" indent="-342900">
+              <a:buFont typeface="+mj-lt"/>
+              <a:buAutoNum type="arabicPeriod"/>
+            </a:pPr>
+            <a:r>
+              <a:rPr lang="en-US" dirty="0"/>
+              <a:t>Leave History</a:t>
+            </a:r>
+          </a:p>
+          <a:p>
+            <a:pPr marL="342900" indent="-342900">
+              <a:buFont typeface="+mj-lt"/>
+              <a:buAutoNum type="arabicPeriod"/>
+            </a:pPr>
+            <a:r>
+              <a:rPr lang="en-US" dirty="0"/>
               <a:t>Auto-Accrual</a:t>
             </a:r>
-            <a:endParaRPr lang="en-US" dirty="0"/>
-          </a:p>
-          <a:p>
-            <a:pPr marL="342900" indent="-342900">
-              <a:buFont typeface="+mj-lt"/>
-              <a:buAutoNum type="arabicPeriod"/>
-            </a:pPr>
-            <a:r>
-              <a:rPr lang="en-US" dirty="0"/>
-              <a:t>Blackout </a:t>
-            </a:r>
-            <a:r>
-              <a:rPr lang="en-US" dirty="0" smtClean="0"/>
-              <a:t>Dates</a:t>
-            </a:r>
-            <a:endParaRPr lang="en-US" dirty="0"/>
-          </a:p>
-          <a:p>
-            <a:pPr marL="342900" indent="-342900">
-              <a:buFont typeface="+mj-lt"/>
-              <a:buAutoNum type="arabicPeriod"/>
-            </a:pPr>
-            <a:r>
-              <a:rPr lang="en-US" dirty="0"/>
-              <a:t>Partial Day </a:t>
-            </a:r>
-            <a:r>
-              <a:rPr lang="en-US" dirty="0" smtClean="0"/>
-              <a:t>Leave</a:t>
-            </a:r>
-            <a:endParaRPr lang="en-US" dirty="0"/>
-          </a:p>
-          <a:p>
-            <a:pPr marL="342900" indent="-342900">
-              <a:buFont typeface="+mj-lt"/>
-              <a:buAutoNum type="arabicPeriod"/>
-            </a:pPr>
-            <a:r>
-              <a:rPr lang="en-US" dirty="0" smtClean="0"/>
+          </a:p>
+          <a:p>
+            <a:pPr marL="342900" indent="-342900">
+              <a:buFont typeface="+mj-lt"/>
+              <a:buAutoNum type="arabicPeriod"/>
+            </a:pPr>
+            <a:r>
+              <a:rPr lang="en-US" dirty="0"/>
+              <a:t>Blackout Dates</a:t>
+            </a:r>
+          </a:p>
+          <a:p>
+            <a:pPr marL="342900" indent="-342900">
+              <a:buFont typeface="+mj-lt"/>
+              <a:buAutoNum type="arabicPeriod"/>
+            </a:pPr>
+            <a:r>
+              <a:rPr lang="en-US" dirty="0"/>
+              <a:t>Partial Day Leave</a:t>
+            </a:r>
+          </a:p>
+          <a:p>
+            <a:pPr marL="342900" indent="-342900">
+              <a:buFont typeface="+mj-lt"/>
+              <a:buAutoNum type="arabicPeriod"/>
+            </a:pPr>
+            <a:r>
+              <a:rPr lang="en-US" dirty="0"/>
               <a:t>Attachments.</a:t>
             </a:r>
-            <a:endParaRPr lang="en-US" dirty="0"/>
-          </a:p>
-          <a:p>
-            <a:pPr marL="342900" indent="-342900">
-              <a:buFont typeface="+mj-lt"/>
-              <a:buAutoNum type="arabicPeriod"/>
-            </a:pPr>
-            <a:r>
-              <a:rPr lang="en-US" dirty="0" smtClean="0"/>
+          </a:p>
+          <a:p>
+            <a:pPr marL="342900" indent="-342900">
+              <a:buFont typeface="+mj-lt"/>
+              <a:buAutoNum type="arabicPeriod"/>
+            </a:pPr>
+            <a:r>
+              <a:rPr lang="en-US" dirty="0"/>
               <a:t>Customization</a:t>
             </a:r>
-            <a:endParaRPr lang="en-US" dirty="0"/>
-          </a:p>
-          <a:p>
-            <a:pPr marL="342900" indent="-342900">
-              <a:buFont typeface="+mj-lt"/>
-              <a:buAutoNum type="arabicPeriod"/>
-            </a:pPr>
-            <a:r>
-              <a:rPr lang="en-US" dirty="0"/>
-              <a:t>Public </a:t>
-            </a:r>
-            <a:r>
-              <a:rPr lang="en-US" dirty="0" smtClean="0"/>
-              <a:t>Holidays.</a:t>
-            </a:r>
-            <a:endParaRPr lang="en-US" dirty="0"/>
+          </a:p>
+          <a:p>
+            <a:pPr marL="342900" indent="-342900">
+              <a:buFont typeface="+mj-lt"/>
+              <a:buAutoNum type="arabicPeriod"/>
+            </a:pPr>
+            <a:r>
+              <a:rPr lang="en-US" dirty="0"/>
+              <a:t>Public Holidays.</a:t>
+            </a:r>
           </a:p>
           <a:p>
             <a:pPr marL="342900" indent="-342900">
@@ -5320,13 +5026,6 @@
   <p:clrMapOvr>
     <a:masterClrMapping/>
   </p:clrMapOvr>
-  <p:timing>
-    <p:tnLst>
-      <p:par>
-        <p:cTn id="1" dur="indefinite" restart="never" nodeType="tmRoot"/>
-      </p:par>
-    </p:tnLst>
-  </p:timing>
 </p:sld>
 </file>
 
@@ -5370,10 +5069,9 @@
           <a:lstStyle/>
           <a:p>
             <a:r>
-              <a:rPr lang="en-US" b="1" i="1" u="sng" dirty="0" smtClean="0"/>
+              <a:rPr lang="en-US" b="1" i="1" u="sng" dirty="0"/>
               <a:t>IHRM</a:t>
             </a:r>
-            <a:endParaRPr lang="en-US" b="1" i="1" u="sng" dirty="0"/>
           </a:p>
         </p:txBody>
       </p:sp>
@@ -5426,7 +5124,7 @@
           <a:lstStyle/>
           <a:p>
             <a:r>
-              <a:rPr lang="en-US" sz="3200" b="1" dirty="0" smtClean="0"/>
+              <a:rPr lang="en-US" sz="3200" b="1" dirty="0"/>
               <a:t>Manager Notification</a:t>
             </a:r>
           </a:p>
@@ -5459,200 +5157,138 @@
             </a:pPr>
             <a:r>
               <a:rPr lang="en-US" dirty="0"/>
-              <a:t>User </a:t>
-            </a:r>
-            <a:r>
-              <a:rPr lang="en-US" dirty="0" smtClean="0"/>
-              <a:t>Management</a:t>
-            </a:r>
-            <a:endParaRPr lang="en-US" dirty="0"/>
-          </a:p>
-          <a:p>
-            <a:pPr marL="342900" indent="-342900">
-              <a:buFont typeface="+mj-lt"/>
-              <a:buAutoNum type="arabicPeriod"/>
-            </a:pPr>
-            <a:r>
-              <a:rPr lang="en-US" dirty="0"/>
-              <a:t>Notification </a:t>
-            </a:r>
-            <a:r>
-              <a:rPr lang="en-US" dirty="0" smtClean="0"/>
-              <a:t>Creation</a:t>
-            </a:r>
-            <a:endParaRPr lang="en-US" dirty="0"/>
-          </a:p>
-          <a:p>
-            <a:pPr marL="342900" indent="-342900">
-              <a:buFont typeface="+mj-lt"/>
-              <a:buAutoNum type="arabicPeriod"/>
-            </a:pPr>
-            <a:r>
-              <a:rPr lang="en-US" dirty="0"/>
-              <a:t>Notification </a:t>
-            </a:r>
-            <a:r>
-              <a:rPr lang="en-US" dirty="0" smtClean="0"/>
-              <a:t>Templates</a:t>
-            </a:r>
-            <a:endParaRPr lang="en-US" dirty="0"/>
-          </a:p>
-          <a:p>
-            <a:pPr marL="342900" indent="-342900">
-              <a:buFont typeface="+mj-lt"/>
-              <a:buAutoNum type="arabicPeriod"/>
-            </a:pPr>
-            <a:r>
-              <a:rPr lang="en-US" dirty="0" smtClean="0"/>
+              <a:t>User Management</a:t>
+            </a:r>
+          </a:p>
+          <a:p>
+            <a:pPr marL="342900" indent="-342900">
+              <a:buFont typeface="+mj-lt"/>
+              <a:buAutoNum type="arabicPeriod"/>
+            </a:pPr>
+            <a:r>
+              <a:rPr lang="en-US" dirty="0"/>
+              <a:t>Notification Creation</a:t>
+            </a:r>
+          </a:p>
+          <a:p>
+            <a:pPr marL="342900" indent="-342900">
+              <a:buFont typeface="+mj-lt"/>
+              <a:buAutoNum type="arabicPeriod"/>
+            </a:pPr>
+            <a:r>
+              <a:rPr lang="en-US" dirty="0"/>
+              <a:t>Notification Templates</a:t>
+            </a:r>
+          </a:p>
+          <a:p>
+            <a:pPr marL="342900" indent="-342900">
+              <a:buFont typeface="+mj-lt"/>
+              <a:buAutoNum type="arabicPeriod"/>
+            </a:pPr>
+            <a:r>
+              <a:rPr lang="en-US" dirty="0"/>
               <a:t>Scheduling</a:t>
             </a:r>
-            <a:endParaRPr lang="en-US" dirty="0"/>
-          </a:p>
-          <a:p>
-            <a:pPr marL="342900" indent="-342900">
-              <a:buFont typeface="+mj-lt"/>
-              <a:buAutoNum type="arabicPeriod"/>
-            </a:pPr>
-            <a:r>
-              <a:rPr lang="en-US" dirty="0"/>
-              <a:t>Priority </a:t>
-            </a:r>
-            <a:r>
-              <a:rPr lang="en-US" dirty="0" smtClean="0"/>
-              <a:t>Levels</a:t>
-            </a:r>
-            <a:endParaRPr lang="en-US" dirty="0"/>
-          </a:p>
-          <a:p>
-            <a:pPr marL="342900" indent="-342900">
-              <a:buFont typeface="+mj-lt"/>
-              <a:buAutoNum type="arabicPeriod"/>
-            </a:pPr>
-            <a:r>
-              <a:rPr lang="en-US" dirty="0"/>
-              <a:t>Delivery </a:t>
-            </a:r>
-            <a:r>
-              <a:rPr lang="en-US" dirty="0" smtClean="0"/>
-              <a:t>Options</a:t>
-            </a:r>
-            <a:endParaRPr lang="en-US" dirty="0"/>
-          </a:p>
-          <a:p>
-            <a:pPr marL="342900" indent="-342900">
-              <a:buFont typeface="+mj-lt"/>
-              <a:buAutoNum type="arabicPeriod"/>
-            </a:pPr>
-            <a:r>
-              <a:rPr lang="en-US" dirty="0"/>
-              <a:t>Recipient </a:t>
-            </a:r>
-            <a:r>
-              <a:rPr lang="en-US" dirty="0" smtClean="0"/>
-              <a:t>Groups</a:t>
-            </a:r>
-            <a:endParaRPr lang="en-US" dirty="0"/>
-          </a:p>
-          <a:p>
-            <a:pPr marL="342900" indent="-342900">
-              <a:buFont typeface="+mj-lt"/>
-              <a:buAutoNum type="arabicPeriod"/>
-            </a:pPr>
-            <a:r>
-              <a:rPr lang="en-US" dirty="0"/>
-              <a:t>Read </a:t>
-            </a:r>
-            <a:r>
-              <a:rPr lang="en-US" dirty="0" smtClean="0"/>
-              <a:t>Receipts</a:t>
-            </a:r>
-            <a:endParaRPr lang="en-US" dirty="0"/>
-          </a:p>
-          <a:p>
-            <a:pPr marL="342900" indent="-342900">
-              <a:buFont typeface="+mj-lt"/>
-              <a:buAutoNum type="arabicPeriod"/>
-            </a:pPr>
-            <a:r>
-              <a:rPr lang="en-US" dirty="0"/>
-              <a:t>Analytics and </a:t>
-            </a:r>
-            <a:r>
-              <a:rPr lang="en-US" dirty="0" smtClean="0"/>
-              <a:t>Reporting</a:t>
-            </a:r>
-            <a:endParaRPr lang="en-US" dirty="0"/>
-          </a:p>
-          <a:p>
-            <a:pPr marL="342900" indent="-342900">
-              <a:buFont typeface="+mj-lt"/>
-              <a:buAutoNum type="arabicPeriod"/>
-            </a:pPr>
-            <a:r>
-              <a:rPr lang="en-US" dirty="0"/>
-              <a:t>Integration with Other </a:t>
-            </a:r>
-            <a:r>
-              <a:rPr lang="en-US" dirty="0" smtClean="0"/>
-              <a:t>Tools</a:t>
-            </a:r>
-            <a:endParaRPr lang="en-US" dirty="0"/>
-          </a:p>
-          <a:p>
-            <a:pPr marL="342900" indent="-342900">
-              <a:buFont typeface="+mj-lt"/>
-              <a:buAutoNum type="arabicPeriod"/>
-            </a:pPr>
-            <a:r>
-              <a:rPr lang="en-US" dirty="0" smtClean="0"/>
+          </a:p>
+          <a:p>
+            <a:pPr marL="342900" indent="-342900">
+              <a:buFont typeface="+mj-lt"/>
+              <a:buAutoNum type="arabicPeriod"/>
+            </a:pPr>
+            <a:r>
+              <a:rPr lang="en-US" dirty="0"/>
+              <a:t>Priority Levels</a:t>
+            </a:r>
+          </a:p>
+          <a:p>
+            <a:pPr marL="342900" indent="-342900">
+              <a:buFont typeface="+mj-lt"/>
+              <a:buAutoNum type="arabicPeriod"/>
+            </a:pPr>
+            <a:r>
+              <a:rPr lang="en-US" dirty="0"/>
+              <a:t>Delivery Options</a:t>
+            </a:r>
+          </a:p>
+          <a:p>
+            <a:pPr marL="342900" indent="-342900">
+              <a:buFont typeface="+mj-lt"/>
+              <a:buAutoNum type="arabicPeriod"/>
+            </a:pPr>
+            <a:r>
+              <a:rPr lang="en-US" dirty="0"/>
+              <a:t>Recipient Groups</a:t>
+            </a:r>
+          </a:p>
+          <a:p>
+            <a:pPr marL="342900" indent="-342900">
+              <a:buFont typeface="+mj-lt"/>
+              <a:buAutoNum type="arabicPeriod"/>
+            </a:pPr>
+            <a:r>
+              <a:rPr lang="en-US" dirty="0"/>
+              <a:t>Read Receipts</a:t>
+            </a:r>
+          </a:p>
+          <a:p>
+            <a:pPr marL="342900" indent="-342900">
+              <a:buFont typeface="+mj-lt"/>
+              <a:buAutoNum type="arabicPeriod"/>
+            </a:pPr>
+            <a:r>
+              <a:rPr lang="en-US" dirty="0"/>
+              <a:t>Analytics and Reporting</a:t>
+            </a:r>
+          </a:p>
+          <a:p>
+            <a:pPr marL="342900" indent="-342900">
+              <a:buFont typeface="+mj-lt"/>
+              <a:buAutoNum type="arabicPeriod"/>
+            </a:pPr>
+            <a:r>
+              <a:rPr lang="en-US" dirty="0"/>
+              <a:t>Integration with Other Tools</a:t>
+            </a:r>
+          </a:p>
+          <a:p>
+            <a:pPr marL="342900" indent="-342900">
+              <a:buFont typeface="+mj-lt"/>
+              <a:buAutoNum type="arabicPeriod"/>
+            </a:pPr>
+            <a:r>
+              <a:rPr lang="en-US" dirty="0"/>
               <a:t>Customization</a:t>
             </a:r>
-            <a:endParaRPr lang="en-US" dirty="0"/>
-          </a:p>
-          <a:p>
-            <a:pPr marL="342900" indent="-342900">
-              <a:buFont typeface="+mj-lt"/>
-              <a:buAutoNum type="arabicPeriod"/>
-            </a:pPr>
-            <a:r>
-              <a:rPr lang="en-US" dirty="0"/>
-              <a:t>Permission </a:t>
-            </a:r>
-            <a:r>
-              <a:rPr lang="en-US" dirty="0" smtClean="0"/>
-              <a:t>Controls</a:t>
-            </a:r>
-            <a:endParaRPr lang="en-US" dirty="0"/>
-          </a:p>
-          <a:p>
-            <a:pPr marL="342900" indent="-342900">
-              <a:buFont typeface="+mj-lt"/>
-              <a:buAutoNum type="arabicPeriod"/>
-            </a:pPr>
-            <a:r>
-              <a:rPr lang="en-US" dirty="0"/>
-              <a:t>Feedback </a:t>
-            </a:r>
-            <a:r>
-              <a:rPr lang="en-US" dirty="0" smtClean="0"/>
-              <a:t>Mechanism</a:t>
-            </a:r>
-            <a:endParaRPr lang="en-US" dirty="0"/>
-          </a:p>
-          <a:p>
-            <a:pPr marL="342900" indent="-342900">
-              <a:buFont typeface="+mj-lt"/>
-              <a:buAutoNum type="arabicPeriod"/>
-            </a:pPr>
-            <a:r>
-              <a:rPr lang="en-US" dirty="0"/>
-              <a:t>Archiving and </a:t>
-            </a:r>
-            <a:r>
-              <a:rPr lang="en-US" dirty="0" smtClean="0"/>
-              <a:t>Search</a:t>
-            </a:r>
-            <a:endParaRPr lang="en-US" dirty="0"/>
+          </a:p>
+          <a:p>
+            <a:pPr marL="342900" indent="-342900">
+              <a:buFont typeface="+mj-lt"/>
+              <a:buAutoNum type="arabicPeriod"/>
+            </a:pPr>
+            <a:r>
+              <a:rPr lang="en-US" dirty="0"/>
+              <a:t>Permission Controls</a:t>
+            </a:r>
+          </a:p>
+          <a:p>
+            <a:pPr marL="342900" indent="-342900">
+              <a:buFont typeface="+mj-lt"/>
+              <a:buAutoNum type="arabicPeriod"/>
+            </a:pPr>
+            <a:r>
+              <a:rPr lang="en-US" dirty="0"/>
+              <a:t>Feedback Mechanism</a:t>
+            </a:r>
+          </a:p>
+          <a:p>
+            <a:pPr marL="342900" indent="-342900">
+              <a:buFont typeface="+mj-lt"/>
+              <a:buAutoNum type="arabicPeriod"/>
+            </a:pPr>
+            <a:r>
+              <a:rPr lang="en-US" dirty="0"/>
+              <a:t>Archiving and Search</a:t>
+            </a:r>
           </a:p>
           <a:p>
             <a:pPr marL="342900" indent="-342900">
@@ -5671,13 +5307,6 @@
   <p:clrMapOvr>
     <a:masterClrMapping/>
   </p:clrMapOvr>
-  <p:timing>
-    <p:tnLst>
-      <p:par>
-        <p:cTn id="1" dur="indefinite" restart="never" nodeType="tmRoot"/>
-      </p:par>
-    </p:tnLst>
-  </p:timing>
 </p:sld>
 </file>
 
@@ -5721,10 +5350,9 @@
           <a:lstStyle/>
           <a:p>
             <a:r>
-              <a:rPr lang="en-US" b="1" i="1" u="sng" dirty="0" smtClean="0"/>
+              <a:rPr lang="en-US" b="1" i="1" u="sng" dirty="0"/>
               <a:t>IHRM</a:t>
             </a:r>
-            <a:endParaRPr lang="en-US" b="1" i="1" u="sng" dirty="0"/>
           </a:p>
         </p:txBody>
       </p:sp>
@@ -5777,7 +5405,7 @@
           <a:lstStyle/>
           <a:p>
             <a:r>
-              <a:rPr lang="en-US" sz="3200" b="1" dirty="0" smtClean="0"/>
+              <a:rPr lang="en-US" sz="3200" b="1" dirty="0"/>
               <a:t>User Notification</a:t>
             </a:r>
           </a:p>
@@ -5810,238 +5438,158 @@
             </a:pPr>
             <a:r>
               <a:rPr lang="en-US" dirty="0"/>
-              <a:t>User Registration and </a:t>
-            </a:r>
-            <a:r>
-              <a:rPr lang="en-US" dirty="0" smtClean="0"/>
-              <a:t>Authentication</a:t>
-            </a:r>
-            <a:endParaRPr lang="en-US" dirty="0"/>
-          </a:p>
-          <a:p>
-            <a:pPr marL="342900" indent="-342900">
-              <a:buFont typeface="+mj-lt"/>
-              <a:buAutoNum type="arabicPeriod"/>
-            </a:pPr>
-            <a:r>
-              <a:rPr lang="en-US" dirty="0"/>
-              <a:t>Notification </a:t>
-            </a:r>
-            <a:r>
-              <a:rPr lang="en-US" dirty="0" smtClean="0"/>
-              <a:t>Preferences</a:t>
-            </a:r>
-            <a:endParaRPr lang="en-US" dirty="0"/>
-          </a:p>
-          <a:p>
-            <a:pPr marL="342900" indent="-342900">
-              <a:buFont typeface="+mj-lt"/>
-              <a:buAutoNum type="arabicPeriod"/>
-            </a:pPr>
-            <a:r>
-              <a:rPr lang="en-US" dirty="0"/>
-              <a:t>Customizable </a:t>
-            </a:r>
-            <a:r>
-              <a:rPr lang="en-US" dirty="0" smtClean="0"/>
-              <a:t>Notifications.</a:t>
-            </a:r>
-            <a:endParaRPr lang="en-US" dirty="0"/>
-          </a:p>
-          <a:p>
-            <a:pPr marL="342900" indent="-342900">
-              <a:buFont typeface="+mj-lt"/>
-              <a:buAutoNum type="arabicPeriod"/>
-            </a:pPr>
-            <a:r>
-              <a:rPr lang="en-US" dirty="0"/>
-              <a:t>Real-time </a:t>
-            </a:r>
-            <a:r>
-              <a:rPr lang="en-US" dirty="0" smtClean="0"/>
-              <a:t>Notifications</a:t>
-            </a:r>
-            <a:endParaRPr lang="en-US" dirty="0"/>
-          </a:p>
-          <a:p>
-            <a:pPr marL="342900" indent="-342900">
-              <a:buFont typeface="+mj-lt"/>
-              <a:buAutoNum type="arabicPeriod"/>
-            </a:pPr>
-            <a:r>
-              <a:rPr lang="en-US" dirty="0"/>
-              <a:t>Notification </a:t>
-            </a:r>
-            <a:r>
-              <a:rPr lang="en-US" dirty="0" smtClean="0"/>
-              <a:t>History</a:t>
-            </a:r>
-            <a:endParaRPr lang="en-US" dirty="0"/>
-          </a:p>
-          <a:p>
-            <a:pPr marL="342900" indent="-342900">
-              <a:buFont typeface="+mj-lt"/>
-              <a:buAutoNum type="arabicPeriod"/>
-            </a:pPr>
-            <a:r>
-              <a:rPr lang="en-US" dirty="0"/>
-              <a:t>Multi-channel </a:t>
-            </a:r>
-            <a:r>
-              <a:rPr lang="en-US" dirty="0" smtClean="0"/>
-              <a:t>Support</a:t>
-            </a:r>
-            <a:endParaRPr lang="en-US" dirty="0"/>
-          </a:p>
-          <a:p>
-            <a:pPr marL="342900" indent="-342900">
-              <a:buFont typeface="+mj-lt"/>
-              <a:buAutoNum type="arabicPeriod"/>
-            </a:pPr>
-            <a:r>
-              <a:rPr lang="en-US" dirty="0"/>
-              <a:t>Segmentation and </a:t>
-            </a:r>
-            <a:r>
-              <a:rPr lang="en-US" dirty="0" smtClean="0"/>
-              <a:t>Targeting</a:t>
-            </a:r>
-            <a:endParaRPr lang="en-US" dirty="0"/>
-          </a:p>
-          <a:p>
-            <a:pPr marL="342900" indent="-342900">
-              <a:buFont typeface="+mj-lt"/>
-              <a:buAutoNum type="arabicPeriod"/>
-            </a:pPr>
-            <a:r>
-              <a:rPr lang="en-US" dirty="0"/>
-              <a:t>Scheduled </a:t>
-            </a:r>
-            <a:r>
-              <a:rPr lang="en-US" dirty="0" smtClean="0"/>
-              <a:t>Notifications</a:t>
-            </a:r>
-            <a:endParaRPr lang="en-US" dirty="0"/>
-          </a:p>
-          <a:p>
-            <a:pPr marL="342900" indent="-342900">
-              <a:buFont typeface="+mj-lt"/>
-              <a:buAutoNum type="arabicPeriod"/>
-            </a:pPr>
-            <a:r>
-              <a:rPr lang="en-US" dirty="0"/>
-              <a:t>Two-way </a:t>
-            </a:r>
-            <a:r>
-              <a:rPr lang="en-US" dirty="0" smtClean="0"/>
-              <a:t>Communication</a:t>
-            </a:r>
-            <a:endParaRPr lang="en-US" dirty="0"/>
-          </a:p>
-          <a:p>
-            <a:pPr marL="342900" indent="-342900">
-              <a:buFont typeface="+mj-lt"/>
-              <a:buAutoNum type="arabicPeriod"/>
-            </a:pPr>
-            <a:r>
-              <a:rPr lang="en-US" dirty="0"/>
-              <a:t>Localization and </a:t>
-            </a:r>
-            <a:r>
-              <a:rPr lang="en-US" dirty="0" smtClean="0"/>
-              <a:t>Internationalization</a:t>
-            </a:r>
-            <a:endParaRPr lang="en-US" dirty="0"/>
-          </a:p>
-          <a:p>
-            <a:pPr marL="342900" indent="-342900">
-              <a:buFont typeface="+mj-lt"/>
-              <a:buAutoNum type="arabicPeriod"/>
-            </a:pPr>
-            <a:r>
-              <a:rPr lang="en-US" dirty="0"/>
-              <a:t>Notification </a:t>
-            </a:r>
-            <a:r>
-              <a:rPr lang="en-US" dirty="0" smtClean="0"/>
-              <a:t>Templates</a:t>
-            </a:r>
-            <a:endParaRPr lang="en-US" dirty="0"/>
-          </a:p>
-          <a:p>
-            <a:pPr marL="342900" indent="-342900">
-              <a:buFont typeface="+mj-lt"/>
-              <a:buAutoNum type="arabicPeriod"/>
-            </a:pPr>
-            <a:r>
-              <a:rPr lang="en-US" dirty="0"/>
-              <a:t>Opt-out </a:t>
-            </a:r>
-            <a:r>
-              <a:rPr lang="en-US" dirty="0" smtClean="0"/>
-              <a:t>Mechanism</a:t>
-            </a:r>
-            <a:endParaRPr lang="en-US" dirty="0"/>
-          </a:p>
-          <a:p>
-            <a:pPr marL="342900" indent="-342900">
-              <a:buFont typeface="+mj-lt"/>
-              <a:buAutoNum type="arabicPeriod"/>
-            </a:pPr>
-            <a:r>
-              <a:rPr lang="en-US" dirty="0"/>
-              <a:t>Notification </a:t>
-            </a:r>
-            <a:r>
-              <a:rPr lang="en-US" dirty="0" smtClean="0"/>
-              <a:t>Analytics</a:t>
-            </a:r>
-            <a:endParaRPr lang="en-US" dirty="0"/>
-          </a:p>
-          <a:p>
-            <a:pPr marL="342900" indent="-342900">
-              <a:buFont typeface="+mj-lt"/>
-              <a:buAutoNum type="arabicPeriod"/>
-            </a:pPr>
-            <a:r>
-              <a:rPr lang="en-US" dirty="0"/>
-              <a:t>Notification </a:t>
-            </a:r>
-            <a:r>
-              <a:rPr lang="en-US" dirty="0" smtClean="0"/>
-              <a:t>Prioritization</a:t>
-            </a:r>
-            <a:endParaRPr lang="en-US" dirty="0"/>
-          </a:p>
-          <a:p>
-            <a:pPr marL="342900" indent="-342900">
-              <a:buFont typeface="+mj-lt"/>
-              <a:buAutoNum type="arabicPeriod"/>
-            </a:pPr>
-            <a:r>
-              <a:rPr lang="en-US" dirty="0"/>
-              <a:t>Permission </a:t>
-            </a:r>
-            <a:r>
-              <a:rPr lang="en-US" dirty="0" smtClean="0"/>
-              <a:t>Management</a:t>
-            </a:r>
-            <a:endParaRPr lang="en-US" dirty="0"/>
-          </a:p>
-          <a:p>
-            <a:pPr marL="342900" indent="-342900">
-              <a:buFont typeface="+mj-lt"/>
-              <a:buAutoNum type="arabicPeriod"/>
-            </a:pPr>
-            <a:r>
-              <a:rPr lang="en-US" dirty="0"/>
-              <a:t>Notification </a:t>
-            </a:r>
-            <a:r>
-              <a:rPr lang="en-US" dirty="0" smtClean="0"/>
-              <a:t>Scheduling</a:t>
-            </a:r>
-            <a:endParaRPr lang="en-US" dirty="0"/>
+              <a:t>User Registration and Authentication</a:t>
+            </a:r>
+          </a:p>
+          <a:p>
+            <a:pPr marL="342900" indent="-342900">
+              <a:buFont typeface="+mj-lt"/>
+              <a:buAutoNum type="arabicPeriod"/>
+            </a:pPr>
+            <a:r>
+              <a:rPr lang="en-US" dirty="0"/>
+              <a:t>Notification Preferences</a:t>
+            </a:r>
+          </a:p>
+          <a:p>
+            <a:pPr marL="342900" indent="-342900">
+              <a:buFont typeface="+mj-lt"/>
+              <a:buAutoNum type="arabicPeriod"/>
+            </a:pPr>
+            <a:r>
+              <a:rPr lang="en-US" dirty="0"/>
+              <a:t>Customizable Notifications.</a:t>
+            </a:r>
+          </a:p>
+          <a:p>
+            <a:pPr marL="342900" indent="-342900">
+              <a:buFont typeface="+mj-lt"/>
+              <a:buAutoNum type="arabicPeriod"/>
+            </a:pPr>
+            <a:r>
+              <a:rPr lang="en-US" dirty="0"/>
+              <a:t>Real-time Notifications</a:t>
+            </a:r>
+          </a:p>
+          <a:p>
+            <a:pPr marL="342900" indent="-342900">
+              <a:buFont typeface="+mj-lt"/>
+              <a:buAutoNum type="arabicPeriod"/>
+            </a:pPr>
+            <a:r>
+              <a:rPr lang="en-US" dirty="0"/>
+              <a:t>Notification History</a:t>
+            </a:r>
+          </a:p>
+          <a:p>
+            <a:pPr marL="342900" indent="-342900">
+              <a:buFont typeface="+mj-lt"/>
+              <a:buAutoNum type="arabicPeriod"/>
+            </a:pPr>
+            <a:r>
+              <a:rPr lang="en-US" dirty="0"/>
+              <a:t>Multi-channel Support</a:t>
+            </a:r>
+          </a:p>
+          <a:p>
+            <a:pPr marL="342900" indent="-342900">
+              <a:buFont typeface="+mj-lt"/>
+              <a:buAutoNum type="arabicPeriod"/>
+            </a:pPr>
+            <a:r>
+              <a:rPr lang="en-US" dirty="0"/>
+              <a:t>Segmentation and Targeting</a:t>
+            </a:r>
+          </a:p>
+          <a:p>
+            <a:pPr marL="342900" indent="-342900">
+              <a:buFont typeface="+mj-lt"/>
+              <a:buAutoNum type="arabicPeriod"/>
+            </a:pPr>
+            <a:r>
+              <a:rPr lang="en-US" dirty="0"/>
+              <a:t>Scheduled Notifications</a:t>
+            </a:r>
+          </a:p>
+          <a:p>
+            <a:pPr marL="342900" indent="-342900">
+              <a:buFont typeface="+mj-lt"/>
+              <a:buAutoNum type="arabicPeriod"/>
+            </a:pPr>
+            <a:r>
+              <a:rPr lang="en-US" dirty="0"/>
+              <a:t>Two-way Communication</a:t>
+            </a:r>
+          </a:p>
+          <a:p>
+            <a:pPr marL="342900" indent="-342900">
+              <a:buFont typeface="+mj-lt"/>
+              <a:buAutoNum type="arabicPeriod"/>
+            </a:pPr>
+            <a:r>
+              <a:rPr lang="en-US" dirty="0"/>
+              <a:t>Localization and Internationalization</a:t>
+            </a:r>
+          </a:p>
+          <a:p>
+            <a:pPr marL="342900" indent="-342900">
+              <a:buFont typeface="+mj-lt"/>
+              <a:buAutoNum type="arabicPeriod"/>
+            </a:pPr>
+            <a:r>
+              <a:rPr lang="en-US" dirty="0"/>
+              <a:t>Notification Templates</a:t>
+            </a:r>
+          </a:p>
+          <a:p>
+            <a:pPr marL="342900" indent="-342900">
+              <a:buFont typeface="+mj-lt"/>
+              <a:buAutoNum type="arabicPeriod"/>
+            </a:pPr>
+            <a:r>
+              <a:rPr lang="en-US" dirty="0"/>
+              <a:t>Opt-out Mechanism</a:t>
+            </a:r>
+          </a:p>
+          <a:p>
+            <a:pPr marL="342900" indent="-342900">
+              <a:buFont typeface="+mj-lt"/>
+              <a:buAutoNum type="arabicPeriod"/>
+            </a:pPr>
+            <a:r>
+              <a:rPr lang="en-US" dirty="0"/>
+              <a:t>Notification Analytics</a:t>
+            </a:r>
+          </a:p>
+          <a:p>
+            <a:pPr marL="342900" indent="-342900">
+              <a:buFont typeface="+mj-lt"/>
+              <a:buAutoNum type="arabicPeriod"/>
+            </a:pPr>
+            <a:r>
+              <a:rPr lang="en-US" dirty="0"/>
+              <a:t>Notification Prioritization</a:t>
+            </a:r>
+          </a:p>
+          <a:p>
+            <a:pPr marL="342900" indent="-342900">
+              <a:buFont typeface="+mj-lt"/>
+              <a:buAutoNum type="arabicPeriod"/>
+            </a:pPr>
+            <a:r>
+              <a:rPr lang="en-US" dirty="0"/>
+              <a:t>Permission Management</a:t>
+            </a:r>
+          </a:p>
+          <a:p>
+            <a:pPr marL="342900" indent="-342900">
+              <a:buFont typeface="+mj-lt"/>
+              <a:buAutoNum type="arabicPeriod"/>
+            </a:pPr>
+            <a:r>
+              <a:rPr lang="en-US" dirty="0"/>
+              <a:t>Notification Scheduling</a:t>
+            </a:r>
           </a:p>
           <a:p>
             <a:pPr marL="342900" indent="-342900">
@@ -6060,13 +5608,6 @@
   <p:clrMapOvr>
     <a:masterClrMapping/>
   </p:clrMapOvr>
-  <p:timing>
-    <p:tnLst>
-      <p:par>
-        <p:cTn id="1" dur="indefinite" restart="never" nodeType="tmRoot"/>
-      </p:par>
-    </p:tnLst>
-  </p:timing>
 </p:sld>
 </file>
 
@@ -6110,10 +5651,9 @@
           <a:lstStyle/>
           <a:p>
             <a:r>
-              <a:rPr lang="en-US" b="1" i="1" u="sng" dirty="0" smtClean="0"/>
+              <a:rPr lang="en-US" b="1" i="1" u="sng" dirty="0"/>
               <a:t>IHRM</a:t>
             </a:r>
-            <a:endParaRPr lang="en-US" b="1" i="1" u="sng" dirty="0"/>
           </a:p>
         </p:txBody>
       </p:sp>
@@ -6166,7 +5706,7 @@
           <a:lstStyle/>
           <a:p>
             <a:r>
-              <a:rPr lang="en-US" sz="3200" b="1" dirty="0" smtClean="0"/>
+              <a:rPr lang="en-US" sz="3200" b="1" dirty="0"/>
               <a:t>Manager Assets</a:t>
             </a:r>
           </a:p>
@@ -6199,205 +5739,147 @@
               <a:buAutoNum type="arabicPeriod"/>
             </a:pPr>
             <a:r>
-              <a:rPr lang="en-US" dirty="0" smtClean="0"/>
-              <a:t>Asset </a:t>
-            </a:r>
-            <a:r>
-              <a:rPr lang="en-US" dirty="0" smtClean="0"/>
-              <a:t>Tracking</a:t>
-            </a:r>
-            <a:endParaRPr lang="en-US" dirty="0" smtClean="0"/>
-          </a:p>
-          <a:p>
-            <a:pPr marL="342900" indent="-342900">
-              <a:buFont typeface="+mj-lt"/>
-              <a:buAutoNum type="arabicPeriod"/>
-            </a:pPr>
-            <a:r>
-              <a:rPr lang="en-US" dirty="0" smtClean="0"/>
-              <a:t>Maintenance </a:t>
-            </a:r>
-            <a:r>
-              <a:rPr lang="en-US" dirty="0" smtClean="0"/>
-              <a:t>Scheduling</a:t>
-            </a:r>
-            <a:endParaRPr lang="en-US" dirty="0" smtClean="0"/>
-          </a:p>
-          <a:p>
-            <a:pPr marL="342900" indent="-342900">
-              <a:buFont typeface="+mj-lt"/>
-              <a:buAutoNum type="arabicPeriod"/>
-            </a:pPr>
-            <a:r>
-              <a:rPr lang="en-US" dirty="0" smtClean="0"/>
-              <a:t>Depreciation </a:t>
-            </a:r>
-            <a:r>
-              <a:rPr lang="en-US" dirty="0" smtClean="0"/>
-              <a:t>Tracking</a:t>
-            </a:r>
-            <a:endParaRPr lang="en-US" dirty="0" smtClean="0"/>
-          </a:p>
-          <a:p>
-            <a:pPr marL="342900" indent="-342900">
-              <a:buFont typeface="+mj-lt"/>
-              <a:buAutoNum type="arabicPeriod"/>
-            </a:pPr>
-            <a:r>
-              <a:rPr lang="en-US" dirty="0" smtClean="0"/>
-              <a:t>Inventory </a:t>
-            </a:r>
-            <a:r>
-              <a:rPr lang="en-US" dirty="0" smtClean="0"/>
-              <a:t>Management</a:t>
-            </a:r>
-            <a:endParaRPr lang="en-US" dirty="0" smtClean="0"/>
-          </a:p>
-          <a:p>
-            <a:pPr marL="342900" indent="-342900">
-              <a:buFont typeface="+mj-lt"/>
-              <a:buAutoNum type="arabicPeriod"/>
-            </a:pPr>
-            <a:r>
-              <a:rPr lang="en-US" dirty="0" smtClean="0"/>
-              <a:t>Asset Lifecycle </a:t>
-            </a:r>
-            <a:r>
-              <a:rPr lang="en-US" dirty="0" smtClean="0"/>
-              <a:t>Management</a:t>
-            </a:r>
-            <a:endParaRPr lang="en-US" dirty="0" smtClean="0"/>
-          </a:p>
-          <a:p>
-            <a:pPr marL="342900" indent="-342900">
-              <a:buFont typeface="+mj-lt"/>
-              <a:buAutoNum type="arabicPeriod"/>
-            </a:pPr>
-            <a:r>
-              <a:rPr lang="en-US" dirty="0" smtClean="0"/>
-              <a:t>Compliance </a:t>
-            </a:r>
-            <a:r>
-              <a:rPr lang="en-US" dirty="0" smtClean="0"/>
-              <a:t>Management</a:t>
-            </a:r>
-            <a:endParaRPr lang="en-US" dirty="0" smtClean="0"/>
-          </a:p>
-          <a:p>
-            <a:pPr marL="342900" indent="-342900">
-              <a:buFont typeface="+mj-lt"/>
-              <a:buAutoNum type="arabicPeriod"/>
-            </a:pPr>
-            <a:r>
-              <a:rPr lang="en-US" dirty="0" smtClean="0"/>
+              <a:rPr lang="en-US" dirty="0"/>
+              <a:t>Asset Tracking</a:t>
+            </a:r>
+          </a:p>
+          <a:p>
+            <a:pPr marL="342900" indent="-342900">
+              <a:buFont typeface="+mj-lt"/>
+              <a:buAutoNum type="arabicPeriod"/>
+            </a:pPr>
+            <a:r>
+              <a:rPr lang="en-US" dirty="0"/>
+              <a:t>Maintenance Scheduling</a:t>
+            </a:r>
+          </a:p>
+          <a:p>
+            <a:pPr marL="342900" indent="-342900">
+              <a:buFont typeface="+mj-lt"/>
+              <a:buAutoNum type="arabicPeriod"/>
+            </a:pPr>
+            <a:r>
+              <a:rPr lang="en-US" dirty="0"/>
+              <a:t>Depreciation Tracking</a:t>
+            </a:r>
+          </a:p>
+          <a:p>
+            <a:pPr marL="342900" indent="-342900">
+              <a:buFont typeface="+mj-lt"/>
+              <a:buAutoNum type="arabicPeriod"/>
+            </a:pPr>
+            <a:r>
+              <a:rPr lang="en-US" dirty="0"/>
+              <a:t>Inventory Management</a:t>
+            </a:r>
+          </a:p>
+          <a:p>
+            <a:pPr marL="342900" indent="-342900">
+              <a:buFont typeface="+mj-lt"/>
+              <a:buAutoNum type="arabicPeriod"/>
+            </a:pPr>
+            <a:r>
+              <a:rPr lang="en-US" dirty="0"/>
+              <a:t>Asset Lifecycle Management</a:t>
+            </a:r>
+          </a:p>
+          <a:p>
+            <a:pPr marL="342900" indent="-342900">
+              <a:buFont typeface="+mj-lt"/>
+              <a:buAutoNum type="arabicPeriod"/>
+            </a:pPr>
+            <a:r>
+              <a:rPr lang="en-US" dirty="0"/>
+              <a:t>Compliance Management</a:t>
+            </a:r>
+          </a:p>
+          <a:p>
+            <a:pPr marL="342900" indent="-342900">
+              <a:buFont typeface="+mj-lt"/>
+              <a:buAutoNum type="arabicPeriod"/>
+            </a:pPr>
+            <a:r>
+              <a:rPr lang="en-US" dirty="0"/>
               <a:t>Integration</a:t>
             </a:r>
-            <a:endParaRPr lang="en-US" dirty="0" smtClean="0"/>
-          </a:p>
-          <a:p>
-            <a:pPr marL="342900" indent="-342900">
-              <a:buFont typeface="+mj-lt"/>
-              <a:buAutoNum type="arabicPeriod"/>
-            </a:pPr>
-            <a:r>
-              <a:rPr lang="en-US" dirty="0" smtClean="0"/>
-              <a:t>Mobile </a:t>
-            </a:r>
-            <a:r>
-              <a:rPr lang="en-US" dirty="0" smtClean="0"/>
-              <a:t>Access</a:t>
-            </a:r>
-            <a:endParaRPr lang="en-US" dirty="0" smtClean="0"/>
-          </a:p>
-          <a:p>
-            <a:pPr marL="342900" indent="-342900">
-              <a:buFont typeface="+mj-lt"/>
-              <a:buAutoNum type="arabicPeriod"/>
-            </a:pPr>
-            <a:r>
-              <a:rPr lang="en-US" dirty="0" smtClean="0"/>
-              <a:t>Reporting and </a:t>
-            </a:r>
-            <a:r>
-              <a:rPr lang="en-US" dirty="0" smtClean="0"/>
-              <a:t>Analytics</a:t>
-            </a:r>
-            <a:endParaRPr lang="en-US" dirty="0" smtClean="0"/>
-          </a:p>
-          <a:p>
-            <a:pPr marL="342900" indent="-342900">
-              <a:buFont typeface="+mj-lt"/>
-              <a:buAutoNum type="arabicPeriod"/>
-            </a:pPr>
-            <a:r>
-              <a:rPr lang="en-US" dirty="0" smtClean="0"/>
-              <a:t>Asset </a:t>
-            </a:r>
-            <a:r>
-              <a:rPr lang="en-US" dirty="0" smtClean="0"/>
-              <a:t>Auditing</a:t>
-            </a:r>
-            <a:endParaRPr lang="en-US" dirty="0" smtClean="0"/>
-          </a:p>
-          <a:p>
-            <a:pPr marL="342900" indent="-342900">
-              <a:buFont typeface="+mj-lt"/>
-              <a:buAutoNum type="arabicPeriod"/>
-            </a:pPr>
-            <a:r>
-              <a:rPr lang="en-US" dirty="0" smtClean="0"/>
+          </a:p>
+          <a:p>
+            <a:pPr marL="342900" indent="-342900">
+              <a:buFont typeface="+mj-lt"/>
+              <a:buAutoNum type="arabicPeriod"/>
+            </a:pPr>
+            <a:r>
+              <a:rPr lang="en-US" dirty="0"/>
+              <a:t>Mobile Access</a:t>
+            </a:r>
+          </a:p>
+          <a:p>
+            <a:pPr marL="342900" indent="-342900">
+              <a:buFont typeface="+mj-lt"/>
+              <a:buAutoNum type="arabicPeriod"/>
+            </a:pPr>
+            <a:r>
+              <a:rPr lang="en-US" dirty="0"/>
+              <a:t>Reporting and Analytics</a:t>
+            </a:r>
+          </a:p>
+          <a:p>
+            <a:pPr marL="342900" indent="-342900">
+              <a:buFont typeface="+mj-lt"/>
+              <a:buAutoNum type="arabicPeriod"/>
+            </a:pPr>
+            <a:r>
+              <a:rPr lang="en-US" dirty="0"/>
+              <a:t>Asset Auditing</a:t>
+            </a:r>
+          </a:p>
+          <a:p>
+            <a:pPr marL="342900" indent="-342900">
+              <a:buFont typeface="+mj-lt"/>
+              <a:buAutoNum type="arabicPeriod"/>
+            </a:pPr>
+            <a:r>
+              <a:rPr lang="en-US" dirty="0"/>
               <a:t>Security</a:t>
             </a:r>
-            <a:endParaRPr lang="en-US" dirty="0" smtClean="0"/>
-          </a:p>
-          <a:p>
-            <a:pPr marL="342900" indent="-342900">
-              <a:buFont typeface="+mj-lt"/>
-              <a:buAutoNum type="arabicPeriod"/>
-            </a:pPr>
-            <a:r>
-              <a:rPr lang="en-US" dirty="0" smtClean="0"/>
+          </a:p>
+          <a:p>
+            <a:pPr marL="342900" indent="-342900">
+              <a:buFont typeface="+mj-lt"/>
+              <a:buAutoNum type="arabicPeriod"/>
+            </a:pPr>
+            <a:r>
+              <a:rPr lang="en-US" dirty="0"/>
               <a:t>Customization</a:t>
             </a:r>
-            <a:endParaRPr lang="en-US" dirty="0" smtClean="0"/>
-          </a:p>
-          <a:p>
-            <a:pPr marL="342900" indent="-342900">
-              <a:buFont typeface="+mj-lt"/>
-              <a:buAutoNum type="arabicPeriod"/>
-            </a:pPr>
-            <a:r>
-              <a:rPr lang="en-US" dirty="0" smtClean="0"/>
-              <a:t>Predictive </a:t>
-            </a:r>
-            <a:r>
-              <a:rPr lang="en-US" dirty="0" smtClean="0"/>
-              <a:t>Maintenance</a:t>
-            </a:r>
-            <a:endParaRPr lang="en-US" dirty="0" smtClean="0"/>
-          </a:p>
-          <a:p>
-            <a:pPr marL="342900" indent="-342900">
-              <a:buFont typeface="+mj-lt"/>
-              <a:buAutoNum type="arabicPeriod"/>
-            </a:pPr>
-            <a:r>
-              <a:rPr lang="en-US" dirty="0" smtClean="0"/>
-              <a:t>Vendor </a:t>
-            </a:r>
-            <a:r>
-              <a:rPr lang="en-US" dirty="0" smtClean="0"/>
-              <a:t>Management</a:t>
-            </a:r>
-            <a:endParaRPr lang="en-US" dirty="0" smtClean="0"/>
-          </a:p>
-          <a:p>
-            <a:pPr marL="342900" indent="-342900">
-              <a:buFont typeface="+mj-lt"/>
-              <a:buAutoNum type="arabicPeriod"/>
-            </a:pPr>
-            <a:r>
-              <a:rPr lang="en-US" dirty="0" smtClean="0"/>
+          </a:p>
+          <a:p>
+            <a:pPr marL="342900" indent="-342900">
+              <a:buFont typeface="+mj-lt"/>
+              <a:buAutoNum type="arabicPeriod"/>
+            </a:pPr>
+            <a:r>
+              <a:rPr lang="en-US" dirty="0"/>
+              <a:t>Predictive Maintenance</a:t>
+            </a:r>
+          </a:p>
+          <a:p>
+            <a:pPr marL="342900" indent="-342900">
+              <a:buFont typeface="+mj-lt"/>
+              <a:buAutoNum type="arabicPeriod"/>
+            </a:pPr>
+            <a:r>
+              <a:rPr lang="en-US" dirty="0"/>
+              <a:t>Vendor Management</a:t>
+            </a:r>
+          </a:p>
+          <a:p>
+            <a:pPr marL="342900" indent="-342900">
+              <a:buFont typeface="+mj-lt"/>
+              <a:buAutoNum type="arabicPeriod"/>
+            </a:pPr>
+            <a:r>
+              <a:rPr lang="en-US" dirty="0"/>
               <a:t>Scalability</a:t>
             </a:r>
           </a:p>
@@ -6411,13 +5893,6 @@
   <p:clrMapOvr>
     <a:masterClrMapping/>
   </p:clrMapOvr>
-  <p:timing>
-    <p:tnLst>
-      <p:par>
-        <p:cTn id="1" dur="indefinite" restart="never" nodeType="tmRoot"/>
-      </p:par>
-    </p:tnLst>
-  </p:timing>
 </p:sld>
 </file>
 
@@ -6461,10 +5936,9 @@
           <a:lstStyle/>
           <a:p>
             <a:r>
-              <a:rPr lang="en-US" b="1" i="1" u="sng" dirty="0" smtClean="0"/>
+              <a:rPr lang="en-US" b="1" i="1" u="sng" dirty="0"/>
               <a:t>IHRM</a:t>
             </a:r>
-            <a:endParaRPr lang="en-US" b="1" i="1" u="sng" dirty="0"/>
           </a:p>
         </p:txBody>
       </p:sp>
@@ -6517,7 +5991,7 @@
           <a:lstStyle/>
           <a:p>
             <a:r>
-              <a:rPr lang="en-US" sz="3200" b="1" dirty="0" smtClean="0"/>
+              <a:rPr lang="en-US" sz="3200" b="1" dirty="0"/>
               <a:t>User Assets</a:t>
             </a:r>
           </a:p>
@@ -6550,213 +6024,147 @@
               <a:buAutoNum type="arabicPeriod"/>
             </a:pPr>
             <a:r>
-              <a:rPr lang="en-US" dirty="0" smtClean="0"/>
-              <a:t>User </a:t>
-            </a:r>
-            <a:r>
-              <a:rPr lang="en-US" dirty="0" smtClean="0"/>
-              <a:t>Authentication</a:t>
-            </a:r>
-            <a:endParaRPr lang="en-US" dirty="0" smtClean="0"/>
-          </a:p>
-          <a:p>
-            <a:pPr marL="342900" indent="-342900">
-              <a:buFont typeface="+mj-lt"/>
-              <a:buAutoNum type="arabicPeriod"/>
-            </a:pPr>
-            <a:r>
-              <a:rPr lang="en-US" dirty="0" smtClean="0"/>
-              <a:t>User Profile </a:t>
-            </a:r>
-            <a:r>
-              <a:rPr lang="en-US" dirty="0" smtClean="0"/>
-              <a:t>Management</a:t>
-            </a:r>
-            <a:endParaRPr lang="en-US" dirty="0" smtClean="0"/>
-          </a:p>
-          <a:p>
-            <a:pPr marL="342900" indent="-342900">
-              <a:buFont typeface="+mj-lt"/>
-              <a:buAutoNum type="arabicPeriod"/>
-            </a:pPr>
-            <a:r>
-              <a:rPr lang="en-US" dirty="0" smtClean="0"/>
-              <a:t>Authorization and </a:t>
-            </a:r>
-            <a:r>
-              <a:rPr lang="en-US" dirty="0" smtClean="0"/>
-              <a:t>Permissions</a:t>
-            </a:r>
-            <a:endParaRPr lang="en-US" dirty="0" smtClean="0"/>
-          </a:p>
-          <a:p>
-            <a:pPr marL="342900" indent="-342900">
-              <a:buFont typeface="+mj-lt"/>
-              <a:buAutoNum type="arabicPeriod"/>
-            </a:pPr>
-            <a:r>
-              <a:rPr lang="en-US" dirty="0" smtClean="0"/>
-              <a:t>Content Creation and </a:t>
-            </a:r>
-            <a:r>
-              <a:rPr lang="en-US" dirty="0" smtClean="0"/>
-              <a:t>Management</a:t>
-            </a:r>
-            <a:endParaRPr lang="en-US" dirty="0" smtClean="0"/>
-          </a:p>
-          <a:p>
-            <a:pPr marL="342900" indent="-342900">
-              <a:buFont typeface="+mj-lt"/>
-              <a:buAutoNum type="arabicPeriod"/>
-            </a:pPr>
-            <a:r>
-              <a:rPr lang="en-US" dirty="0" smtClean="0"/>
-              <a:t>Social </a:t>
-            </a:r>
-            <a:r>
-              <a:rPr lang="en-US" dirty="0" smtClean="0"/>
-              <a:t>Interactions</a:t>
-            </a:r>
-            <a:endParaRPr lang="en-US" dirty="0" smtClean="0"/>
-          </a:p>
-          <a:p>
-            <a:pPr marL="342900" indent="-342900">
-              <a:buFont typeface="+mj-lt"/>
-              <a:buAutoNum type="arabicPeriod"/>
-            </a:pPr>
-            <a:r>
-              <a:rPr lang="en-US" dirty="0" smtClean="0"/>
-              <a:t>Search and </a:t>
-            </a:r>
-            <a:r>
-              <a:rPr lang="en-US" dirty="0" smtClean="0"/>
-              <a:t>Filtering</a:t>
-            </a:r>
-            <a:endParaRPr lang="en-US" dirty="0" smtClean="0"/>
-          </a:p>
-          <a:p>
-            <a:pPr marL="342900" indent="-342900">
-              <a:buFont typeface="+mj-lt"/>
-              <a:buAutoNum type="arabicPeriod"/>
-            </a:pPr>
-            <a:r>
-              <a:rPr lang="en-US" dirty="0" smtClean="0"/>
-              <a:t>Analytics and </a:t>
-            </a:r>
-            <a:r>
-              <a:rPr lang="en-US" dirty="0" smtClean="0"/>
-              <a:t>Insights</a:t>
-            </a:r>
-            <a:endParaRPr lang="en-US" dirty="0" smtClean="0"/>
-          </a:p>
-          <a:p>
-            <a:pPr marL="342900" indent="-342900">
-              <a:buFont typeface="+mj-lt"/>
-              <a:buAutoNum type="arabicPeriod"/>
-            </a:pPr>
-            <a:r>
-              <a:rPr lang="en-US" dirty="0" smtClean="0"/>
-              <a:t>Payment </a:t>
-            </a:r>
-            <a:r>
-              <a:rPr lang="en-US" dirty="0" smtClean="0"/>
-              <a:t>Processing</a:t>
-            </a:r>
-            <a:endParaRPr lang="en-US" dirty="0" smtClean="0"/>
-          </a:p>
-          <a:p>
-            <a:pPr marL="342900" indent="-342900">
-              <a:buFont typeface="+mj-lt"/>
-              <a:buAutoNum type="arabicPeriod"/>
-            </a:pPr>
-            <a:r>
-              <a:rPr lang="en-US" dirty="0" smtClean="0"/>
-              <a:t>Data Security and </a:t>
-            </a:r>
-            <a:r>
-              <a:rPr lang="en-US" dirty="0" smtClean="0"/>
-              <a:t>Privacy</a:t>
-            </a:r>
-            <a:endParaRPr lang="en-US" dirty="0" smtClean="0"/>
-          </a:p>
-          <a:p>
-            <a:pPr marL="342900" indent="-342900">
-              <a:buFont typeface="+mj-lt"/>
-              <a:buAutoNum type="arabicPeriod"/>
-            </a:pPr>
-            <a:r>
-              <a:rPr lang="en-US" dirty="0" smtClean="0"/>
-              <a:t>Feedback and </a:t>
-            </a:r>
-            <a:r>
-              <a:rPr lang="en-US" dirty="0" smtClean="0"/>
-              <a:t>Support</a:t>
-            </a:r>
-            <a:endParaRPr lang="en-US" dirty="0" smtClean="0"/>
-          </a:p>
-          <a:p>
-            <a:pPr marL="342900" indent="-342900">
-              <a:buFont typeface="+mj-lt"/>
-              <a:buAutoNum type="arabicPeriod"/>
-            </a:pPr>
-            <a:r>
-              <a:rPr lang="en-US" dirty="0" smtClean="0"/>
-              <a:t>Localization and </a:t>
-            </a:r>
-            <a:r>
-              <a:rPr lang="en-US" dirty="0" smtClean="0"/>
-              <a:t>Internationalization</a:t>
-            </a:r>
-            <a:endParaRPr lang="en-US" dirty="0" smtClean="0"/>
-          </a:p>
-          <a:p>
-            <a:pPr marL="342900" indent="-342900">
-              <a:buFont typeface="+mj-lt"/>
-              <a:buAutoNum type="arabicPeriod"/>
-            </a:pPr>
-            <a:r>
-              <a:rPr lang="en-US" dirty="0" smtClean="0"/>
-              <a:t>Integration with Third-Party </a:t>
-            </a:r>
-            <a:r>
-              <a:rPr lang="en-US" dirty="0" smtClean="0"/>
-              <a:t>Services</a:t>
-            </a:r>
-            <a:endParaRPr lang="en-US" dirty="0" smtClean="0"/>
-          </a:p>
-          <a:p>
-            <a:pPr marL="342900" indent="-342900">
-              <a:buFont typeface="+mj-lt"/>
-              <a:buAutoNum type="arabicPeriod"/>
-            </a:pPr>
-            <a:r>
-              <a:rPr lang="en-US" dirty="0" smtClean="0"/>
-              <a:t>Customization and </a:t>
-            </a:r>
-            <a:r>
-              <a:rPr lang="en-US" dirty="0" smtClean="0"/>
-              <a:t>Personalization</a:t>
-            </a:r>
-            <a:endParaRPr lang="en-US" dirty="0" smtClean="0"/>
-          </a:p>
-          <a:p>
-            <a:pPr marL="342900" indent="-342900">
-              <a:buFont typeface="+mj-lt"/>
-              <a:buAutoNum type="arabicPeriod"/>
-            </a:pPr>
-            <a:r>
-              <a:rPr lang="en-US" dirty="0" smtClean="0"/>
+              <a:rPr lang="en-US" dirty="0"/>
+              <a:t>User Authentication</a:t>
+            </a:r>
+          </a:p>
+          <a:p>
+            <a:pPr marL="342900" indent="-342900">
+              <a:buFont typeface="+mj-lt"/>
+              <a:buAutoNum type="arabicPeriod"/>
+            </a:pPr>
+            <a:r>
+              <a:rPr lang="en-US" dirty="0"/>
+              <a:t>User Profile Management</a:t>
+            </a:r>
+          </a:p>
+          <a:p>
+            <a:pPr marL="342900" indent="-342900">
+              <a:buFont typeface="+mj-lt"/>
+              <a:buAutoNum type="arabicPeriod"/>
+            </a:pPr>
+            <a:r>
+              <a:rPr lang="en-US" dirty="0"/>
+              <a:t>Authorization and Permissions</a:t>
+            </a:r>
+          </a:p>
+          <a:p>
+            <a:pPr marL="342900" indent="-342900">
+              <a:buFont typeface="+mj-lt"/>
+              <a:buAutoNum type="arabicPeriod"/>
+            </a:pPr>
+            <a:r>
+              <a:rPr lang="en-US" dirty="0"/>
+              <a:t>Content Creation and Management</a:t>
+            </a:r>
+          </a:p>
+          <a:p>
+            <a:pPr marL="342900" indent="-342900">
+              <a:buFont typeface="+mj-lt"/>
+              <a:buAutoNum type="arabicPeriod"/>
+            </a:pPr>
+            <a:r>
+              <a:rPr lang="en-US" dirty="0"/>
+              <a:t>Social Interactions</a:t>
+            </a:r>
+          </a:p>
+          <a:p>
+            <a:pPr marL="342900" indent="-342900">
+              <a:buFont typeface="+mj-lt"/>
+              <a:buAutoNum type="arabicPeriod"/>
+            </a:pPr>
+            <a:r>
+              <a:rPr lang="en-US" dirty="0"/>
+              <a:t>Search and Filtering</a:t>
+            </a:r>
+          </a:p>
+          <a:p>
+            <a:pPr marL="342900" indent="-342900">
+              <a:buFont typeface="+mj-lt"/>
+              <a:buAutoNum type="arabicPeriod"/>
+            </a:pPr>
+            <a:r>
+              <a:rPr lang="en-US" dirty="0"/>
+              <a:t>Analytics and Insights</a:t>
+            </a:r>
+          </a:p>
+          <a:p>
+            <a:pPr marL="342900" indent="-342900">
+              <a:buFont typeface="+mj-lt"/>
+              <a:buAutoNum type="arabicPeriod"/>
+            </a:pPr>
+            <a:r>
+              <a:rPr lang="en-US" dirty="0"/>
+              <a:t>Payment Processing</a:t>
+            </a:r>
+          </a:p>
+          <a:p>
+            <a:pPr marL="342900" indent="-342900">
+              <a:buFont typeface="+mj-lt"/>
+              <a:buAutoNum type="arabicPeriod"/>
+            </a:pPr>
+            <a:r>
+              <a:rPr lang="en-US" dirty="0"/>
+              <a:t>Data Security and Privacy</a:t>
+            </a:r>
+          </a:p>
+          <a:p>
+            <a:pPr marL="342900" indent="-342900">
+              <a:buFont typeface="+mj-lt"/>
+              <a:buAutoNum type="arabicPeriod"/>
+            </a:pPr>
+            <a:r>
+              <a:rPr lang="en-US" dirty="0"/>
+              <a:t>Feedback and Support</a:t>
+            </a:r>
+          </a:p>
+          <a:p>
+            <a:pPr marL="342900" indent="-342900">
+              <a:buFont typeface="+mj-lt"/>
+              <a:buAutoNum type="arabicPeriod"/>
+            </a:pPr>
+            <a:r>
+              <a:rPr lang="en-US" dirty="0"/>
+              <a:t>Localization and Internationalization</a:t>
+            </a:r>
+          </a:p>
+          <a:p>
+            <a:pPr marL="342900" indent="-342900">
+              <a:buFont typeface="+mj-lt"/>
+              <a:buAutoNum type="arabicPeriod"/>
+            </a:pPr>
+            <a:r>
+              <a:rPr lang="en-US" dirty="0"/>
+              <a:t>Integration with Third-Party Services</a:t>
+            </a:r>
+          </a:p>
+          <a:p>
+            <a:pPr marL="342900" indent="-342900">
+              <a:buFont typeface="+mj-lt"/>
+              <a:buAutoNum type="arabicPeriod"/>
+            </a:pPr>
+            <a:r>
+              <a:rPr lang="en-US" dirty="0"/>
+              <a:t>Customization and Personalization</a:t>
+            </a:r>
+          </a:p>
+          <a:p>
+            <a:pPr marL="342900" indent="-342900">
+              <a:buFont typeface="+mj-lt"/>
+              <a:buAutoNum type="arabicPeriod"/>
+            </a:pPr>
+            <a:r>
+              <a:rPr lang="en-US" dirty="0"/>
               <a:t>Accessibility</a:t>
             </a:r>
-            <a:endParaRPr lang="en-US" dirty="0" smtClean="0"/>
-          </a:p>
-          <a:p>
-            <a:pPr marL="342900" indent="-342900">
-              <a:buFont typeface="+mj-lt"/>
-              <a:buAutoNum type="arabicPeriod"/>
-            </a:pPr>
-            <a:r>
-              <a:rPr lang="en-US" dirty="0" smtClean="0"/>
+          </a:p>
+          <a:p>
+            <a:pPr marL="342900" indent="-342900">
+              <a:buFont typeface="+mj-lt"/>
+              <a:buAutoNum type="arabicPeriod"/>
+            </a:pPr>
+            <a:r>
+              <a:rPr lang="en-US" dirty="0"/>
               <a:t>Scalability and Performance</a:t>
             </a:r>
           </a:p>
@@ -6770,13 +6178,6 @@
   <p:clrMapOvr>
     <a:masterClrMapping/>
   </p:clrMapOvr>
-  <p:timing>
-    <p:tnLst>
-      <p:par>
-        <p:cTn id="1" dur="indefinite" restart="never" nodeType="tmRoot"/>
-      </p:par>
-    </p:tnLst>
-  </p:timing>
 </p:sld>
 </file>
 
@@ -6820,10 +6221,9 @@
           <a:lstStyle/>
           <a:p>
             <a:r>
-              <a:rPr lang="en-US" b="1" i="1" u="sng" dirty="0" smtClean="0"/>
+              <a:rPr lang="en-US" b="1" i="1" u="sng" dirty="0"/>
               <a:t>IHRM</a:t>
             </a:r>
-            <a:endParaRPr lang="en-US" b="1" i="1" u="sng" dirty="0"/>
           </a:p>
         </p:txBody>
       </p:sp>
@@ -6876,14 +6276,14 @@
           <a:lstStyle/>
           <a:p>
             <a:r>
-              <a:rPr lang="en-US" sz="3200" b="1" dirty="0" smtClean="0"/>
+              <a:rPr lang="en-US" sz="3200" b="1" dirty="0"/>
               <a:t>Manager </a:t>
             </a:r>
             <a:r>
-              <a:rPr lang="en-US" sz="3200" b="1" dirty="0" err="1" smtClean="0"/>
+              <a:rPr lang="en-US" sz="3200" b="1" dirty="0" err="1"/>
               <a:t>DashBoard</a:t>
             </a:r>
-            <a:endParaRPr lang="en-US" sz="3200" b="1" dirty="0" smtClean="0"/>
+            <a:endParaRPr lang="en-US" sz="3200" b="1" dirty="0"/>
           </a:p>
         </p:txBody>
       </p:sp>
@@ -6914,7 +6314,7 @@
               <a:buAutoNum type="arabicPeriod"/>
             </a:pPr>
             <a:r>
-              <a:rPr lang="en-US" sz="2800" dirty="0" smtClean="0"/>
+              <a:rPr lang="en-US" sz="2800" dirty="0"/>
               <a:t>Total project count</a:t>
             </a:r>
           </a:p>
@@ -6924,7 +6324,7 @@
               <a:buAutoNum type="arabicPeriod"/>
             </a:pPr>
             <a:r>
-              <a:rPr lang="en-US" sz="2800" dirty="0" smtClean="0"/>
+              <a:rPr lang="en-US" sz="2800" dirty="0"/>
               <a:t>Resources count</a:t>
             </a:r>
           </a:p>
@@ -6934,7 +6334,7 @@
               <a:buAutoNum type="arabicPeriod"/>
             </a:pPr>
             <a:r>
-              <a:rPr lang="en-US" sz="2800" dirty="0" smtClean="0"/>
+              <a:rPr lang="en-US" sz="2800" dirty="0"/>
               <a:t>Notification count</a:t>
             </a:r>
           </a:p>
@@ -6944,7 +6344,7 @@
               <a:buAutoNum type="arabicPeriod"/>
             </a:pPr>
             <a:r>
-              <a:rPr lang="en-US" sz="2800" dirty="0" smtClean="0"/>
+              <a:rPr lang="en-US" sz="2800" dirty="0"/>
               <a:t>On leave count</a:t>
             </a:r>
           </a:p>
@@ -6954,7 +6354,7 @@
               <a:buAutoNum type="arabicPeriod"/>
             </a:pPr>
             <a:r>
-              <a:rPr lang="en-US" sz="2800" dirty="0" smtClean="0"/>
+              <a:rPr lang="en-US" sz="2800" dirty="0"/>
               <a:t>Update Profile</a:t>
             </a:r>
           </a:p>
@@ -6964,7 +6364,7 @@
               <a:buAutoNum type="arabicPeriod"/>
             </a:pPr>
             <a:r>
-              <a:rPr lang="en-US" sz="2800" dirty="0" smtClean="0"/>
+              <a:rPr lang="en-US" sz="2800" dirty="0"/>
               <a:t>Change Password</a:t>
             </a:r>
           </a:p>
@@ -6974,7 +6374,7 @@
               <a:buAutoNum type="arabicPeriod"/>
             </a:pPr>
             <a:r>
-              <a:rPr lang="en-US" sz="2800" dirty="0" smtClean="0"/>
+              <a:rPr lang="en-US" sz="2800" dirty="0"/>
               <a:t>View Notification</a:t>
             </a:r>
           </a:p>
@@ -6985,13 +6385,6 @@
   <p:clrMapOvr>
     <a:masterClrMapping/>
   </p:clrMapOvr>
-  <p:timing>
-    <p:tnLst>
-      <p:par>
-        <p:cTn id="1" dur="indefinite" restart="never" nodeType="tmRoot"/>
-      </p:par>
-    </p:tnLst>
-  </p:timing>
 </p:sld>
 </file>
 
@@ -7035,10 +6428,9 @@
           <a:lstStyle/>
           <a:p>
             <a:r>
-              <a:rPr lang="en-US" b="1" i="1" u="sng" dirty="0" smtClean="0"/>
+              <a:rPr lang="en-US" b="1" i="1" u="sng" dirty="0"/>
               <a:t>IHRM</a:t>
             </a:r>
-            <a:endParaRPr lang="en-US" b="1" i="1" u="sng" dirty="0"/>
           </a:p>
         </p:txBody>
       </p:sp>
@@ -7091,7 +6483,7 @@
           <a:lstStyle/>
           <a:p>
             <a:r>
-              <a:rPr lang="en-US" sz="3200" b="1" dirty="0" smtClean="0"/>
+              <a:rPr lang="en-US" sz="3200" b="1" dirty="0"/>
               <a:t>Manager Email Template</a:t>
             </a:r>
           </a:p>
@@ -7124,186 +6516,137 @@
               <a:buAutoNum type="arabicPeriod"/>
             </a:pPr>
             <a:r>
-              <a:rPr lang="en-US" dirty="0" smtClean="0"/>
-              <a:t>Customization Options</a:t>
-            </a:r>
-            <a:r>
-              <a:rPr lang="en-US" dirty="0" smtClean="0"/>
-              <a:t>:</a:t>
-            </a:r>
-            <a:endParaRPr lang="en-US" dirty="0" smtClean="0"/>
-          </a:p>
-          <a:p>
-            <a:pPr marL="342900" indent="-342900">
-              <a:buFont typeface="+mj-lt"/>
-              <a:buAutoNum type="arabicPeriod"/>
-            </a:pPr>
-            <a:r>
-              <a:rPr lang="en-US" dirty="0" smtClean="0"/>
-              <a:t>Clear Subject </a:t>
-            </a:r>
-            <a:r>
-              <a:rPr lang="en-US" dirty="0" smtClean="0"/>
-              <a:t>Line</a:t>
-            </a:r>
-            <a:endParaRPr lang="en-US" dirty="0" smtClean="0"/>
-          </a:p>
-          <a:p>
-            <a:pPr marL="342900" indent="-342900">
-              <a:buFont typeface="+mj-lt"/>
-              <a:buAutoNum type="arabicPeriod"/>
-            </a:pPr>
-            <a:r>
-              <a:rPr lang="en-US" dirty="0" smtClean="0"/>
+              <a:rPr lang="en-US" dirty="0"/>
+              <a:t>Customization Options:</a:t>
+            </a:r>
+          </a:p>
+          <a:p>
+            <a:pPr marL="342900" indent="-342900">
+              <a:buFont typeface="+mj-lt"/>
+              <a:buAutoNum type="arabicPeriod"/>
+            </a:pPr>
+            <a:r>
+              <a:rPr lang="en-US" dirty="0"/>
+              <a:t>Clear Subject Line</a:t>
+            </a:r>
+          </a:p>
+          <a:p>
+            <a:pPr marL="342900" indent="-342900">
+              <a:buFont typeface="+mj-lt"/>
+              <a:buAutoNum type="arabicPeriod"/>
+            </a:pPr>
+            <a:r>
+              <a:rPr lang="en-US" dirty="0"/>
               <a:t>Introduction</a:t>
             </a:r>
-            <a:endParaRPr lang="en-US" dirty="0" smtClean="0"/>
-          </a:p>
-          <a:p>
-            <a:pPr marL="342900" indent="-342900">
-              <a:buFont typeface="+mj-lt"/>
-              <a:buAutoNum type="arabicPeriod"/>
-            </a:pPr>
-            <a:r>
-              <a:rPr lang="en-US" dirty="0" smtClean="0"/>
-              <a:t>Body </a:t>
-            </a:r>
-            <a:r>
-              <a:rPr lang="en-US" dirty="0" smtClean="0"/>
-              <a:t>Content</a:t>
-            </a:r>
-            <a:endParaRPr lang="en-US" dirty="0" smtClean="0"/>
-          </a:p>
-          <a:p>
-            <a:pPr marL="342900" indent="-342900">
-              <a:buFont typeface="+mj-lt"/>
-              <a:buAutoNum type="arabicPeriod"/>
-            </a:pPr>
-            <a:r>
-              <a:rPr lang="en-US" dirty="0" smtClean="0"/>
-              <a:t>Bullet Points or Numbered </a:t>
-            </a:r>
-            <a:r>
-              <a:rPr lang="en-US" dirty="0" smtClean="0"/>
-              <a:t>Lists</a:t>
-            </a:r>
-            <a:endParaRPr lang="en-US" dirty="0" smtClean="0"/>
-          </a:p>
-          <a:p>
-            <a:pPr marL="342900" indent="-342900">
-              <a:buFont typeface="+mj-lt"/>
-              <a:buAutoNum type="arabicPeriod"/>
-            </a:pPr>
-            <a:r>
-              <a:rPr lang="en-US" dirty="0" smtClean="0"/>
-              <a:t>Action </a:t>
-            </a:r>
-            <a:r>
-              <a:rPr lang="en-US" dirty="0" smtClean="0"/>
-              <a:t>Items</a:t>
-            </a:r>
-            <a:endParaRPr lang="en-US" dirty="0" smtClean="0"/>
-          </a:p>
-          <a:p>
-            <a:pPr marL="342900" indent="-342900">
-              <a:buFont typeface="+mj-lt"/>
-              <a:buAutoNum type="arabicPeriod"/>
-            </a:pPr>
-            <a:r>
-              <a:rPr lang="en-US" dirty="0" smtClean="0"/>
-              <a:t>Call to </a:t>
-            </a:r>
-            <a:r>
-              <a:rPr lang="en-US" dirty="0" smtClean="0"/>
-              <a:t>Action</a:t>
-            </a:r>
-            <a:endParaRPr lang="en-US" dirty="0" smtClean="0"/>
-          </a:p>
-          <a:p>
-            <a:pPr marL="342900" indent="-342900">
-              <a:buFont typeface="+mj-lt"/>
-              <a:buAutoNum type="arabicPeriod"/>
-            </a:pPr>
-            <a:r>
-              <a:rPr lang="en-US" dirty="0" smtClean="0"/>
+          </a:p>
+          <a:p>
+            <a:pPr marL="342900" indent="-342900">
+              <a:buFont typeface="+mj-lt"/>
+              <a:buAutoNum type="arabicPeriod"/>
+            </a:pPr>
+            <a:r>
+              <a:rPr lang="en-US" dirty="0"/>
+              <a:t>Body Content</a:t>
+            </a:r>
+          </a:p>
+          <a:p>
+            <a:pPr marL="342900" indent="-342900">
+              <a:buFont typeface="+mj-lt"/>
+              <a:buAutoNum type="arabicPeriod"/>
+            </a:pPr>
+            <a:r>
+              <a:rPr lang="en-US" dirty="0"/>
+              <a:t>Bullet Points or Numbered Lists</a:t>
+            </a:r>
+          </a:p>
+          <a:p>
+            <a:pPr marL="342900" indent="-342900">
+              <a:buFont typeface="+mj-lt"/>
+              <a:buAutoNum type="arabicPeriod"/>
+            </a:pPr>
+            <a:r>
+              <a:rPr lang="en-US" dirty="0"/>
+              <a:t>Action Items</a:t>
+            </a:r>
+          </a:p>
+          <a:p>
+            <a:pPr marL="342900" indent="-342900">
+              <a:buFont typeface="+mj-lt"/>
+              <a:buAutoNum type="arabicPeriod"/>
+            </a:pPr>
+            <a:r>
+              <a:rPr lang="en-US" dirty="0"/>
+              <a:t>Call to Action</a:t>
+            </a:r>
+          </a:p>
+          <a:p>
+            <a:pPr marL="342900" indent="-342900">
+              <a:buFont typeface="+mj-lt"/>
+              <a:buAutoNum type="arabicPeriod"/>
+            </a:pPr>
+            <a:r>
+              <a:rPr lang="en-US" dirty="0"/>
               <a:t>Closing</a:t>
             </a:r>
-            <a:endParaRPr lang="en-US" dirty="0" smtClean="0"/>
-          </a:p>
-          <a:p>
-            <a:pPr marL="342900" indent="-342900">
-              <a:buFont typeface="+mj-lt"/>
-              <a:buAutoNum type="arabicPeriod"/>
-            </a:pPr>
-            <a:r>
-              <a:rPr lang="en-US" dirty="0" smtClean="0"/>
+          </a:p>
+          <a:p>
+            <a:pPr marL="342900" indent="-342900">
+              <a:buFont typeface="+mj-lt"/>
+              <a:buAutoNum type="arabicPeriod"/>
+            </a:pPr>
+            <a:r>
+              <a:rPr lang="en-US" dirty="0"/>
               <a:t>Attachments</a:t>
             </a:r>
-            <a:endParaRPr lang="en-US" dirty="0" smtClean="0"/>
-          </a:p>
-          <a:p>
-            <a:pPr marL="342900" indent="-342900">
-              <a:buFont typeface="+mj-lt"/>
-              <a:buAutoNum type="arabicPeriod"/>
-            </a:pPr>
-            <a:r>
-              <a:rPr lang="en-US" dirty="0" smtClean="0"/>
+          </a:p>
+          <a:p>
+            <a:pPr marL="342900" indent="-342900">
+              <a:buFont typeface="+mj-lt"/>
+              <a:buAutoNum type="arabicPeriod"/>
+            </a:pPr>
+            <a:r>
+              <a:rPr lang="en-US" dirty="0"/>
               <a:t>Signature</a:t>
             </a:r>
-            <a:endParaRPr lang="en-US" dirty="0" smtClean="0"/>
-          </a:p>
-          <a:p>
-            <a:pPr marL="342900" indent="-342900">
-              <a:buFont typeface="+mj-lt"/>
-              <a:buAutoNum type="arabicPeriod"/>
-            </a:pPr>
-            <a:r>
-              <a:rPr lang="en-US" dirty="0" smtClean="0"/>
-              <a:t>Feedback </a:t>
-            </a:r>
-            <a:r>
-              <a:rPr lang="en-US" dirty="0" smtClean="0"/>
-              <a:t>Mechanism</a:t>
-            </a:r>
-            <a:endParaRPr lang="en-US" dirty="0" smtClean="0"/>
-          </a:p>
-          <a:p>
-            <a:pPr marL="342900" indent="-342900">
-              <a:buFont typeface="+mj-lt"/>
-              <a:buAutoNum type="arabicPeriod"/>
-            </a:pPr>
-            <a:r>
-              <a:rPr lang="en-US" dirty="0" smtClean="0"/>
-              <a:t>Formatting and </a:t>
-            </a:r>
-            <a:r>
-              <a:rPr lang="en-US" dirty="0" smtClean="0"/>
-              <a:t>Styling</a:t>
-            </a:r>
-            <a:endParaRPr lang="en-US" dirty="0" smtClean="0"/>
-          </a:p>
-          <a:p>
-            <a:pPr marL="342900" indent="-342900">
-              <a:buFont typeface="+mj-lt"/>
-              <a:buAutoNum type="arabicPeriod"/>
-            </a:pPr>
-            <a:r>
-              <a:rPr lang="en-US" dirty="0" smtClean="0"/>
-              <a:t>Mobile </a:t>
-            </a:r>
-            <a:r>
-              <a:rPr lang="en-US" dirty="0" smtClean="0"/>
-              <a:t>Optimization</a:t>
-            </a:r>
-            <a:endParaRPr lang="en-US" dirty="0" smtClean="0"/>
-          </a:p>
-          <a:p>
-            <a:pPr marL="342900" indent="-342900">
-              <a:buFont typeface="+mj-lt"/>
-              <a:buAutoNum type="arabicPeriod"/>
-            </a:pPr>
-            <a:r>
-              <a:rPr lang="en-US" dirty="0" smtClean="0"/>
+          </a:p>
+          <a:p>
+            <a:pPr marL="342900" indent="-342900">
+              <a:buFont typeface="+mj-lt"/>
+              <a:buAutoNum type="arabicPeriod"/>
+            </a:pPr>
+            <a:r>
+              <a:rPr lang="en-US" dirty="0"/>
+              <a:t>Feedback Mechanism</a:t>
+            </a:r>
+          </a:p>
+          <a:p>
+            <a:pPr marL="342900" indent="-342900">
+              <a:buFont typeface="+mj-lt"/>
+              <a:buAutoNum type="arabicPeriod"/>
+            </a:pPr>
+            <a:r>
+              <a:rPr lang="en-US" dirty="0"/>
+              <a:t>Formatting and Styling</a:t>
+            </a:r>
+          </a:p>
+          <a:p>
+            <a:pPr marL="342900" indent="-342900">
+              <a:buFont typeface="+mj-lt"/>
+              <a:buAutoNum type="arabicPeriod"/>
+            </a:pPr>
+            <a:r>
+              <a:rPr lang="en-US" dirty="0"/>
+              <a:t>Mobile Optimization</a:t>
+            </a:r>
+          </a:p>
+          <a:p>
+            <a:pPr marL="342900" indent="-342900">
+              <a:buFont typeface="+mj-lt"/>
+              <a:buAutoNum type="arabicPeriod"/>
+            </a:pPr>
+            <a:r>
+              <a:rPr lang="en-US" dirty="0"/>
               <a:t>Approval Process</a:t>
             </a:r>
           </a:p>
@@ -7317,13 +6660,6 @@
   <p:clrMapOvr>
     <a:masterClrMapping/>
   </p:clrMapOvr>
-  <p:timing>
-    <p:tnLst>
-      <p:par>
-        <p:cTn id="1" dur="indefinite" restart="never" nodeType="tmRoot"/>
-      </p:par>
-    </p:tnLst>
-  </p:timing>
 </p:sld>
 </file>
 
@@ -7367,10 +6703,9 @@
           <a:lstStyle/>
           <a:p>
             <a:r>
-              <a:rPr lang="en-US" b="1" i="1" u="sng" dirty="0" smtClean="0"/>
+              <a:rPr lang="en-US" b="1" i="1" u="sng" dirty="0"/>
               <a:t>IHRM</a:t>
             </a:r>
-            <a:endParaRPr lang="en-US" b="1" i="1" u="sng" dirty="0"/>
           </a:p>
         </p:txBody>
       </p:sp>
@@ -7423,7 +6758,7 @@
           <a:lstStyle/>
           <a:p>
             <a:r>
-              <a:rPr lang="en-US" sz="3200" b="1" dirty="0" smtClean="0"/>
+              <a:rPr lang="en-US" sz="3200" b="1" dirty="0"/>
               <a:t>User Email Template</a:t>
             </a:r>
           </a:p>
@@ -7434,13 +6769,6 @@
   <p:clrMapOvr>
     <a:masterClrMapping/>
   </p:clrMapOvr>
-  <p:timing>
-    <p:tnLst>
-      <p:par>
-        <p:cTn id="1" dur="indefinite" restart="never" nodeType="tmRoot"/>
-      </p:par>
-    </p:tnLst>
-  </p:timing>
 </p:sld>
 </file>
 
@@ -7484,10 +6812,9 @@
           <a:lstStyle/>
           <a:p>
             <a:r>
-              <a:rPr lang="en-US" b="1" i="1" u="sng" dirty="0" smtClean="0"/>
+              <a:rPr lang="en-US" b="1" i="1" u="sng" dirty="0"/>
               <a:t>IHRM</a:t>
             </a:r>
-            <a:endParaRPr lang="en-US" b="1" i="1" u="sng" dirty="0"/>
           </a:p>
         </p:txBody>
       </p:sp>
@@ -7540,7 +6867,7 @@
           <a:lstStyle/>
           <a:p>
             <a:r>
-              <a:rPr lang="en-US" sz="3200" b="1" dirty="0" smtClean="0"/>
+              <a:rPr lang="en-US" sz="3200" b="1" dirty="0"/>
               <a:t>Manager Resource Allocate</a:t>
             </a:r>
           </a:p>
@@ -7572,21 +6899,17 @@
               <a:buAutoNum type="arabicPeriod"/>
             </a:pPr>
             <a:r>
-              <a:rPr lang="en-US" dirty="0" smtClean="0"/>
-              <a:t>Reporting and </a:t>
-            </a:r>
-            <a:r>
-              <a:rPr lang="en-US" dirty="0" smtClean="0"/>
-              <a:t>Analytics</a:t>
-            </a:r>
-          </a:p>
-          <a:p>
-            <a:pPr marL="342900" indent="-342900">
-              <a:buFont typeface="+mj-lt"/>
-              <a:buAutoNum type="arabicPeriod"/>
-            </a:pPr>
-            <a:r>
-              <a:rPr lang="en-US" dirty="0" smtClean="0"/>
+              <a:rPr lang="en-US" dirty="0"/>
+              <a:t>Reporting and Analytics</a:t>
+            </a:r>
+          </a:p>
+          <a:p>
+            <a:pPr marL="342900" indent="-342900">
+              <a:buFont typeface="+mj-lt"/>
+              <a:buAutoNum type="arabicPeriod"/>
+            </a:pPr>
+            <a:r>
+              <a:rPr lang="en-US" dirty="0"/>
               <a:t>Skill Matching</a:t>
             </a:r>
           </a:p>
@@ -7596,7 +6919,7 @@
               <a:buAutoNum type="arabicPeriod"/>
             </a:pPr>
             <a:r>
-              <a:rPr lang="en-US" dirty="0" smtClean="0"/>
+              <a:rPr lang="en-US" dirty="0"/>
               <a:t>Communication Tools</a:t>
             </a:r>
           </a:p>
@@ -7606,14 +6929,9 @@
               <a:buAutoNum type="arabicPeriod"/>
             </a:pPr>
             <a:r>
-              <a:rPr lang="en-US" dirty="0" smtClean="0"/>
-              <a:t>Time </a:t>
-            </a:r>
-            <a:r>
-              <a:rPr lang="en-US" dirty="0" smtClean="0"/>
-              <a:t>Tracking</a:t>
-            </a:r>
-            <a:endParaRPr lang="en-US" dirty="0"/>
+              <a:rPr lang="en-US" dirty="0"/>
+              <a:t>Time Tracking</a:t>
+            </a:r>
           </a:p>
         </p:txBody>
       </p:sp>
@@ -7622,13 +6940,6 @@
   <p:clrMapOvr>
     <a:masterClrMapping/>
   </p:clrMapOvr>
-  <p:timing>
-    <p:tnLst>
-      <p:par>
-        <p:cTn id="1" dur="indefinite" restart="never" nodeType="tmRoot"/>
-      </p:par>
-    </p:tnLst>
-  </p:timing>
 </p:sld>
 </file>
 
@@ -7672,10 +6983,9 @@
           <a:lstStyle/>
           <a:p>
             <a:r>
-              <a:rPr lang="en-US" b="1" i="1" u="sng" dirty="0" smtClean="0"/>
+              <a:rPr lang="en-US" b="1" i="1" u="sng" dirty="0"/>
               <a:t>IHRM</a:t>
             </a:r>
-            <a:endParaRPr lang="en-US" b="1" i="1" u="sng" dirty="0"/>
           </a:p>
         </p:txBody>
       </p:sp>
@@ -7728,14 +7038,14 @@
           <a:lstStyle/>
           <a:p>
             <a:r>
-              <a:rPr lang="en-US" sz="3200" b="1" dirty="0" smtClean="0"/>
+              <a:rPr lang="en-US" sz="3200" b="1" dirty="0"/>
               <a:t>User </a:t>
             </a:r>
             <a:r>
-              <a:rPr lang="en-US" sz="3200" b="1" dirty="0" err="1" smtClean="0"/>
+              <a:rPr lang="en-US" sz="3200" b="1" dirty="0" err="1"/>
               <a:t>DashBoard</a:t>
             </a:r>
-            <a:endParaRPr lang="en-US" sz="3200" b="1" dirty="0" smtClean="0"/>
+            <a:endParaRPr lang="en-US" sz="3200" b="1" dirty="0"/>
           </a:p>
         </p:txBody>
       </p:sp>
@@ -7766,7 +7076,7 @@
               <a:buAutoNum type="arabicPeriod"/>
             </a:pPr>
             <a:r>
-              <a:rPr lang="en-US" sz="2800" dirty="0" smtClean="0"/>
+              <a:rPr lang="en-US" sz="2800" dirty="0"/>
               <a:t>Total my project count</a:t>
             </a:r>
           </a:p>
@@ -7776,7 +7086,7 @@
               <a:buAutoNum type="arabicPeriod"/>
             </a:pPr>
             <a:r>
-              <a:rPr lang="en-US" sz="2800" dirty="0" smtClean="0"/>
+              <a:rPr lang="en-US" sz="2800" dirty="0"/>
               <a:t>Leave Details</a:t>
             </a:r>
           </a:p>
@@ -7786,7 +7096,7 @@
               <a:buAutoNum type="arabicPeriod"/>
             </a:pPr>
             <a:r>
-              <a:rPr lang="en-US" sz="2800" dirty="0" smtClean="0"/>
+              <a:rPr lang="en-US" sz="2800" dirty="0"/>
               <a:t>Update Profile</a:t>
             </a:r>
           </a:p>
@@ -7796,7 +7106,7 @@
               <a:buAutoNum type="arabicPeriod"/>
             </a:pPr>
             <a:r>
-              <a:rPr lang="en-US" sz="2800" dirty="0" smtClean="0"/>
+              <a:rPr lang="en-US" sz="2800" dirty="0"/>
               <a:t>Change Password</a:t>
             </a:r>
           </a:p>
@@ -7806,7 +7116,7 @@
               <a:buAutoNum type="arabicPeriod"/>
             </a:pPr>
             <a:r>
-              <a:rPr lang="en-US" sz="2800" dirty="0" smtClean="0"/>
+              <a:rPr lang="en-US" sz="2800" dirty="0"/>
               <a:t>View Notification</a:t>
             </a:r>
           </a:p>
@@ -7817,13 +7127,6 @@
   <p:clrMapOvr>
     <a:masterClrMapping/>
   </p:clrMapOvr>
-  <p:timing>
-    <p:tnLst>
-      <p:par>
-        <p:cTn id="1" dur="indefinite" restart="never" nodeType="tmRoot"/>
-      </p:par>
-    </p:tnLst>
-  </p:timing>
 </p:sld>
 </file>
 
@@ -7867,10 +7170,9 @@
           <a:lstStyle/>
           <a:p>
             <a:r>
-              <a:rPr lang="en-US" b="1" i="1" u="sng" dirty="0" smtClean="0"/>
+              <a:rPr lang="en-US" b="1" i="1" u="sng" dirty="0"/>
               <a:t>IHRM</a:t>
             </a:r>
-            <a:endParaRPr lang="en-US" b="1" i="1" u="sng" dirty="0"/>
           </a:p>
         </p:txBody>
       </p:sp>
@@ -7923,7 +7225,7 @@
           <a:lstStyle/>
           <a:p>
             <a:r>
-              <a:rPr lang="en-US" sz="3200" b="1" dirty="0" smtClean="0"/>
+              <a:rPr lang="en-US" sz="3200" b="1" dirty="0"/>
               <a:t>Manager Projects </a:t>
             </a:r>
           </a:p>
@@ -7982,7 +7284,7 @@
               <a:buAutoNum type="arabicPeriod"/>
             </a:pPr>
             <a:r>
-              <a:rPr lang="en-US" dirty="0" smtClean="0"/>
+              <a:rPr lang="en-US" dirty="0"/>
               <a:t>List of projects</a:t>
             </a:r>
           </a:p>
@@ -7992,7 +7294,7 @@
               <a:buAutoNum type="arabicPeriod"/>
             </a:pPr>
             <a:r>
-              <a:rPr lang="en-US" dirty="0" smtClean="0"/>
+              <a:rPr lang="en-US" dirty="0"/>
               <a:t>On click individual project</a:t>
             </a:r>
           </a:p>
@@ -8002,7 +7304,7 @@
               <a:buChar char="•"/>
             </a:pPr>
             <a:r>
-              <a:rPr lang="en-US" dirty="0" smtClean="0"/>
+              <a:rPr lang="en-US" dirty="0"/>
               <a:t>Tree structure</a:t>
             </a:r>
           </a:p>
@@ -8012,8 +7314,50 @@
               <a:buChar char="•"/>
             </a:pPr>
             <a:r>
-              <a:rPr lang="en-US" dirty="0" smtClean="0"/>
+              <a:rPr lang="en-US" dirty="0"/>
               <a:t>Table view</a:t>
+            </a:r>
+          </a:p>
+        </p:txBody>
+      </p:sp>
+      <p:sp>
+        <p:nvSpPr>
+          <p:cNvPr id="4" name="TextBox 3">
+            <a:extLst>
+              <a:ext uri="{FF2B5EF4-FFF2-40B4-BE49-F238E27FC236}">
+                <a16:creationId xmlns:a16="http://schemas.microsoft.com/office/drawing/2014/main" id="{138AB143-C81F-844B-CB3F-AA97840067FB}"/>
+              </a:ext>
+            </a:extLst>
+          </p:cNvPr>
+          <p:cNvSpPr txBox="1"/>
+          <p:nvPr/>
+        </p:nvSpPr>
+        <p:spPr>
+          <a:xfrm>
+            <a:off x="5562600" y="1211857"/>
+            <a:ext cx="3124200" cy="646331"/>
+          </a:xfrm>
+          <a:prstGeom prst="rect">
+            <a:avLst/>
+          </a:prstGeom>
+          <a:noFill/>
+        </p:spPr>
+        <p:txBody>
+          <a:bodyPr wrap="square" rtlCol="0">
+            <a:spAutoFit/>
+          </a:bodyPr>
+          <a:lstStyle/>
+          <a:p>
+            <a:r>
+              <a:rPr lang="en-US" dirty="0"/>
+              <a:t>Note</a:t>
+            </a:r>
+            <a:br>
+              <a:rPr lang="en-US" dirty="0"/>
+            </a:br>
+            <a:r>
+              <a:rPr lang="en-US" dirty="0"/>
+              <a:t>1.Add priority for each task</a:t>
             </a:r>
           </a:p>
         </p:txBody>
@@ -8023,13 +7367,6 @@
   <p:clrMapOvr>
     <a:masterClrMapping/>
   </p:clrMapOvr>
-  <p:timing>
-    <p:tnLst>
-      <p:par>
-        <p:cTn id="1" dur="indefinite" restart="never" nodeType="tmRoot"/>
-      </p:par>
-    </p:tnLst>
-  </p:timing>
 </p:sld>
 </file>
 
@@ -8073,10 +7410,9 @@
           <a:lstStyle/>
           <a:p>
             <a:r>
-              <a:rPr lang="en-US" b="1" i="1" u="sng" dirty="0" smtClean="0"/>
+              <a:rPr lang="en-US" b="1" i="1" u="sng" dirty="0"/>
               <a:t>IHRM</a:t>
             </a:r>
-            <a:endParaRPr lang="en-US" b="1" i="1" u="sng" dirty="0"/>
           </a:p>
         </p:txBody>
       </p:sp>
@@ -8129,7 +7465,7 @@
           <a:lstStyle/>
           <a:p>
             <a:r>
-              <a:rPr lang="en-US" sz="3200" b="1" dirty="0" smtClean="0"/>
+              <a:rPr lang="en-US" sz="3200" b="1" dirty="0"/>
               <a:t>User Projects </a:t>
             </a:r>
           </a:p>
@@ -8161,7 +7497,7 @@
               <a:buAutoNum type="arabicPeriod"/>
             </a:pPr>
             <a:r>
-              <a:rPr lang="en-US" dirty="0" smtClean="0"/>
+              <a:rPr lang="en-US" dirty="0"/>
               <a:t>List of my projects</a:t>
             </a:r>
           </a:p>
@@ -8171,7 +7507,7 @@
               <a:buAutoNum type="arabicPeriod"/>
             </a:pPr>
             <a:r>
-              <a:rPr lang="en-US" dirty="0" smtClean="0"/>
+              <a:rPr lang="en-US" dirty="0"/>
               <a:t>On click individual project</a:t>
             </a:r>
           </a:p>
@@ -8181,7 +7517,7 @@
               <a:buChar char="•"/>
             </a:pPr>
             <a:r>
-              <a:rPr lang="en-US" dirty="0" smtClean="0"/>
+              <a:rPr lang="en-US" dirty="0"/>
               <a:t>Tree structure</a:t>
             </a:r>
           </a:p>
@@ -8191,7 +7527,7 @@
               <a:buChar char="•"/>
             </a:pPr>
             <a:r>
-              <a:rPr lang="en-US" dirty="0" smtClean="0"/>
+              <a:rPr lang="en-US" dirty="0"/>
               <a:t>Table view</a:t>
             </a:r>
           </a:p>
@@ -8246,10 +7582,9 @@
           <a:lstStyle/>
           <a:p>
             <a:r>
-              <a:rPr lang="en-US" dirty="0" smtClean="0"/>
+              <a:rPr lang="en-US" dirty="0"/>
               <a:t>Involved in projects are not required for user</a:t>
             </a:r>
-            <a:endParaRPr lang="en-US" dirty="0"/>
           </a:p>
         </p:txBody>
       </p:sp>
@@ -8258,13 +7593,6 @@
   <p:clrMapOvr>
     <a:masterClrMapping/>
   </p:clrMapOvr>
-  <p:timing>
-    <p:tnLst>
-      <p:par>
-        <p:cTn id="1" dur="indefinite" restart="never" nodeType="tmRoot"/>
-      </p:par>
-    </p:tnLst>
-  </p:timing>
 </p:sld>
 </file>
 
@@ -8308,10 +7636,9 @@
           <a:lstStyle/>
           <a:p>
             <a:r>
-              <a:rPr lang="en-US" b="1" i="1" u="sng" dirty="0" smtClean="0"/>
+              <a:rPr lang="en-US" b="1" i="1" u="sng" dirty="0"/>
               <a:t>IHRM</a:t>
             </a:r>
-            <a:endParaRPr lang="en-US" b="1" i="1" u="sng" dirty="0"/>
           </a:p>
         </p:txBody>
       </p:sp>
@@ -8364,7 +7691,7 @@
           <a:lstStyle/>
           <a:p>
             <a:r>
-              <a:rPr lang="en-US" sz="3200" b="1" dirty="0" smtClean="0"/>
+              <a:rPr lang="en-US" sz="3200" b="1" dirty="0"/>
               <a:t>Manager Resource</a:t>
             </a:r>
           </a:p>
@@ -8397,7 +7724,7 @@
               <a:buAutoNum type="arabicPeriod"/>
             </a:pPr>
             <a:r>
-              <a:rPr lang="en-US" dirty="0" smtClean="0"/>
+              <a:rPr lang="en-US" dirty="0"/>
               <a:t>List of Resources</a:t>
             </a:r>
           </a:p>
@@ -8407,7 +7734,7 @@
               <a:buAutoNum type="arabicPeriod"/>
             </a:pPr>
             <a:r>
-              <a:rPr lang="en-US" dirty="0" smtClean="0"/>
+              <a:rPr lang="en-US" dirty="0"/>
               <a:t>On click Resource Details</a:t>
             </a:r>
           </a:p>
@@ -8416,14 +7743,14 @@
               <a:buFont typeface="+mj-lt"/>
               <a:buAutoNum type="arabicPeriod"/>
             </a:pPr>
-            <a:endParaRPr lang="en-US" dirty="0" smtClean="0"/>
-          </a:p>
-          <a:p>
-            <a:pPr marL="342900" indent="-342900">
-              <a:buFont typeface="+mj-lt"/>
-              <a:buAutoNum type="arabicPeriod"/>
-            </a:pPr>
-            <a:endParaRPr lang="en-US" dirty="0" smtClean="0"/>
+            <a:endParaRPr lang="en-US" dirty="0"/>
+          </a:p>
+          <a:p>
+            <a:pPr marL="342900" indent="-342900">
+              <a:buFont typeface="+mj-lt"/>
+              <a:buAutoNum type="arabicPeriod"/>
+            </a:pPr>
+            <a:endParaRPr lang="en-US" dirty="0"/>
           </a:p>
         </p:txBody>
       </p:sp>
@@ -8432,13 +7759,6 @@
   <p:clrMapOvr>
     <a:masterClrMapping/>
   </p:clrMapOvr>
-  <p:timing>
-    <p:tnLst>
-      <p:par>
-        <p:cTn id="1" dur="indefinite" restart="never" nodeType="tmRoot"/>
-      </p:par>
-    </p:tnLst>
-  </p:timing>
 </p:sld>
 </file>
 
@@ -8482,10 +7802,9 @@
           <a:lstStyle/>
           <a:p>
             <a:r>
-              <a:rPr lang="en-US" b="1" i="1" u="sng" dirty="0" smtClean="0"/>
+              <a:rPr lang="en-US" b="1" i="1" u="sng" dirty="0"/>
               <a:t>IHRM</a:t>
             </a:r>
-            <a:endParaRPr lang="en-US" b="1" i="1" u="sng" dirty="0"/>
           </a:p>
         </p:txBody>
       </p:sp>
@@ -8538,14 +7857,14 @@
           <a:lstStyle/>
           <a:p>
             <a:r>
-              <a:rPr lang="en-US" sz="3200" b="1" dirty="0" smtClean="0"/>
+              <a:rPr lang="en-US" sz="3200" b="1" dirty="0"/>
               <a:t>Manager </a:t>
             </a:r>
             <a:r>
-              <a:rPr lang="en-US" sz="3200" b="1" dirty="0" err="1" smtClean="0"/>
+              <a:rPr lang="en-US" sz="3200" b="1" dirty="0" err="1"/>
               <a:t>TimeSheet</a:t>
             </a:r>
-            <a:endParaRPr lang="en-US" sz="3200" b="1" dirty="0" smtClean="0"/>
+            <a:endParaRPr lang="en-US" sz="3200" b="1" dirty="0"/>
           </a:p>
         </p:txBody>
       </p:sp>
@@ -8576,7 +7895,7 @@
               <a:buAutoNum type="arabicPeriod"/>
             </a:pPr>
             <a:r>
-              <a:rPr lang="en-US" dirty="0" smtClean="0"/>
+              <a:rPr lang="en-US" dirty="0"/>
               <a:t>List of service teams</a:t>
             </a:r>
           </a:p>
@@ -8586,7 +7905,7 @@
               <a:buAutoNum type="arabicPeriod"/>
             </a:pPr>
             <a:r>
-              <a:rPr lang="en-US" dirty="0" smtClean="0"/>
+              <a:rPr lang="en-US" dirty="0"/>
               <a:t>On click service team details</a:t>
             </a:r>
           </a:p>
@@ -8597,13 +7916,6 @@
   <p:clrMapOvr>
     <a:masterClrMapping/>
   </p:clrMapOvr>
-  <p:timing>
-    <p:tnLst>
-      <p:par>
-        <p:cTn id="1" dur="indefinite" restart="never" nodeType="tmRoot"/>
-      </p:par>
-    </p:tnLst>
-  </p:timing>
 </p:sld>
 </file>
 
@@ -8647,10 +7959,9 @@
           <a:lstStyle/>
           <a:p>
             <a:r>
-              <a:rPr lang="en-US" b="1" i="1" u="sng" dirty="0" smtClean="0"/>
+              <a:rPr lang="en-US" b="1" i="1" u="sng" dirty="0"/>
               <a:t>IHRM</a:t>
             </a:r>
-            <a:endParaRPr lang="en-US" b="1" i="1" u="sng" dirty="0"/>
           </a:p>
         </p:txBody>
       </p:sp>
@@ -8703,14 +8014,14 @@
           <a:lstStyle/>
           <a:p>
             <a:r>
-              <a:rPr lang="en-US" sz="3200" b="1" dirty="0" smtClean="0"/>
+              <a:rPr lang="en-US" sz="3200" b="1" dirty="0"/>
               <a:t>User </a:t>
             </a:r>
             <a:r>
-              <a:rPr lang="en-US" sz="3200" b="1" dirty="0" err="1" smtClean="0"/>
+              <a:rPr lang="en-US" sz="3200" b="1" dirty="0" err="1"/>
               <a:t>TimeSheet</a:t>
             </a:r>
-            <a:endParaRPr lang="en-US" sz="3200" b="1" dirty="0" smtClean="0"/>
+            <a:endParaRPr lang="en-US" sz="3200" b="1" dirty="0"/>
           </a:p>
         </p:txBody>
       </p:sp>
@@ -8740,16 +8051,8 @@
               <a:buAutoNum type="arabicPeriod"/>
             </a:pPr>
             <a:r>
-              <a:rPr lang="en-US" dirty="0" smtClean="0"/>
-              <a:t>Update </a:t>
-            </a:r>
-            <a:r>
-              <a:rPr lang="en-US" dirty="0"/>
-              <a:t>R</a:t>
-            </a:r>
-            <a:r>
-              <a:rPr lang="en-US" dirty="0" smtClean="0"/>
-              <a:t>esource timesheet</a:t>
+              <a:rPr lang="en-US" dirty="0"/>
+              <a:t>Update Resource timesheet</a:t>
             </a:r>
           </a:p>
         </p:txBody>
@@ -8759,13 +8062,6 @@
   <p:clrMapOvr>
     <a:masterClrMapping/>
   </p:clrMapOvr>
-  <p:timing>
-    <p:tnLst>
-      <p:par>
-        <p:cTn id="1" dur="indefinite" restart="never" nodeType="tmRoot"/>
-      </p:par>
-    </p:tnLst>
-  </p:timing>
 </p:sld>
 </file>
 
@@ -8809,10 +8105,9 @@
           <a:lstStyle/>
           <a:p>
             <a:r>
-              <a:rPr lang="en-US" b="1" i="1" u="sng" dirty="0" smtClean="0"/>
+              <a:rPr lang="en-US" b="1" i="1" u="sng" dirty="0"/>
               <a:t>IHRM</a:t>
             </a:r>
-            <a:endParaRPr lang="en-US" b="1" i="1" u="sng" dirty="0"/>
           </a:p>
         </p:txBody>
       </p:sp>
@@ -8865,7 +8160,7 @@
           <a:lstStyle/>
           <a:p>
             <a:r>
-              <a:rPr lang="en-US" sz="3200" b="1" dirty="0" smtClean="0"/>
+              <a:rPr lang="en-US" sz="3200" b="1" dirty="0"/>
               <a:t>Manager Leave Management</a:t>
             </a:r>
           </a:p>
@@ -8898,7 +8193,7 @@
               <a:buAutoNum type="arabicPeriod"/>
             </a:pPr>
             <a:r>
-              <a:rPr lang="en-US" dirty="0" smtClean="0"/>
+              <a:rPr lang="en-US" dirty="0"/>
               <a:t>Approve leave/Reject leave</a:t>
             </a:r>
           </a:p>
@@ -8909,50 +8204,46 @@
             </a:pPr>
             <a:r>
               <a:rPr lang="en-US" dirty="0"/>
-              <a:t>View Leave </a:t>
-            </a:r>
-            <a:r>
-              <a:rPr lang="en-US" dirty="0" smtClean="0"/>
-              <a:t>Balances</a:t>
-            </a:r>
-          </a:p>
-          <a:p>
-            <a:pPr marL="342900" indent="-342900">
-              <a:buFont typeface="+mj-lt"/>
-              <a:buAutoNum type="arabicPeriod"/>
-            </a:pPr>
-            <a:r>
-              <a:rPr lang="en-US" dirty="0" smtClean="0"/>
+              <a:t>View Leave Balances</a:t>
+            </a:r>
+          </a:p>
+          <a:p>
+            <a:pPr marL="342900" indent="-342900">
+              <a:buFont typeface="+mj-lt"/>
+              <a:buAutoNum type="arabicPeriod"/>
+            </a:pPr>
+            <a:r>
+              <a:rPr lang="en-US" dirty="0"/>
               <a:t>Team </a:t>
             </a:r>
             <a:r>
-              <a:rPr lang="en-US" dirty="0" err="1" smtClean="0"/>
+              <a:rPr lang="en-US" dirty="0" err="1"/>
               <a:t>CalendarLeave</a:t>
             </a:r>
-            <a:endParaRPr lang="en-US" dirty="0" smtClean="0"/>
-          </a:p>
-          <a:p>
-            <a:pPr marL="342900" indent="-342900">
-              <a:buFont typeface="+mj-lt"/>
-              <a:buAutoNum type="arabicPeriod"/>
-            </a:pPr>
-            <a:r>
-              <a:rPr lang="en-US" dirty="0" smtClean="0"/>
+            <a:endParaRPr lang="en-US" dirty="0"/>
+          </a:p>
+          <a:p>
+            <a:pPr marL="342900" indent="-342900">
+              <a:buFont typeface="+mj-lt"/>
+              <a:buAutoNum type="arabicPeriod"/>
+            </a:pPr>
+            <a:r>
+              <a:rPr lang="en-US" dirty="0"/>
               <a:t>Bulk Actions[approval </a:t>
             </a:r>
             <a:r>
-              <a:rPr lang="en-US" smtClean="0"/>
+              <a:rPr lang="en-US"/>
               <a:t>or rejection]</a:t>
             </a:r>
-            <a:endParaRPr lang="en-US" dirty="0" smtClean="0"/>
-          </a:p>
-          <a:p>
-            <a:pPr marL="342900" indent="-342900">
-              <a:buFont typeface="+mj-lt"/>
-              <a:buAutoNum type="arabicPeriod"/>
-            </a:pPr>
-            <a:r>
-              <a:rPr lang="en-US" dirty="0" smtClean="0"/>
+            <a:endParaRPr lang="en-US" dirty="0"/>
+          </a:p>
+          <a:p>
+            <a:pPr marL="342900" indent="-342900">
+              <a:buFont typeface="+mj-lt"/>
+              <a:buAutoNum type="arabicPeriod"/>
+            </a:pPr>
+            <a:r>
+              <a:rPr lang="en-US" dirty="0"/>
               <a:t>Leave History</a:t>
             </a:r>
           </a:p>
@@ -8962,7 +8253,7 @@
               <a:buAutoNum type="arabicPeriod"/>
             </a:pPr>
             <a:r>
-              <a:rPr lang="en-US" dirty="0" smtClean="0"/>
+              <a:rPr lang="en-US" dirty="0"/>
               <a:t>Leave Reports</a:t>
             </a:r>
           </a:p>
@@ -8972,28 +8263,23 @@
               <a:buAutoNum type="arabicPeriod"/>
             </a:pPr>
             <a:r>
-              <a:rPr lang="en-US" dirty="0" smtClean="0"/>
-              <a:t>Leave </a:t>
-            </a:r>
-            <a:r>
-              <a:rPr lang="en-US" dirty="0" smtClean="0"/>
-              <a:t>Policies</a:t>
-            </a:r>
-            <a:endParaRPr lang="en-US" dirty="0" smtClean="0"/>
-          </a:p>
-          <a:p>
-            <a:pPr marL="342900" indent="-342900">
-              <a:buFont typeface="+mj-lt"/>
-              <a:buAutoNum type="arabicPeriod"/>
-            </a:pPr>
-            <a:endParaRPr lang="en-US" dirty="0" smtClean="0"/>
-          </a:p>
-          <a:p>
-            <a:pPr marL="342900" indent="-342900">
-              <a:buFont typeface="+mj-lt"/>
-              <a:buAutoNum type="arabicPeriod"/>
-            </a:pPr>
-            <a:endParaRPr lang="en-US" dirty="0" smtClean="0"/>
+              <a:rPr lang="en-US" dirty="0"/>
+              <a:t>Leave Policies</a:t>
+            </a:r>
+          </a:p>
+          <a:p>
+            <a:pPr marL="342900" indent="-342900">
+              <a:buFont typeface="+mj-lt"/>
+              <a:buAutoNum type="arabicPeriod"/>
+            </a:pPr>
+            <a:endParaRPr lang="en-US" dirty="0"/>
+          </a:p>
+          <a:p>
+            <a:pPr marL="342900" indent="-342900">
+              <a:buFont typeface="+mj-lt"/>
+              <a:buAutoNum type="arabicPeriod"/>
+            </a:pPr>
+            <a:endParaRPr lang="en-US" dirty="0"/>
           </a:p>
           <a:p>
             <a:pPr marL="342900" indent="-342900">
@@ -9009,13 +8295,6 @@
   <p:clrMapOvr>
     <a:masterClrMapping/>
   </p:clrMapOvr>
-  <p:timing>
-    <p:tnLst>
-      <p:par>
-        <p:cTn id="1" dur="indefinite" restart="never" nodeType="tmRoot"/>
-      </p:par>
-    </p:tnLst>
-  </p:timing>
 </p:sld>
 </file>
 

--- a/IHRM ppt.pptx
+++ b/IHRM ppt.pptx
@@ -229,7 +229,7 @@
           <a:p>
             <a:fld id="{BBF2A33D-49AB-44EE-8BF3-76D9284DA1F5}" type="datetimeFigureOut">
               <a:rPr lang="en-US" smtClean="0"/>
-              <a:t>5/14/2024</a:t>
+              <a:t>6/5/2024</a:t>
             </a:fld>
             <a:endParaRPr lang="en-US"/>
           </a:p>
@@ -672,7 +672,7 @@
           <a:p>
             <a:fld id="{676D6C8F-539E-45F2-82EF-9DA4B21A660E}" type="datetime1">
               <a:rPr lang="en-US" smtClean="0"/>
-              <a:t>5/14/2024</a:t>
+              <a:t>6/5/2024</a:t>
             </a:fld>
             <a:endParaRPr lang="en-US"/>
           </a:p>
@@ -836,7 +836,7 @@
           <a:p>
             <a:fld id="{65CD9255-8072-435B-8841-D19F039C78D7}" type="datetime1">
               <a:rPr lang="en-US" smtClean="0"/>
-              <a:t>5/14/2024</a:t>
+              <a:t>6/5/2024</a:t>
             </a:fld>
             <a:endParaRPr lang="en-US"/>
           </a:p>
@@ -1010,7 +1010,7 @@
           <a:p>
             <a:fld id="{F52B6641-BF81-4C68-B324-2027E0A993B1}" type="datetime1">
               <a:rPr lang="en-US" smtClean="0"/>
-              <a:t>5/14/2024</a:t>
+              <a:t>6/5/2024</a:t>
             </a:fld>
             <a:endParaRPr lang="en-US"/>
           </a:p>
@@ -1174,7 +1174,7 @@
           <a:p>
             <a:fld id="{415DDA16-5648-43ED-8F33-68021E1E0DD4}" type="datetime1">
               <a:rPr lang="en-US" smtClean="0"/>
-              <a:t>5/14/2024</a:t>
+              <a:t>6/5/2024</a:t>
             </a:fld>
             <a:endParaRPr lang="en-US"/>
           </a:p>
@@ -1415,7 +1415,7 @@
           <a:p>
             <a:fld id="{0E5420FC-43FE-4C26-9126-20872F97BAFF}" type="datetime1">
               <a:rPr lang="en-US" smtClean="0"/>
-              <a:t>5/14/2024</a:t>
+              <a:t>6/5/2024</a:t>
             </a:fld>
             <a:endParaRPr lang="en-US"/>
           </a:p>
@@ -1696,7 +1696,7 @@
           <a:p>
             <a:fld id="{BC711861-911F-4087-AA0D-31F51408129C}" type="datetime1">
               <a:rPr lang="en-US" smtClean="0"/>
-              <a:t>5/14/2024</a:t>
+              <a:t>6/5/2024</a:t>
             </a:fld>
             <a:endParaRPr lang="en-US"/>
           </a:p>
@@ -2111,7 +2111,7 @@
           <a:p>
             <a:fld id="{053E25BA-EDB6-400C-9FDB-90958856A554}" type="datetime1">
               <a:rPr lang="en-US" smtClean="0"/>
-              <a:t>5/14/2024</a:t>
+              <a:t>6/5/2024</a:t>
             </a:fld>
             <a:endParaRPr lang="en-US"/>
           </a:p>
@@ -2224,7 +2224,7 @@
           <a:p>
             <a:fld id="{D8433F74-86A5-4FD8-B82E-5C3082684C0B}" type="datetime1">
               <a:rPr lang="en-US" smtClean="0"/>
-              <a:t>5/14/2024</a:t>
+              <a:t>6/5/2024</a:t>
             </a:fld>
             <a:endParaRPr lang="en-US"/>
           </a:p>
@@ -2315,7 +2315,7 @@
           <a:p>
             <a:fld id="{2E1F55D2-012E-4587-AB96-83C5FA911873}" type="datetime1">
               <a:rPr lang="en-US" smtClean="0"/>
-              <a:t>5/14/2024</a:t>
+              <a:t>6/5/2024</a:t>
             </a:fld>
             <a:endParaRPr lang="en-US"/>
           </a:p>
@@ -2586,7 +2586,7 @@
           <a:p>
             <a:fld id="{90886C48-01DE-4593-AA2F-ED6C66969C94}" type="datetime1">
               <a:rPr lang="en-US" smtClean="0"/>
-              <a:t>5/14/2024</a:t>
+              <a:t>6/5/2024</a:t>
             </a:fld>
             <a:endParaRPr lang="en-US"/>
           </a:p>
@@ -2834,7 +2834,7 @@
           <a:p>
             <a:fld id="{DA5C5A30-4703-4CE9-8DBA-B93F35E541CD}" type="datetime1">
               <a:rPr lang="en-US" smtClean="0"/>
-              <a:t>5/14/2024</a:t>
+              <a:t>6/5/2024</a:t>
             </a:fld>
             <a:endParaRPr lang="en-US"/>
           </a:p>
@@ -3041,7 +3041,7 @@
           <a:p>
             <a:fld id="{44CBD428-9F02-4F1C-9708-EBB07AC8C77B}" type="datetime1">
               <a:rPr lang="en-US" smtClean="0"/>
-              <a:t>5/14/2024</a:t>
+              <a:t>6/5/2024</a:t>
             </a:fld>
             <a:endParaRPr lang="en-US"/>
           </a:p>
@@ -3476,7 +3476,7 @@
         </p:nvSpPr>
         <p:spPr>
           <a:xfrm>
-            <a:off x="990600" y="1143000"/>
+            <a:off x="960120" y="126712"/>
             <a:ext cx="2743200" cy="584775"/>
           </a:xfrm>
           <a:prstGeom prst="rect">
@@ -3509,8 +3509,8 @@
         </p:nvSpPr>
         <p:spPr>
           <a:xfrm>
-            <a:off x="914400" y="1905000"/>
-            <a:ext cx="5943600" cy="4524315"/>
+            <a:off x="851835" y="533400"/>
+            <a:ext cx="4587243" cy="7017306"/>
           </a:xfrm>
           <a:prstGeom prst="rect">
             <a:avLst/>
@@ -3528,7 +3528,7 @@
               <a:buAutoNum type="arabicPeriod"/>
             </a:pPr>
             <a:r>
-              <a:rPr lang="en-US" sz="2400" dirty="0"/>
+              <a:rPr lang="en-US" dirty="0"/>
               <a:t>Dashboard</a:t>
             </a:r>
           </a:p>
@@ -3538,7 +3538,7 @@
               <a:buAutoNum type="arabicPeriod"/>
             </a:pPr>
             <a:r>
-              <a:rPr lang="en-US" sz="2400" dirty="0"/>
+              <a:rPr lang="en-US" dirty="0"/>
               <a:t>Project</a:t>
             </a:r>
           </a:p>
@@ -3548,7 +3548,7 @@
               <a:buAutoNum type="arabicPeriod"/>
             </a:pPr>
             <a:r>
-              <a:rPr lang="en-US" sz="2400" dirty="0"/>
+              <a:rPr lang="en-US" dirty="0"/>
               <a:t>Resource</a:t>
             </a:r>
           </a:p>
@@ -3558,7 +3558,7 @@
               <a:buAutoNum type="arabicPeriod"/>
             </a:pPr>
             <a:r>
-              <a:rPr lang="en-US" sz="2400" dirty="0"/>
+              <a:rPr lang="en-US" dirty="0"/>
               <a:t>Timesheet</a:t>
             </a:r>
           </a:p>
@@ -3568,7 +3568,7 @@
               <a:buAutoNum type="arabicPeriod"/>
             </a:pPr>
             <a:r>
-              <a:rPr lang="en-US" sz="2400" dirty="0"/>
+              <a:rPr lang="en-US" dirty="0"/>
               <a:t>Leave Management</a:t>
             </a:r>
           </a:p>
@@ -3578,7 +3578,7 @@
               <a:buAutoNum type="arabicPeriod"/>
             </a:pPr>
             <a:r>
-              <a:rPr lang="en-US" sz="2400" dirty="0"/>
+              <a:rPr lang="en-US" dirty="0"/>
               <a:t>Leave encashment calculation</a:t>
             </a:r>
           </a:p>
@@ -3588,7 +3588,7 @@
               <a:buAutoNum type="arabicPeriod"/>
             </a:pPr>
             <a:r>
-              <a:rPr lang="en-US" sz="2400" dirty="0"/>
+              <a:rPr lang="en-US" dirty="0"/>
               <a:t>Attendance Reminder</a:t>
             </a:r>
           </a:p>
@@ -3598,7 +3598,7 @@
               <a:buAutoNum type="arabicPeriod"/>
             </a:pPr>
             <a:r>
-              <a:rPr lang="en-US" sz="2400" dirty="0"/>
+              <a:rPr lang="en-US" dirty="0"/>
               <a:t>Yearly Leave Plan</a:t>
             </a:r>
           </a:p>
@@ -3608,7 +3608,7 @@
               <a:buAutoNum type="arabicPeriod"/>
             </a:pPr>
             <a:r>
-              <a:rPr lang="en-US" sz="2400" dirty="0"/>
+              <a:rPr lang="en-US" dirty="0"/>
               <a:t>Notification</a:t>
             </a:r>
           </a:p>
@@ -3618,7 +3618,7 @@
               <a:buAutoNum type="arabicPeriod"/>
             </a:pPr>
             <a:r>
-              <a:rPr lang="en-US" sz="2400" dirty="0"/>
+              <a:rPr lang="en-US" dirty="0"/>
               <a:t>Asset</a:t>
             </a:r>
           </a:p>
@@ -3628,7 +3628,7 @@
               <a:buAutoNum type="arabicPeriod"/>
             </a:pPr>
             <a:r>
-              <a:rPr lang="en-US" sz="2400" dirty="0"/>
+              <a:rPr lang="en-US" dirty="0"/>
               <a:t>Email Template</a:t>
             </a:r>
           </a:p>
@@ -3638,9 +3638,158 @@
               <a:buAutoNum type="arabicPeriod"/>
             </a:pPr>
             <a:r>
-              <a:rPr lang="en-US" sz="2400" dirty="0"/>
+              <a:rPr lang="en-US" dirty="0"/>
               <a:t>Allocate Resources (play ground)</a:t>
             </a:r>
+          </a:p>
+          <a:p>
+            <a:pPr marL="342900" indent="-342900">
+              <a:buFont typeface="+mj-lt"/>
+              <a:buAutoNum type="arabicPeriod"/>
+            </a:pPr>
+            <a:r>
+              <a:rPr lang="en-US" dirty="0"/>
+              <a:t>General storage to </a:t>
+            </a:r>
+            <a:r>
+              <a:rPr lang="en-US" dirty="0" err="1"/>
+              <a:t>Hr</a:t>
+            </a:r>
+            <a:r>
+              <a:rPr lang="en-US" dirty="0"/>
+              <a:t> policies etc.</a:t>
+            </a:r>
+          </a:p>
+          <a:p>
+            <a:pPr marL="342900" indent="-342900">
+              <a:buFont typeface="+mj-lt"/>
+              <a:buAutoNum type="arabicPeriod"/>
+            </a:pPr>
+            <a:r>
+              <a:rPr lang="en-US" dirty="0"/>
+              <a:t>Certification &amp; approval</a:t>
+            </a:r>
+          </a:p>
+          <a:p>
+            <a:pPr marL="342900" indent="-342900">
+              <a:buFont typeface="+mj-lt"/>
+              <a:buAutoNum type="arabicPeriod"/>
+            </a:pPr>
+            <a:r>
+              <a:rPr lang="en-US" dirty="0"/>
+              <a:t>Post articles, Buzz</a:t>
+            </a:r>
+          </a:p>
+          <a:p>
+            <a:pPr marL="342900" indent="-342900">
+              <a:buFont typeface="+mj-lt"/>
+              <a:buAutoNum type="arabicPeriod"/>
+            </a:pPr>
+            <a:r>
+              <a:rPr lang="en-US" dirty="0"/>
+              <a:t>Learning</a:t>
+            </a:r>
+          </a:p>
+          <a:p>
+            <a:pPr marL="342900" indent="-342900">
+              <a:buFont typeface="+mj-lt"/>
+              <a:buAutoNum type="arabicPeriod"/>
+            </a:pPr>
+            <a:r>
+              <a:rPr lang="en-US" dirty="0" err="1"/>
+              <a:t>OnBoarding</a:t>
+            </a:r>
+            <a:r>
+              <a:rPr lang="en-US" dirty="0"/>
+              <a:t> </a:t>
+            </a:r>
+          </a:p>
+          <a:p>
+            <a:pPr marL="342900" indent="-342900">
+              <a:buFont typeface="+mj-lt"/>
+              <a:buAutoNum type="arabicPeriod"/>
+            </a:pPr>
+            <a:r>
+              <a:rPr lang="en-US" dirty="0"/>
+              <a:t>Post vacancy ( </a:t>
+            </a:r>
+            <a:r>
+              <a:rPr lang="en-US" dirty="0" err="1"/>
+              <a:t>ihrm</a:t>
+            </a:r>
+            <a:r>
+              <a:rPr lang="en-US" dirty="0"/>
+              <a:t> to </a:t>
+            </a:r>
+            <a:r>
+              <a:rPr lang="en-US" dirty="0" err="1"/>
+              <a:t>linkedin</a:t>
+            </a:r>
+            <a:r>
+              <a:rPr lang="en-US" dirty="0"/>
+              <a:t> )</a:t>
+            </a:r>
+          </a:p>
+          <a:p>
+            <a:pPr marL="342900" indent="-342900">
+              <a:buFont typeface="+mj-lt"/>
+              <a:buAutoNum type="arabicPeriod"/>
+            </a:pPr>
+            <a:r>
+              <a:rPr lang="en-US" dirty="0"/>
+              <a:t>Resignation </a:t>
+            </a:r>
+          </a:p>
+          <a:p>
+            <a:pPr marL="342900" indent="-342900">
+              <a:buFont typeface="+mj-lt"/>
+              <a:buAutoNum type="arabicPeriod"/>
+            </a:pPr>
+            <a:r>
+              <a:rPr lang="en-US" dirty="0"/>
+              <a:t>2FA forgot password</a:t>
+            </a:r>
+          </a:p>
+          <a:p>
+            <a:pPr marL="342900" indent="-342900">
+              <a:buFont typeface="+mj-lt"/>
+              <a:buAutoNum type="arabicPeriod"/>
+            </a:pPr>
+            <a:r>
+              <a:rPr lang="en-US" dirty="0"/>
+              <a:t>Corporate branding</a:t>
+            </a:r>
+          </a:p>
+          <a:p>
+            <a:pPr marL="342900" indent="-342900">
+              <a:buFont typeface="+mj-lt"/>
+              <a:buAutoNum type="arabicPeriod"/>
+            </a:pPr>
+            <a:r>
+              <a:rPr lang="en-US" dirty="0"/>
+              <a:t>Module Configuration</a:t>
+            </a:r>
+          </a:p>
+          <a:p>
+            <a:pPr marL="342900" indent="-342900">
+              <a:buFont typeface="+mj-lt"/>
+              <a:buAutoNum type="arabicPeriod"/>
+            </a:pPr>
+            <a:r>
+              <a:rPr lang="en-US" dirty="0"/>
+              <a:t>Performance Appraisal</a:t>
+            </a:r>
+            <a:br>
+              <a:rPr lang="en-US" dirty="0"/>
+            </a:br>
+            <a:endParaRPr lang="en-US" dirty="0"/>
+          </a:p>
+          <a:p>
+            <a:pPr marL="342900" indent="-342900">
+              <a:buFont typeface="+mj-lt"/>
+              <a:buAutoNum type="arabicPeriod"/>
+            </a:pPr>
+            <a:endParaRPr lang="en-US" dirty="0"/>
           </a:p>
         </p:txBody>
       </p:sp>
@@ -3993,7 +4142,7 @@
         <p:spPr>
           <a:xfrm>
             <a:off x="1066800" y="2209800"/>
-            <a:ext cx="4572000" cy="2862322"/>
+            <a:ext cx="4572000" cy="2585323"/>
           </a:xfrm>
           <a:prstGeom prst="rect">
             <a:avLst/>
@@ -4072,16 +4221,6 @@
             <a:r>
               <a:rPr lang="en-US" dirty="0"/>
               <a:t>Notifications and Reminders</a:t>
-            </a:r>
-          </a:p>
-          <a:p>
-            <a:pPr marL="342900" indent="-342900">
-              <a:buFont typeface="+mj-lt"/>
-              <a:buAutoNum type="arabicPeriod"/>
-            </a:pPr>
-            <a:r>
-              <a:rPr lang="en-US" dirty="0"/>
-              <a:t>Audit Trail</a:t>
             </a:r>
           </a:p>
           <a:p>
@@ -6296,7 +6435,7 @@
         <p:spPr>
           <a:xfrm>
             <a:off x="838200" y="1905000"/>
-            <a:ext cx="5943600" cy="3108543"/>
+            <a:ext cx="5943600" cy="3539430"/>
           </a:xfrm>
           <a:prstGeom prst="rect">
             <a:avLst/>
@@ -6376,6 +6515,16 @@
             <a:r>
               <a:rPr lang="en-US" sz="2800" dirty="0"/>
               <a:t>View Notification</a:t>
+            </a:r>
+          </a:p>
+          <a:p>
+            <a:pPr marL="342900" indent="-342900">
+              <a:buFont typeface="+mj-lt"/>
+              <a:buAutoNum type="arabicPeriod"/>
+            </a:pPr>
+            <a:r>
+              <a:rPr lang="en-US" sz="2800" dirty="0"/>
+              <a:t>Pending approvals</a:t>
             </a:r>
           </a:p>
         </p:txBody>
@@ -6761,6 +6910,72 @@
               <a:rPr lang="en-US" sz="3200" b="1" dirty="0"/>
               <a:t>User Email Template</a:t>
             </a:r>
+          </a:p>
+        </p:txBody>
+      </p:sp>
+      <p:sp>
+        <p:nvSpPr>
+          <p:cNvPr id="4" name="TextBox 3">
+            <a:extLst>
+              <a:ext uri="{FF2B5EF4-FFF2-40B4-BE49-F238E27FC236}">
+                <a16:creationId xmlns:a16="http://schemas.microsoft.com/office/drawing/2014/main" id="{5A9E691A-D0E7-37B5-4280-79C62068E016}"/>
+              </a:ext>
+            </a:extLst>
+          </p:cNvPr>
+          <p:cNvSpPr txBox="1"/>
+          <p:nvPr/>
+        </p:nvSpPr>
+        <p:spPr>
+          <a:xfrm>
+            <a:off x="1219200" y="1981200"/>
+            <a:ext cx="2613729" cy="1200329"/>
+          </a:xfrm>
+          <a:prstGeom prst="rect">
+            <a:avLst/>
+          </a:prstGeom>
+          <a:noFill/>
+        </p:spPr>
+        <p:txBody>
+          <a:bodyPr wrap="none" rtlCol="0">
+            <a:spAutoFit/>
+          </a:bodyPr>
+          <a:lstStyle/>
+          <a:p>
+            <a:pPr marL="342900" indent="-342900">
+              <a:buFont typeface="+mj-lt"/>
+              <a:buAutoNum type="arabicPeriod"/>
+            </a:pPr>
+            <a:r>
+              <a:rPr lang="en-US" dirty="0"/>
+              <a:t>Loan proof request</a:t>
+            </a:r>
+          </a:p>
+          <a:p>
+            <a:pPr marL="342900" indent="-342900">
+              <a:buFont typeface="+mj-lt"/>
+              <a:buAutoNum type="arabicPeriod"/>
+            </a:pPr>
+            <a:r>
+              <a:rPr lang="en-US" dirty="0"/>
+              <a:t>Address proof request</a:t>
+            </a:r>
+          </a:p>
+          <a:p>
+            <a:pPr marL="342900" indent="-342900">
+              <a:buFont typeface="+mj-lt"/>
+              <a:buAutoNum type="arabicPeriod"/>
+            </a:pPr>
+            <a:r>
+              <a:rPr lang="en-US" dirty="0"/>
+              <a:t>All doc request</a:t>
+            </a:r>
+          </a:p>
+          <a:p>
+            <a:pPr marL="342900" indent="-342900">
+              <a:buFont typeface="+mj-lt"/>
+              <a:buAutoNum type="arabicPeriod"/>
+            </a:pPr>
+            <a:endParaRPr lang="en-US" dirty="0"/>
           </a:p>
         </p:txBody>
       </p:sp>
